--- a/Theory Class-Notes/Complete Syllabus and Notes/PPT/Module-3 Interfaces and Packages.pptx
+++ b/Theory Class-Notes/Complete Syllabus and Notes/PPT/Module-3 Interfaces and Packages.pptx
@@ -7,8 +7,8 @@
   <p:sldIdLst>
     <p:sldId id="285" r:id="rId2"/>
     <p:sldId id="401" r:id="rId3"/>
-    <p:sldId id="423" r:id="rId4"/>
-    <p:sldId id="448" r:id="rId5"/>
+    <p:sldId id="448" r:id="rId4"/>
+    <p:sldId id="423" r:id="rId5"/>
     <p:sldId id="455" r:id="rId6"/>
     <p:sldId id="456" r:id="rId7"/>
     <p:sldId id="451" r:id="rId8"/>
@@ -288,7 +288,7 @@
           <a:p>
             <a:fld id="{D26B7375-69CE-4EFD-B497-21F2303388E1}" type="datetimeFigureOut">
               <a:rPr lang="en-US" smtClean="0"/>
-              <a:t>9/19/2024</a:t>
+              <a:t>9/28/2024</a:t>
             </a:fld>
             <a:endParaRPr lang="en-US"/>
           </a:p>
@@ -486,7 +486,7 @@
           <a:p>
             <a:fld id="{D26B7375-69CE-4EFD-B497-21F2303388E1}" type="datetimeFigureOut">
               <a:rPr lang="en-US" smtClean="0"/>
-              <a:t>9/19/2024</a:t>
+              <a:t>9/28/2024</a:t>
             </a:fld>
             <a:endParaRPr lang="en-US"/>
           </a:p>
@@ -694,7 +694,7 @@
           <a:p>
             <a:fld id="{D26B7375-69CE-4EFD-B497-21F2303388E1}" type="datetimeFigureOut">
               <a:rPr lang="en-US" smtClean="0"/>
-              <a:t>9/19/2024</a:t>
+              <a:t>9/28/2024</a:t>
             </a:fld>
             <a:endParaRPr lang="en-US"/>
           </a:p>
@@ -892,7 +892,7 @@
           <a:p>
             <a:fld id="{D26B7375-69CE-4EFD-B497-21F2303388E1}" type="datetimeFigureOut">
               <a:rPr lang="en-US" smtClean="0"/>
-              <a:t>9/19/2024</a:t>
+              <a:t>9/28/2024</a:t>
             </a:fld>
             <a:endParaRPr lang="en-US"/>
           </a:p>
@@ -1167,7 +1167,7 @@
           <a:p>
             <a:fld id="{D26B7375-69CE-4EFD-B497-21F2303388E1}" type="datetimeFigureOut">
               <a:rPr lang="en-US" smtClean="0"/>
-              <a:t>9/19/2024</a:t>
+              <a:t>9/28/2024</a:t>
             </a:fld>
             <a:endParaRPr lang="en-US"/>
           </a:p>
@@ -1432,7 +1432,7 @@
           <a:p>
             <a:fld id="{D26B7375-69CE-4EFD-B497-21F2303388E1}" type="datetimeFigureOut">
               <a:rPr lang="en-US" smtClean="0"/>
-              <a:t>9/19/2024</a:t>
+              <a:t>9/28/2024</a:t>
             </a:fld>
             <a:endParaRPr lang="en-US"/>
           </a:p>
@@ -1844,7 +1844,7 @@
           <a:p>
             <a:fld id="{D26B7375-69CE-4EFD-B497-21F2303388E1}" type="datetimeFigureOut">
               <a:rPr lang="en-US" smtClean="0"/>
-              <a:t>9/19/2024</a:t>
+              <a:t>9/28/2024</a:t>
             </a:fld>
             <a:endParaRPr lang="en-US"/>
           </a:p>
@@ -1985,7 +1985,7 @@
           <a:p>
             <a:fld id="{D26B7375-69CE-4EFD-B497-21F2303388E1}" type="datetimeFigureOut">
               <a:rPr lang="en-US" smtClean="0"/>
-              <a:t>9/19/2024</a:t>
+              <a:t>9/28/2024</a:t>
             </a:fld>
             <a:endParaRPr lang="en-US"/>
           </a:p>
@@ -2098,7 +2098,7 @@
           <a:p>
             <a:fld id="{D26B7375-69CE-4EFD-B497-21F2303388E1}" type="datetimeFigureOut">
               <a:rPr lang="en-US" smtClean="0"/>
-              <a:t>9/19/2024</a:t>
+              <a:t>9/28/2024</a:t>
             </a:fld>
             <a:endParaRPr lang="en-US"/>
           </a:p>
@@ -2409,7 +2409,7 @@
           <a:p>
             <a:fld id="{D26B7375-69CE-4EFD-B497-21F2303388E1}" type="datetimeFigureOut">
               <a:rPr lang="en-US" smtClean="0"/>
-              <a:t>9/19/2024</a:t>
+              <a:t>9/28/2024</a:t>
             </a:fld>
             <a:endParaRPr lang="en-US"/>
           </a:p>
@@ -2697,7 +2697,7 @@
           <a:p>
             <a:fld id="{D26B7375-69CE-4EFD-B497-21F2303388E1}" type="datetimeFigureOut">
               <a:rPr lang="en-US" smtClean="0"/>
-              <a:t>9/19/2024</a:t>
+              <a:t>9/28/2024</a:t>
             </a:fld>
             <a:endParaRPr lang="en-US"/>
           </a:p>
@@ -2938,7 +2938,7 @@
           <a:p>
             <a:fld id="{D26B7375-69CE-4EFD-B497-21F2303388E1}" type="datetimeFigureOut">
               <a:rPr lang="en-US" smtClean="0"/>
-              <a:t>9/19/2024</a:t>
+              <a:t>9/28/2024</a:t>
             </a:fld>
             <a:endParaRPr lang="en-US"/>
           </a:p>
@@ -8528,287 +8528,82 @@
         </p:nvSpPr>
         <p:spPr>
           <a:xfrm>
-            <a:off x="588004" y="482651"/>
-            <a:ext cx="11015992" cy="5892698"/>
+            <a:off x="694403" y="2006650"/>
+            <a:ext cx="10803193" cy="2240885"/>
           </a:xfrm>
         </p:spPr>
         <p:txBody>
           <a:bodyPr>
-            <a:normAutofit lnSpcReduction="10000"/>
+            <a:normAutofit/>
           </a:bodyPr>
           <a:lstStyle/>
           <a:p>
-            <a:pPr marL="0" indent="0">
-              <a:buNone/>
-            </a:pPr>
-            <a:r>
-              <a:rPr lang="en-US" b="1" dirty="0"/>
-              <a:t>What is an </a:t>
-            </a:r>
-            <a:r>
-              <a:rPr lang="en-US" b="1" dirty="0">
+            <a:pPr marL="0" indent="0" algn="ctr">
+              <a:buNone/>
+            </a:pPr>
+            <a:r>
+              <a:rPr lang="en-US" sz="4400" b="1" dirty="0">
+                <a:solidFill>
+                  <a:srgbClr val="00B0F0"/>
+                </a:solidFill>
+              </a:rPr>
+              <a:t>Data Abstraction</a:t>
+            </a:r>
+          </a:p>
+          <a:p>
+            <a:pPr marL="0" indent="0" algn="ctr">
+              <a:buNone/>
+            </a:pPr>
+            <a:r>
+              <a:rPr lang="en-US" sz="3200" b="1" dirty="0">
                 <a:solidFill>
                   <a:srgbClr val="C00000"/>
                 </a:solidFill>
               </a:rPr>
-              <a:t>interface</a:t>
-            </a:r>
-            <a:r>
-              <a:rPr lang="en-US" b="1" dirty="0"/>
-              <a:t>?</a:t>
-            </a:r>
-          </a:p>
-          <a:p>
-            <a:r>
-              <a:rPr lang="en-US" dirty="0"/>
-              <a:t>In Java, an </a:t>
-            </a:r>
-            <a:r>
-              <a:rPr lang="en-US" b="1" dirty="0"/>
-              <a:t>interface</a:t>
-            </a:r>
-            <a:r>
-              <a:rPr lang="en-US" dirty="0"/>
-              <a:t> is a </a:t>
-            </a:r>
-            <a:r>
-              <a:rPr lang="en-US" b="1" dirty="0">
-                <a:solidFill>
-                  <a:srgbClr val="C00000"/>
-                </a:solidFill>
-              </a:rPr>
-              <a:t>reference type</a:t>
-            </a:r>
-            <a:r>
-              <a:rPr lang="en-US" dirty="0"/>
-              <a:t>, similar to a </a:t>
-            </a:r>
-            <a:r>
-              <a:rPr lang="en-US" b="1" dirty="0">
-                <a:solidFill>
-                  <a:srgbClr val="C00000"/>
-                </a:solidFill>
-              </a:rPr>
-              <a:t>class</a:t>
-            </a:r>
-            <a:r>
-              <a:rPr lang="en-US" dirty="0"/>
-              <a:t>, that can contain only </a:t>
-            </a:r>
-          </a:p>
-          <a:p>
-            <a:pPr marL="914400" lvl="1" indent="-457200">
-              <a:buFont typeface="+mj-lt"/>
-              <a:buAutoNum type="arabicPeriod"/>
-            </a:pPr>
-            <a:r>
-              <a:rPr lang="en-US" sz="2800" b="1" dirty="0">
-                <a:solidFill>
-                  <a:srgbClr val="0070C0"/>
-                </a:solidFill>
-              </a:rPr>
-              <a:t>public</a:t>
-            </a:r>
-            <a:r>
-              <a:rPr lang="en-US" sz="2800" dirty="0"/>
-              <a:t> </a:t>
-            </a:r>
-            <a:r>
-              <a:rPr lang="en-US" sz="2800" b="1" dirty="0"/>
+              <a:t>Abstract</a:t>
+            </a:r>
+            <a:r>
+              <a:rPr lang="en-US" sz="3200" b="1" dirty="0">
+                <a:solidFill>
+                  <a:srgbClr val="00B0F0"/>
+                </a:solidFill>
+              </a:rPr>
+              <a:t> Classes </a:t>
+            </a:r>
+            <a:r>
+              <a:rPr lang="en-US" sz="3200" b="1" dirty="0"/>
               <a:t>and</a:t>
             </a:r>
             <a:r>
-              <a:rPr lang="en-US" sz="2800" dirty="0"/>
-              <a:t> </a:t>
-            </a:r>
-            <a:r>
-              <a:rPr lang="en-US" sz="2800" b="1" dirty="0">
-                <a:solidFill>
-                  <a:srgbClr val="0070C0"/>
-                </a:solidFill>
-              </a:rPr>
-              <a:t>abstract methods</a:t>
-            </a:r>
-            <a:r>
-              <a:rPr lang="en-US" sz="2800" dirty="0"/>
-              <a:t> (</a:t>
-            </a:r>
-            <a:r>
-              <a:rPr lang="en-US" sz="2000" dirty="0"/>
-              <a:t>Starting with Java 8, you can also have </a:t>
-            </a:r>
-            <a:r>
-              <a:rPr lang="en-US" sz="2000" b="1" dirty="0">
-                <a:solidFill>
-                  <a:srgbClr val="C00000"/>
-                </a:solidFill>
-              </a:rPr>
-              <a:t>default</a:t>
-            </a:r>
-            <a:r>
-              <a:rPr lang="en-US" sz="2000" dirty="0"/>
-              <a:t> and </a:t>
-            </a:r>
-            <a:r>
-              <a:rPr lang="en-US" sz="2000" b="1" dirty="0">
-                <a:solidFill>
-                  <a:srgbClr val="C00000"/>
-                </a:solidFill>
-              </a:rPr>
-              <a:t>static</a:t>
-            </a:r>
-            <a:r>
-              <a:rPr lang="en-US" sz="2000" dirty="0"/>
-              <a:t> methods in an interface)</a:t>
-            </a:r>
-            <a:endParaRPr lang="en-US" sz="2800" dirty="0"/>
-          </a:p>
-          <a:p>
-            <a:pPr marL="914400" lvl="1" indent="-457200">
-              <a:buFont typeface="+mj-lt"/>
-              <a:buAutoNum type="arabicPeriod"/>
-            </a:pPr>
-            <a:r>
-              <a:rPr lang="en-US" sz="2800" b="1" dirty="0">
-                <a:solidFill>
-                  <a:srgbClr val="0070C0"/>
-                </a:solidFill>
-              </a:rPr>
-              <a:t>public static final fields</a:t>
-            </a:r>
-            <a:r>
-              <a:rPr lang="en-US" sz="2800" dirty="0"/>
-              <a:t>. </a:t>
-            </a:r>
-          </a:p>
-          <a:p>
-            <a:pPr marL="914400" lvl="1" indent="-457200">
-              <a:buFont typeface="+mj-lt"/>
-              <a:buAutoNum type="arabicPeriod"/>
-            </a:pPr>
-            <a:r>
-              <a:rPr lang="en-US" sz="2800" dirty="0"/>
-              <a:t>I</a:t>
-            </a:r>
-            <a:r>
-              <a:rPr lang="en-US" sz="2800" b="1" dirty="0"/>
-              <a:t>t</a:t>
-            </a:r>
-            <a:r>
-              <a:rPr lang="en-US" sz="2800" dirty="0"/>
-              <a:t> </a:t>
-            </a:r>
-            <a:r>
-              <a:rPr lang="en-US" sz="2800" b="1" dirty="0">
-                <a:solidFill>
-                  <a:srgbClr val="C00000"/>
-                </a:solidFill>
-              </a:rPr>
-              <a:t>cannot have </a:t>
-            </a:r>
-            <a:r>
-              <a:rPr lang="en-US" sz="2800" b="1" dirty="0"/>
-              <a:t>Constructor</a:t>
-            </a:r>
-          </a:p>
-          <a:p>
-            <a:r>
-              <a:rPr lang="en-US" dirty="0"/>
-              <a:t>Interfaces specify </a:t>
-            </a:r>
-            <a:r>
-              <a:rPr lang="en-US" b="1" dirty="0">
-                <a:solidFill>
-                  <a:srgbClr val="C00000"/>
-                </a:solidFill>
-              </a:rPr>
-              <a:t>what a class must do</a:t>
-            </a:r>
-            <a:r>
-              <a:rPr lang="en-US" dirty="0"/>
-              <a:t>, </a:t>
-            </a:r>
-            <a:r>
-              <a:rPr lang="en-US" b="1" dirty="0"/>
-              <a:t>but not how it does it</a:t>
-            </a:r>
-            <a:r>
-              <a:rPr lang="en-US" dirty="0"/>
-              <a:t>. </a:t>
-            </a:r>
-          </a:p>
-          <a:p>
-            <a:r>
-              <a:rPr lang="en-US" dirty="0"/>
-              <a:t>A class that </a:t>
-            </a:r>
-            <a:r>
-              <a:rPr lang="en-US" b="1" dirty="0">
-                <a:solidFill>
-                  <a:srgbClr val="C00000"/>
-                </a:solidFill>
-              </a:rPr>
-              <a:t>implements</a:t>
-            </a:r>
-            <a:r>
-              <a:rPr lang="en-US" dirty="0"/>
-              <a:t> an interface must </a:t>
-            </a:r>
-            <a:r>
-              <a:rPr lang="en-US" b="1" dirty="0"/>
-              <a:t>implement all of its methods unless it is an abstract class</a:t>
-            </a:r>
-            <a:r>
-              <a:rPr lang="en-US" dirty="0"/>
-              <a:t>. </a:t>
-            </a:r>
-          </a:p>
-          <a:p>
-            <a:r>
-              <a:rPr lang="en-US" dirty="0"/>
-              <a:t>Interfaces are used to achieve:</a:t>
-            </a:r>
-          </a:p>
-          <a:p>
-            <a:pPr lvl="1"/>
-            <a:r>
-              <a:rPr lang="en-US" b="1" dirty="0"/>
-              <a:t>Abstraction</a:t>
-            </a:r>
-            <a:r>
-              <a:rPr lang="en-US" dirty="0"/>
-              <a:t>, </a:t>
-            </a:r>
-          </a:p>
-          <a:p>
-            <a:pPr lvl="1"/>
-            <a:r>
-              <a:rPr lang="en-US" b="1" dirty="0"/>
-              <a:t>Multiple Inheritance</a:t>
-            </a:r>
-            <a:r>
-              <a:rPr lang="en-US" dirty="0"/>
-              <a:t>, and </a:t>
-            </a:r>
-          </a:p>
-          <a:p>
-            <a:pPr lvl="1"/>
-            <a:r>
-              <a:rPr lang="en-US" b="1" dirty="0"/>
-              <a:t>Loose coupling </a:t>
-            </a:r>
-            <a:r>
-              <a:rPr lang="en-US" dirty="0"/>
-              <a:t>between components in Java.</a:t>
-            </a:r>
-            <a:endParaRPr lang="en-IN" dirty="0"/>
+              <a:rPr lang="en-US" sz="3200" b="1" dirty="0">
+                <a:solidFill>
+                  <a:srgbClr val="00B0F0"/>
+                </a:solidFill>
+              </a:rPr>
+              <a:t> Interfaces</a:t>
+            </a:r>
+            <a:endParaRPr lang="en-IN" sz="3200" b="1" dirty="0">
+              <a:solidFill>
+                <a:srgbClr val="00B0F0"/>
+              </a:solidFill>
+            </a:endParaRPr>
+          </a:p>
+          <a:p>
+            <a:pPr marL="0" indent="0" algn="ctr">
+              <a:buNone/>
+            </a:pPr>
+            <a:endParaRPr lang="en-IN" sz="4400" b="1" dirty="0">
+              <a:solidFill>
+                <a:srgbClr val="00B0F0"/>
+              </a:solidFill>
+            </a:endParaRPr>
           </a:p>
         </p:txBody>
       </p:sp>
     </p:spTree>
     <p:extLst>
       <p:ext uri="{BB962C8B-B14F-4D97-AF65-F5344CB8AC3E}">
-        <p14:creationId xmlns:p14="http://schemas.microsoft.com/office/powerpoint/2010/main" val="1112322355"/>
+        <p14:creationId xmlns:p14="http://schemas.microsoft.com/office/powerpoint/2010/main" val="824542802"/>
       </p:ext>
     </p:extLst>
   </p:cSld>
@@ -8918,82 +8713,287 @@
         </p:nvSpPr>
         <p:spPr>
           <a:xfrm>
-            <a:off x="694403" y="2006650"/>
-            <a:ext cx="10803193" cy="2240885"/>
+            <a:off x="588004" y="482651"/>
+            <a:ext cx="11015992" cy="5892698"/>
           </a:xfrm>
         </p:spPr>
         <p:txBody>
           <a:bodyPr>
-            <a:normAutofit/>
+            <a:normAutofit lnSpcReduction="10000"/>
           </a:bodyPr>
           <a:lstStyle/>
           <a:p>
-            <a:pPr marL="0" indent="0" algn="ctr">
-              <a:buNone/>
-            </a:pPr>
-            <a:r>
-              <a:rPr lang="en-US" sz="4400" b="1" dirty="0">
-                <a:solidFill>
-                  <a:srgbClr val="00B0F0"/>
-                </a:solidFill>
-              </a:rPr>
-              <a:t>Data Abstraction</a:t>
-            </a:r>
-          </a:p>
-          <a:p>
-            <a:pPr marL="0" indent="0" algn="ctr">
-              <a:buNone/>
-            </a:pPr>
-            <a:r>
-              <a:rPr lang="en-US" sz="3200" b="1" dirty="0">
+            <a:pPr marL="0" indent="0">
+              <a:buNone/>
+            </a:pPr>
+            <a:r>
+              <a:rPr lang="en-US" b="1" dirty="0"/>
+              <a:t>What is an </a:t>
+            </a:r>
+            <a:r>
+              <a:rPr lang="en-US" b="1" dirty="0">
                 <a:solidFill>
                   <a:srgbClr val="C00000"/>
                 </a:solidFill>
               </a:rPr>
-              <a:t>Abstract</a:t>
-            </a:r>
-            <a:r>
-              <a:rPr lang="en-US" sz="3200" b="1" dirty="0">
-                <a:solidFill>
-                  <a:srgbClr val="00B0F0"/>
-                </a:solidFill>
-              </a:rPr>
-              <a:t> Classes </a:t>
-            </a:r>
-            <a:r>
-              <a:rPr lang="en-US" sz="3200" b="1" dirty="0"/>
+              <a:t>interface</a:t>
+            </a:r>
+            <a:r>
+              <a:rPr lang="en-US" b="1" dirty="0"/>
+              <a:t>?</a:t>
+            </a:r>
+          </a:p>
+          <a:p>
+            <a:r>
+              <a:rPr lang="en-US" dirty="0"/>
+              <a:t>In Java, an </a:t>
+            </a:r>
+            <a:r>
+              <a:rPr lang="en-US" b="1" dirty="0"/>
+              <a:t>interface</a:t>
+            </a:r>
+            <a:r>
+              <a:rPr lang="en-US" dirty="0"/>
+              <a:t> is a </a:t>
+            </a:r>
+            <a:r>
+              <a:rPr lang="en-US" b="1" dirty="0">
+                <a:solidFill>
+                  <a:srgbClr val="C00000"/>
+                </a:solidFill>
+              </a:rPr>
+              <a:t>reference type</a:t>
+            </a:r>
+            <a:r>
+              <a:rPr lang="en-US" dirty="0"/>
+              <a:t>, similar to a </a:t>
+            </a:r>
+            <a:r>
+              <a:rPr lang="en-US" b="1" dirty="0">
+                <a:solidFill>
+                  <a:srgbClr val="C00000"/>
+                </a:solidFill>
+              </a:rPr>
+              <a:t>class</a:t>
+            </a:r>
+            <a:r>
+              <a:rPr lang="en-US" dirty="0"/>
+              <a:t>, that can contain only </a:t>
+            </a:r>
+          </a:p>
+          <a:p>
+            <a:pPr marL="914400" lvl="1" indent="-457200">
+              <a:buFont typeface="+mj-lt"/>
+              <a:buAutoNum type="arabicPeriod"/>
+            </a:pPr>
+            <a:r>
+              <a:rPr lang="en-US" sz="2800" b="1" dirty="0">
+                <a:solidFill>
+                  <a:srgbClr val="0070C0"/>
+                </a:solidFill>
+              </a:rPr>
+              <a:t>public</a:t>
+            </a:r>
+            <a:r>
+              <a:rPr lang="en-US" sz="2800" dirty="0"/>
+              <a:t> </a:t>
+            </a:r>
+            <a:r>
+              <a:rPr lang="en-US" sz="2800" b="1" dirty="0"/>
               <a:t>and</a:t>
             </a:r>
             <a:r>
-              <a:rPr lang="en-US" sz="3200" b="1" dirty="0">
-                <a:solidFill>
-                  <a:srgbClr val="00B0F0"/>
-                </a:solidFill>
-              </a:rPr>
-              <a:t> Interfaces</a:t>
-            </a:r>
-            <a:endParaRPr lang="en-IN" sz="3200" b="1" dirty="0">
-              <a:solidFill>
-                <a:srgbClr val="00B0F0"/>
-              </a:solidFill>
-            </a:endParaRPr>
-          </a:p>
-          <a:p>
-            <a:pPr marL="0" indent="0" algn="ctr">
-              <a:buNone/>
-            </a:pPr>
-            <a:endParaRPr lang="en-IN" sz="4400" b="1" dirty="0">
-              <a:solidFill>
-                <a:srgbClr val="00B0F0"/>
-              </a:solidFill>
-            </a:endParaRPr>
+              <a:rPr lang="en-US" sz="2800" dirty="0"/>
+              <a:t> </a:t>
+            </a:r>
+            <a:r>
+              <a:rPr lang="en-US" sz="2800" b="1" dirty="0">
+                <a:solidFill>
+                  <a:srgbClr val="0070C0"/>
+                </a:solidFill>
+              </a:rPr>
+              <a:t>abstract methods</a:t>
+            </a:r>
+            <a:r>
+              <a:rPr lang="en-US" sz="2800" dirty="0"/>
+              <a:t> (</a:t>
+            </a:r>
+            <a:r>
+              <a:rPr lang="en-US" sz="2000" dirty="0"/>
+              <a:t>Starting with Java 8, you can also have </a:t>
+            </a:r>
+            <a:r>
+              <a:rPr lang="en-US" sz="2000" b="1" dirty="0">
+                <a:solidFill>
+                  <a:srgbClr val="C00000"/>
+                </a:solidFill>
+              </a:rPr>
+              <a:t>default</a:t>
+            </a:r>
+            <a:r>
+              <a:rPr lang="en-US" sz="2000" dirty="0"/>
+              <a:t> and </a:t>
+            </a:r>
+            <a:r>
+              <a:rPr lang="en-US" sz="2000" b="1" dirty="0">
+                <a:solidFill>
+                  <a:srgbClr val="C00000"/>
+                </a:solidFill>
+              </a:rPr>
+              <a:t>static</a:t>
+            </a:r>
+            <a:r>
+              <a:rPr lang="en-US" sz="2000" dirty="0"/>
+              <a:t> methods in an interface)</a:t>
+            </a:r>
+            <a:endParaRPr lang="en-US" sz="2800" dirty="0"/>
+          </a:p>
+          <a:p>
+            <a:pPr marL="914400" lvl="1" indent="-457200">
+              <a:buFont typeface="+mj-lt"/>
+              <a:buAutoNum type="arabicPeriod"/>
+            </a:pPr>
+            <a:r>
+              <a:rPr lang="en-US" sz="2800" b="1" dirty="0">
+                <a:solidFill>
+                  <a:srgbClr val="0070C0"/>
+                </a:solidFill>
+              </a:rPr>
+              <a:t>public static final fields</a:t>
+            </a:r>
+            <a:r>
+              <a:rPr lang="en-US" sz="2800" dirty="0"/>
+              <a:t>. </a:t>
+            </a:r>
+          </a:p>
+          <a:p>
+            <a:pPr marL="914400" lvl="1" indent="-457200">
+              <a:buFont typeface="+mj-lt"/>
+              <a:buAutoNum type="arabicPeriod"/>
+            </a:pPr>
+            <a:r>
+              <a:rPr lang="en-US" sz="2800" dirty="0"/>
+              <a:t>I</a:t>
+            </a:r>
+            <a:r>
+              <a:rPr lang="en-US" sz="2800" b="1" dirty="0"/>
+              <a:t>t</a:t>
+            </a:r>
+            <a:r>
+              <a:rPr lang="en-US" sz="2800" dirty="0"/>
+              <a:t> </a:t>
+            </a:r>
+            <a:r>
+              <a:rPr lang="en-US" sz="2800" b="1" dirty="0">
+                <a:solidFill>
+                  <a:srgbClr val="C00000"/>
+                </a:solidFill>
+              </a:rPr>
+              <a:t>cannot have </a:t>
+            </a:r>
+            <a:r>
+              <a:rPr lang="en-US" sz="2800" b="1" dirty="0"/>
+              <a:t>Constructor</a:t>
+            </a:r>
+          </a:p>
+          <a:p>
+            <a:r>
+              <a:rPr lang="en-US" dirty="0"/>
+              <a:t>Interfaces specify </a:t>
+            </a:r>
+            <a:r>
+              <a:rPr lang="en-US" b="1" dirty="0">
+                <a:solidFill>
+                  <a:srgbClr val="C00000"/>
+                </a:solidFill>
+              </a:rPr>
+              <a:t>what a class must do</a:t>
+            </a:r>
+            <a:r>
+              <a:rPr lang="en-US" dirty="0"/>
+              <a:t>, </a:t>
+            </a:r>
+            <a:r>
+              <a:rPr lang="en-US" b="1" dirty="0"/>
+              <a:t>but not how it does it</a:t>
+            </a:r>
+            <a:r>
+              <a:rPr lang="en-US" dirty="0"/>
+              <a:t>. </a:t>
+            </a:r>
+          </a:p>
+          <a:p>
+            <a:r>
+              <a:rPr lang="en-US" dirty="0"/>
+              <a:t>A class that </a:t>
+            </a:r>
+            <a:r>
+              <a:rPr lang="en-US" b="1" dirty="0">
+                <a:solidFill>
+                  <a:srgbClr val="C00000"/>
+                </a:solidFill>
+              </a:rPr>
+              <a:t>implements</a:t>
+            </a:r>
+            <a:r>
+              <a:rPr lang="en-US" dirty="0"/>
+              <a:t> an interface must </a:t>
+            </a:r>
+            <a:r>
+              <a:rPr lang="en-US" b="1" dirty="0"/>
+              <a:t>implement all of its methods unless it is an abstract class</a:t>
+            </a:r>
+            <a:r>
+              <a:rPr lang="en-US" dirty="0"/>
+              <a:t>. </a:t>
+            </a:r>
+          </a:p>
+          <a:p>
+            <a:r>
+              <a:rPr lang="en-US" dirty="0"/>
+              <a:t>Interfaces are used to achieve:</a:t>
+            </a:r>
+          </a:p>
+          <a:p>
+            <a:pPr lvl="1"/>
+            <a:r>
+              <a:rPr lang="en-US" b="1" dirty="0"/>
+              <a:t>Abstraction</a:t>
+            </a:r>
+            <a:r>
+              <a:rPr lang="en-US" dirty="0"/>
+              <a:t>, </a:t>
+            </a:r>
+          </a:p>
+          <a:p>
+            <a:pPr lvl="1"/>
+            <a:r>
+              <a:rPr lang="en-US" b="1" dirty="0"/>
+              <a:t>Multiple Inheritance</a:t>
+            </a:r>
+            <a:r>
+              <a:rPr lang="en-US" dirty="0"/>
+              <a:t>, and </a:t>
+            </a:r>
+          </a:p>
+          <a:p>
+            <a:pPr lvl="1"/>
+            <a:r>
+              <a:rPr lang="en-US" b="1" dirty="0"/>
+              <a:t>Loose coupling </a:t>
+            </a:r>
+            <a:r>
+              <a:rPr lang="en-US" dirty="0"/>
+              <a:t>between components in Java.</a:t>
+            </a:r>
+            <a:endParaRPr lang="en-IN" dirty="0"/>
           </a:p>
         </p:txBody>
       </p:sp>
     </p:spTree>
     <p:extLst>
       <p:ext uri="{BB962C8B-B14F-4D97-AF65-F5344CB8AC3E}">
-        <p14:creationId xmlns:p14="http://schemas.microsoft.com/office/powerpoint/2010/main" val="824542802"/>
+        <p14:creationId xmlns:p14="http://schemas.microsoft.com/office/powerpoint/2010/main" val="1112322355"/>
       </p:ext>
     </p:extLst>
   </p:cSld>

--- a/Theory Class-Notes/Complete Syllabus and Notes/PPT/Module-3 Interfaces and Packages.pptx
+++ b/Theory Class-Notes/Complete Syllabus and Notes/PPT/Module-3 Interfaces and Packages.pptx
@@ -5,36 +5,34 @@
     <p:sldMasterId id="2147483648" r:id="rId1"/>
   </p:sldMasterIdLst>
   <p:sldIdLst>
-    <p:sldId id="285" r:id="rId2"/>
-    <p:sldId id="401" r:id="rId3"/>
+    <p:sldId id="401" r:id="rId2"/>
+    <p:sldId id="423" r:id="rId3"/>
     <p:sldId id="448" r:id="rId4"/>
-    <p:sldId id="423" r:id="rId5"/>
-    <p:sldId id="455" r:id="rId6"/>
-    <p:sldId id="456" r:id="rId7"/>
-    <p:sldId id="451" r:id="rId8"/>
-    <p:sldId id="424" r:id="rId9"/>
-    <p:sldId id="425" r:id="rId10"/>
-    <p:sldId id="427" r:id="rId11"/>
-    <p:sldId id="428" r:id="rId12"/>
-    <p:sldId id="429" r:id="rId13"/>
-    <p:sldId id="430" r:id="rId14"/>
-    <p:sldId id="431" r:id="rId15"/>
-    <p:sldId id="432" r:id="rId16"/>
-    <p:sldId id="457" r:id="rId17"/>
-    <p:sldId id="458" r:id="rId18"/>
-    <p:sldId id="461" r:id="rId19"/>
-    <p:sldId id="459" r:id="rId20"/>
-    <p:sldId id="460" r:id="rId21"/>
-    <p:sldId id="462" r:id="rId22"/>
-    <p:sldId id="464" r:id="rId23"/>
-    <p:sldId id="463" r:id="rId24"/>
-    <p:sldId id="465" r:id="rId25"/>
-    <p:sldId id="466" r:id="rId26"/>
-    <p:sldId id="467" r:id="rId27"/>
-    <p:sldId id="468" r:id="rId28"/>
-    <p:sldId id="469" r:id="rId29"/>
-    <p:sldId id="426" r:id="rId30"/>
-    <p:sldId id="470" r:id="rId31"/>
+    <p:sldId id="455" r:id="rId5"/>
+    <p:sldId id="456" r:id="rId6"/>
+    <p:sldId id="451" r:id="rId7"/>
+    <p:sldId id="424" r:id="rId8"/>
+    <p:sldId id="425" r:id="rId9"/>
+    <p:sldId id="427" r:id="rId10"/>
+    <p:sldId id="428" r:id="rId11"/>
+    <p:sldId id="429" r:id="rId12"/>
+    <p:sldId id="430" r:id="rId13"/>
+    <p:sldId id="431" r:id="rId14"/>
+    <p:sldId id="432" r:id="rId15"/>
+    <p:sldId id="457" r:id="rId16"/>
+    <p:sldId id="458" r:id="rId17"/>
+    <p:sldId id="461" r:id="rId18"/>
+    <p:sldId id="459" r:id="rId19"/>
+    <p:sldId id="460" r:id="rId20"/>
+    <p:sldId id="462" r:id="rId21"/>
+    <p:sldId id="464" r:id="rId22"/>
+    <p:sldId id="463" r:id="rId23"/>
+    <p:sldId id="465" r:id="rId24"/>
+    <p:sldId id="466" r:id="rId25"/>
+    <p:sldId id="467" r:id="rId26"/>
+    <p:sldId id="468" r:id="rId27"/>
+    <p:sldId id="469" r:id="rId28"/>
+    <p:sldId id="470" r:id="rId29"/>
   </p:sldIdLst>
   <p:sldSz cx="12192000" cy="6858000"/>
   <p:notesSz cx="6858000" cy="9144000"/>
@@ -281,14 +279,22 @@
             <p:ph type="dt" sz="half" idx="10"/>
           </p:nvPr>
         </p:nvSpPr>
-        <p:spPr/>
+        <p:spPr>
+          <a:xfrm>
+            <a:off x="838200" y="6356350"/>
+            <a:ext cx="2743200" cy="365125"/>
+          </a:xfrm>
+          <a:prstGeom prst="rect">
+            <a:avLst/>
+          </a:prstGeom>
+        </p:spPr>
         <p:txBody>
           <a:bodyPr/>
           <a:lstStyle/>
           <a:p>
             <a:fld id="{D26B7375-69CE-4EFD-B497-21F2303388E1}" type="datetimeFigureOut">
               <a:rPr lang="en-US" smtClean="0"/>
-              <a:t>9/28/2024</a:t>
+              <a:t>10/11/2024</a:t>
             </a:fld>
             <a:endParaRPr lang="en-US"/>
           </a:p>
@@ -479,14 +485,22 @@
             <p:ph type="dt" sz="half" idx="10"/>
           </p:nvPr>
         </p:nvSpPr>
-        <p:spPr/>
+        <p:spPr>
+          <a:xfrm>
+            <a:off x="838200" y="6356350"/>
+            <a:ext cx="2743200" cy="365125"/>
+          </a:xfrm>
+          <a:prstGeom prst="rect">
+            <a:avLst/>
+          </a:prstGeom>
+        </p:spPr>
         <p:txBody>
           <a:bodyPr/>
           <a:lstStyle/>
           <a:p>
             <a:fld id="{D26B7375-69CE-4EFD-B497-21F2303388E1}" type="datetimeFigureOut">
               <a:rPr lang="en-US" smtClean="0"/>
-              <a:t>9/28/2024</a:t>
+              <a:t>10/11/2024</a:t>
             </a:fld>
             <a:endParaRPr lang="en-US"/>
           </a:p>
@@ -687,14 +701,22 @@
             <p:ph type="dt" sz="half" idx="10"/>
           </p:nvPr>
         </p:nvSpPr>
-        <p:spPr/>
+        <p:spPr>
+          <a:xfrm>
+            <a:off x="838200" y="6356350"/>
+            <a:ext cx="2743200" cy="365125"/>
+          </a:xfrm>
+          <a:prstGeom prst="rect">
+            <a:avLst/>
+          </a:prstGeom>
+        </p:spPr>
         <p:txBody>
           <a:bodyPr/>
           <a:lstStyle/>
           <a:p>
             <a:fld id="{D26B7375-69CE-4EFD-B497-21F2303388E1}" type="datetimeFigureOut">
               <a:rPr lang="en-US" smtClean="0"/>
-              <a:t>9/28/2024</a:t>
+              <a:t>10/11/2024</a:t>
             </a:fld>
             <a:endParaRPr lang="en-US"/>
           </a:p>
@@ -885,14 +907,22 @@
             <p:ph type="dt" sz="half" idx="10"/>
           </p:nvPr>
         </p:nvSpPr>
-        <p:spPr/>
+        <p:spPr>
+          <a:xfrm>
+            <a:off x="838200" y="6356350"/>
+            <a:ext cx="2743200" cy="365125"/>
+          </a:xfrm>
+          <a:prstGeom prst="rect">
+            <a:avLst/>
+          </a:prstGeom>
+        </p:spPr>
         <p:txBody>
           <a:bodyPr/>
           <a:lstStyle/>
           <a:p>
             <a:fld id="{D26B7375-69CE-4EFD-B497-21F2303388E1}" type="datetimeFigureOut">
               <a:rPr lang="en-US" smtClean="0"/>
-              <a:t>9/28/2024</a:t>
+              <a:t>10/11/2024</a:t>
             </a:fld>
             <a:endParaRPr lang="en-US"/>
           </a:p>
@@ -1160,14 +1190,22 @@
             <p:ph type="dt" sz="half" idx="10"/>
           </p:nvPr>
         </p:nvSpPr>
-        <p:spPr/>
+        <p:spPr>
+          <a:xfrm>
+            <a:off x="838200" y="6356350"/>
+            <a:ext cx="2743200" cy="365125"/>
+          </a:xfrm>
+          <a:prstGeom prst="rect">
+            <a:avLst/>
+          </a:prstGeom>
+        </p:spPr>
         <p:txBody>
           <a:bodyPr/>
           <a:lstStyle/>
           <a:p>
             <a:fld id="{D26B7375-69CE-4EFD-B497-21F2303388E1}" type="datetimeFigureOut">
               <a:rPr lang="en-US" smtClean="0"/>
-              <a:t>9/28/2024</a:t>
+              <a:t>10/11/2024</a:t>
             </a:fld>
             <a:endParaRPr lang="en-US"/>
           </a:p>
@@ -1425,14 +1463,22 @@
             <p:ph type="dt" sz="half" idx="10"/>
           </p:nvPr>
         </p:nvSpPr>
-        <p:spPr/>
+        <p:spPr>
+          <a:xfrm>
+            <a:off x="838200" y="6356350"/>
+            <a:ext cx="2743200" cy="365125"/>
+          </a:xfrm>
+          <a:prstGeom prst="rect">
+            <a:avLst/>
+          </a:prstGeom>
+        </p:spPr>
         <p:txBody>
           <a:bodyPr/>
           <a:lstStyle/>
           <a:p>
             <a:fld id="{D26B7375-69CE-4EFD-B497-21F2303388E1}" type="datetimeFigureOut">
               <a:rPr lang="en-US" smtClean="0"/>
-              <a:t>9/28/2024</a:t>
+              <a:t>10/11/2024</a:t>
             </a:fld>
             <a:endParaRPr lang="en-US"/>
           </a:p>
@@ -1837,14 +1883,22 @@
             <p:ph type="dt" sz="half" idx="10"/>
           </p:nvPr>
         </p:nvSpPr>
-        <p:spPr/>
+        <p:spPr>
+          <a:xfrm>
+            <a:off x="838200" y="6356350"/>
+            <a:ext cx="2743200" cy="365125"/>
+          </a:xfrm>
+          <a:prstGeom prst="rect">
+            <a:avLst/>
+          </a:prstGeom>
+        </p:spPr>
         <p:txBody>
           <a:bodyPr/>
           <a:lstStyle/>
           <a:p>
             <a:fld id="{D26B7375-69CE-4EFD-B497-21F2303388E1}" type="datetimeFigureOut">
               <a:rPr lang="en-US" smtClean="0"/>
-              <a:t>9/28/2024</a:t>
+              <a:t>10/11/2024</a:t>
             </a:fld>
             <a:endParaRPr lang="en-US"/>
           </a:p>
@@ -1978,14 +2032,22 @@
             <p:ph type="dt" sz="half" idx="10"/>
           </p:nvPr>
         </p:nvSpPr>
-        <p:spPr/>
+        <p:spPr>
+          <a:xfrm>
+            <a:off x="838200" y="6356350"/>
+            <a:ext cx="2743200" cy="365125"/>
+          </a:xfrm>
+          <a:prstGeom prst="rect">
+            <a:avLst/>
+          </a:prstGeom>
+        </p:spPr>
         <p:txBody>
           <a:bodyPr/>
           <a:lstStyle/>
           <a:p>
             <a:fld id="{D26B7375-69CE-4EFD-B497-21F2303388E1}" type="datetimeFigureOut">
               <a:rPr lang="en-US" smtClean="0"/>
-              <a:t>9/28/2024</a:t>
+              <a:t>10/11/2024</a:t>
             </a:fld>
             <a:endParaRPr lang="en-US"/>
           </a:p>
@@ -2091,14 +2153,22 @@
             <p:ph type="dt" sz="half" idx="10"/>
           </p:nvPr>
         </p:nvSpPr>
-        <p:spPr/>
+        <p:spPr>
+          <a:xfrm>
+            <a:off x="838200" y="6356350"/>
+            <a:ext cx="2743200" cy="365125"/>
+          </a:xfrm>
+          <a:prstGeom prst="rect">
+            <a:avLst/>
+          </a:prstGeom>
+        </p:spPr>
         <p:txBody>
           <a:bodyPr/>
           <a:lstStyle/>
           <a:p>
             <a:fld id="{D26B7375-69CE-4EFD-B497-21F2303388E1}" type="datetimeFigureOut">
               <a:rPr lang="en-US" smtClean="0"/>
-              <a:t>9/28/2024</a:t>
+              <a:t>10/11/2024</a:t>
             </a:fld>
             <a:endParaRPr lang="en-US"/>
           </a:p>
@@ -2402,14 +2472,22 @@
             <p:ph type="dt" sz="half" idx="10"/>
           </p:nvPr>
         </p:nvSpPr>
-        <p:spPr/>
+        <p:spPr>
+          <a:xfrm>
+            <a:off x="838200" y="6356350"/>
+            <a:ext cx="2743200" cy="365125"/>
+          </a:xfrm>
+          <a:prstGeom prst="rect">
+            <a:avLst/>
+          </a:prstGeom>
+        </p:spPr>
         <p:txBody>
           <a:bodyPr/>
           <a:lstStyle/>
           <a:p>
             <a:fld id="{D26B7375-69CE-4EFD-B497-21F2303388E1}" type="datetimeFigureOut">
               <a:rPr lang="en-US" smtClean="0"/>
-              <a:t>9/28/2024</a:t>
+              <a:t>10/11/2024</a:t>
             </a:fld>
             <a:endParaRPr lang="en-US"/>
           </a:p>
@@ -2690,14 +2768,22 @@
             <p:ph type="dt" sz="half" idx="10"/>
           </p:nvPr>
         </p:nvSpPr>
-        <p:spPr/>
+        <p:spPr>
+          <a:xfrm>
+            <a:off x="838200" y="6356350"/>
+            <a:ext cx="2743200" cy="365125"/>
+          </a:xfrm>
+          <a:prstGeom prst="rect">
+            <a:avLst/>
+          </a:prstGeom>
+        </p:spPr>
         <p:txBody>
           <a:bodyPr/>
           <a:lstStyle/>
           <a:p>
             <a:fld id="{D26B7375-69CE-4EFD-B497-21F2303388E1}" type="datetimeFigureOut">
               <a:rPr lang="en-US" smtClean="0"/>
-              <a:t>9/28/2024</a:t>
+              <a:t>10/11/2024</a:t>
             </a:fld>
             <a:endParaRPr lang="en-US"/>
           </a:p>
@@ -2899,53 +2985,6 @@
       </p:sp>
       <p:sp>
         <p:nvSpPr>
-          <p:cNvPr id="4" name="Date Placeholder 3">
-            <a:extLst>
-              <a:ext uri="{FF2B5EF4-FFF2-40B4-BE49-F238E27FC236}">
-                <a16:creationId xmlns:a16="http://schemas.microsoft.com/office/drawing/2014/main" id="{2F90FC2B-B594-1D38-715A-7F29AA17865C}"/>
-              </a:ext>
-            </a:extLst>
-          </p:cNvPr>
-          <p:cNvSpPr>
-            <a:spLocks noGrp="1"/>
-          </p:cNvSpPr>
-          <p:nvPr>
-            <p:ph type="dt" sz="half" idx="2"/>
-          </p:nvPr>
-        </p:nvSpPr>
-        <p:spPr>
-          <a:xfrm>
-            <a:off x="838200" y="6356350"/>
-            <a:ext cx="2743200" cy="365125"/>
-          </a:xfrm>
-          <a:prstGeom prst="rect">
-            <a:avLst/>
-          </a:prstGeom>
-        </p:spPr>
-        <p:txBody>
-          <a:bodyPr vert="horz" lIns="91440" tIns="45720" rIns="91440" bIns="45720" rtlCol="0" anchor="ctr"/>
-          <a:lstStyle>
-            <a:lvl1pPr algn="l">
-              <a:defRPr sz="1200">
-                <a:solidFill>
-                  <a:schemeClr val="tx1">
-                    <a:tint val="75000"/>
-                  </a:schemeClr>
-                </a:solidFill>
-              </a:defRPr>
-            </a:lvl1pPr>
-          </a:lstStyle>
-          <a:p>
-            <a:fld id="{D26B7375-69CE-4EFD-B497-21F2303388E1}" type="datetimeFigureOut">
-              <a:rPr lang="en-US" smtClean="0"/>
-              <a:t>9/28/2024</a:t>
-            </a:fld>
-            <a:endParaRPr lang="en-US"/>
-          </a:p>
-        </p:txBody>
-      </p:sp>
-      <p:sp>
-        <p:nvSpPr>
           <p:cNvPr id="5" name="Footer Placeholder 4">
             <a:extLst>
               <a:ext uri="{FF2B5EF4-FFF2-40B4-BE49-F238E27FC236}">
@@ -3034,6 +3073,124 @@
           </a:p>
         </p:txBody>
       </p:sp>
+      <p:grpSp>
+        <p:nvGrpSpPr>
+          <p:cNvPr id="16" name="Group 15">
+            <a:extLst>
+              <a:ext uri="{FF2B5EF4-FFF2-40B4-BE49-F238E27FC236}">
+                <a16:creationId xmlns:a16="http://schemas.microsoft.com/office/drawing/2014/main" id="{CF206206-EF71-9B8E-1764-86396E453283}"/>
+              </a:ext>
+            </a:extLst>
+          </p:cNvPr>
+          <p:cNvGrpSpPr/>
+          <p:nvPr userDrawn="1"/>
+        </p:nvGrpSpPr>
+        <p:grpSpPr>
+          <a:xfrm>
+            <a:off x="130629" y="6291189"/>
+            <a:ext cx="2743201" cy="495445"/>
+            <a:chOff x="195943" y="6091967"/>
+            <a:chExt cx="3506755" cy="629508"/>
+          </a:xfrm>
+        </p:grpSpPr>
+        <p:sp>
+          <p:nvSpPr>
+            <p:cNvPr id="17" name="Oval 16">
+              <a:extLst>
+                <a:ext uri="{FF2B5EF4-FFF2-40B4-BE49-F238E27FC236}">
+                  <a16:creationId xmlns:a16="http://schemas.microsoft.com/office/drawing/2014/main" id="{87AA524B-47A5-C8AA-2978-4028B2561AB5}"/>
+                </a:ext>
+              </a:extLst>
+            </p:cNvPr>
+            <p:cNvSpPr/>
+            <p:nvPr userDrawn="1"/>
+          </p:nvSpPr>
+          <p:spPr>
+            <a:xfrm>
+              <a:off x="195943" y="6091967"/>
+              <a:ext cx="642257" cy="629508"/>
+            </a:xfrm>
+            <a:prstGeom prst="ellipse">
+              <a:avLst/>
+            </a:prstGeom>
+            <a:blipFill dpi="0" rotWithShape="1">
+              <a:blip r:embed="rId13">
+                <a:extLst>
+                  <a:ext uri="{28A0092B-C50C-407E-A947-70E740481C1C}">
+                    <a14:useLocalDpi xmlns:a14="http://schemas.microsoft.com/office/drawing/2010/main" val="0"/>
+                  </a:ext>
+                </a:extLst>
+              </a:blip>
+              <a:srcRect/>
+              <a:stretch>
+                <a:fillRect/>
+              </a:stretch>
+            </a:blipFill>
+            <a:ln>
+              <a:noFill/>
+            </a:ln>
+          </p:spPr>
+          <p:style>
+            <a:lnRef idx="2">
+              <a:schemeClr val="accent1">
+                <a:shade val="15000"/>
+              </a:schemeClr>
+            </a:lnRef>
+            <a:fillRef idx="1">
+              <a:schemeClr val="accent1"/>
+            </a:fillRef>
+            <a:effectRef idx="0">
+              <a:schemeClr val="accent1"/>
+            </a:effectRef>
+            <a:fontRef idx="minor">
+              <a:schemeClr val="lt1"/>
+            </a:fontRef>
+          </p:style>
+          <p:txBody>
+            <a:bodyPr rtlCol="0" anchor="ctr"/>
+            <a:lstStyle/>
+            <a:p>
+              <a:pPr algn="ctr"/>
+              <a:endParaRPr lang="en-US"/>
+            </a:p>
+          </p:txBody>
+        </p:sp>
+        <p:sp>
+          <p:nvSpPr>
+            <p:cNvPr id="18" name="TextBox 17">
+              <a:extLst>
+                <a:ext uri="{FF2B5EF4-FFF2-40B4-BE49-F238E27FC236}">
+                  <a16:creationId xmlns:a16="http://schemas.microsoft.com/office/drawing/2014/main" id="{8B3B5094-6A06-FE9C-3092-9DED865DD62A}"/>
+                </a:ext>
+              </a:extLst>
+            </p:cNvPr>
+            <p:cNvSpPr txBox="1"/>
+            <p:nvPr userDrawn="1"/>
+          </p:nvSpPr>
+          <p:spPr>
+            <a:xfrm>
+              <a:off x="838200" y="6163561"/>
+              <a:ext cx="2864498" cy="369332"/>
+            </a:xfrm>
+            <a:prstGeom prst="rect">
+              <a:avLst/>
+            </a:prstGeom>
+            <a:noFill/>
+          </p:spPr>
+          <p:txBody>
+            <a:bodyPr wrap="square" rtlCol="0">
+              <a:spAutoFit/>
+            </a:bodyPr>
+            <a:lstStyle/>
+            <a:p>
+              <a:r>
+                <a:rPr lang="en-US" b="1" dirty="0"/>
+                <a:t>PRAMOD NAIK</a:t>
+              </a:r>
+            </a:p>
+          </p:txBody>
+        </p:sp>
+      </p:grpSp>
     </p:spTree>
     <p:extLst>
       <p:ext uri="{BB962C8B-B14F-4D97-AF65-F5344CB8AC3E}">
@@ -3355,59 +3512,12 @@
           <a:chExt cx="0" cy="0"/>
         </a:xfrm>
       </p:grpSpPr>
-      <p:pic>
-        <p:nvPicPr>
-          <p:cNvPr id="1026" name="Picture 2" descr="Data Types in Java – Primitive and Non-Primitive Data Types Explained -  Shiksha Online">
-            <a:extLst>
-              <a:ext uri="{FF2B5EF4-FFF2-40B4-BE49-F238E27FC236}">
-                <a16:creationId xmlns:a16="http://schemas.microsoft.com/office/drawing/2014/main" id="{D8E0D927-CE59-B195-B2A2-2EA437ECE28F}"/>
-              </a:ext>
-            </a:extLst>
-          </p:cNvPr>
-          <p:cNvPicPr>
-            <a:picLocks noChangeAspect="1" noChangeArrowheads="1"/>
-          </p:cNvPicPr>
-          <p:nvPr/>
-        </p:nvPicPr>
-        <p:blipFill>
-          <a:blip r:embed="rId2">
-            <a:extLst>
-              <a:ext uri="{28A0092B-C50C-407E-A947-70E740481C1C}">
-                <a14:useLocalDpi xmlns:a14="http://schemas.microsoft.com/office/drawing/2010/main" val="0"/>
-              </a:ext>
-            </a:extLst>
-          </a:blip>
-          <a:srcRect/>
-          <a:stretch>
-            <a:fillRect/>
-          </a:stretch>
-        </p:blipFill>
-        <p:spPr bwMode="auto">
-          <a:xfrm>
-            <a:off x="398424" y="337908"/>
-            <a:ext cx="10640744" cy="6182184"/>
-          </a:xfrm>
-          <a:prstGeom prst="rect">
-            <a:avLst/>
-          </a:prstGeom>
-          <a:noFill/>
-          <a:extLst>
-            <a:ext uri="{909E8E84-426E-40DD-AFC4-6F175D3DCCD1}">
-              <a14:hiddenFill xmlns:a14="http://schemas.microsoft.com/office/drawing/2010/main">
-                <a:solidFill>
-                  <a:srgbClr val="FFFFFF"/>
-                </a:solidFill>
-              </a14:hiddenFill>
-            </a:ext>
-          </a:extLst>
-        </p:spPr>
-      </p:pic>
       <p:sp>
         <p:nvSpPr>
           <p:cNvPr id="3" name="Content Placeholder 2">
             <a:extLst>
               <a:ext uri="{FF2B5EF4-FFF2-40B4-BE49-F238E27FC236}">
-                <a16:creationId xmlns:a16="http://schemas.microsoft.com/office/drawing/2014/main" id="{B4FE8E85-8426-4AB7-AD5A-5C275C24FF8D}"/>
+                <a16:creationId xmlns:a16="http://schemas.microsoft.com/office/drawing/2014/main" id="{E42FB284-DAF2-8CB9-9090-285BF2A5822E}"/>
               </a:ext>
             </a:extLst>
           </p:cNvPr>
@@ -3420,318 +3530,65 @@
         </p:nvSpPr>
         <p:spPr>
           <a:xfrm>
-            <a:off x="786581" y="609600"/>
-            <a:ext cx="10567219" cy="5567363"/>
+            <a:off x="353785" y="2284236"/>
+            <a:ext cx="11484429" cy="2289527"/>
           </a:xfrm>
         </p:spPr>
         <p:txBody>
-          <a:bodyPr/>
-          <a:lstStyle/>
-          <a:p>
-            <a:pPr marL="0" indent="0">
-              <a:buNone/>
-            </a:pPr>
-            <a:r>
-              <a:rPr lang="en-IN" sz="2800" b="1" dirty="0">
-                <a:solidFill>
-                  <a:srgbClr val="002060"/>
-                </a:solidFill>
-              </a:rPr>
-              <a:t>Data types:</a:t>
-            </a:r>
-          </a:p>
-          <a:p>
-            <a:pPr marL="0" indent="0">
-              <a:buNone/>
-            </a:pPr>
-            <a:endParaRPr lang="en-IN" dirty="0"/>
-          </a:p>
-        </p:txBody>
-      </p:sp>
-      <p:sp>
-        <p:nvSpPr>
-          <p:cNvPr id="2" name="TextBox 1">
-            <a:extLst>
-              <a:ext uri="{FF2B5EF4-FFF2-40B4-BE49-F238E27FC236}">
-                <a16:creationId xmlns:a16="http://schemas.microsoft.com/office/drawing/2014/main" id="{48B98B84-6E80-09A2-0959-6CF5B5FAA2CE}"/>
-              </a:ext>
-            </a:extLst>
-          </p:cNvPr>
-          <p:cNvSpPr txBox="1"/>
-          <p:nvPr/>
-        </p:nvSpPr>
-        <p:spPr>
-          <a:xfrm>
-            <a:off x="2723103" y="2692958"/>
-            <a:ext cx="703385" cy="369332"/>
-          </a:xfrm>
-          <a:prstGeom prst="rect">
-            <a:avLst/>
-          </a:prstGeom>
-          <a:noFill/>
-        </p:spPr>
-        <p:txBody>
-          <a:bodyPr wrap="square" rtlCol="0">
-            <a:spAutoFit/>
+          <a:bodyPr>
+            <a:normAutofit/>
           </a:bodyPr>
           <a:lstStyle/>
           <a:p>
-            <a:r>
-              <a:rPr lang="en-IN" b="1" dirty="0"/>
-              <a:t>1 bit</a:t>
-            </a:r>
-          </a:p>
-        </p:txBody>
-      </p:sp>
-      <p:sp>
-        <p:nvSpPr>
-          <p:cNvPr id="4" name="TextBox 3">
-            <a:extLst>
-              <a:ext uri="{FF2B5EF4-FFF2-40B4-BE49-F238E27FC236}">
-                <a16:creationId xmlns:a16="http://schemas.microsoft.com/office/drawing/2014/main" id="{850825B2-303D-A237-DB8D-8830A30356A1}"/>
-              </a:ext>
-            </a:extLst>
-          </p:cNvPr>
-          <p:cNvSpPr txBox="1"/>
-          <p:nvPr/>
-        </p:nvSpPr>
-        <p:spPr>
-          <a:xfrm>
-            <a:off x="2503714" y="3498502"/>
-            <a:ext cx="922774" cy="369332"/>
-          </a:xfrm>
-          <a:prstGeom prst="rect">
-            <a:avLst/>
-          </a:prstGeom>
-          <a:noFill/>
-        </p:spPr>
-        <p:txBody>
-          <a:bodyPr wrap="square" rtlCol="0">
-            <a:spAutoFit/>
-          </a:bodyPr>
-          <a:lstStyle/>
-          <a:p>
-            <a:r>
-              <a:rPr lang="en-IN" b="1" dirty="0"/>
-              <a:t>2 bytes</a:t>
-            </a:r>
-          </a:p>
-        </p:txBody>
-      </p:sp>
-      <p:sp>
-        <p:nvSpPr>
-          <p:cNvPr id="5" name="TextBox 4">
-            <a:extLst>
-              <a:ext uri="{FF2B5EF4-FFF2-40B4-BE49-F238E27FC236}">
-                <a16:creationId xmlns:a16="http://schemas.microsoft.com/office/drawing/2014/main" id="{DCDFFA02-A789-887E-A784-05830E11D126}"/>
-              </a:ext>
-            </a:extLst>
-          </p:cNvPr>
-          <p:cNvSpPr txBox="1"/>
-          <p:nvPr/>
-        </p:nvSpPr>
-        <p:spPr>
-          <a:xfrm>
-            <a:off x="2503714" y="4223658"/>
-            <a:ext cx="812242" cy="369332"/>
-          </a:xfrm>
-          <a:prstGeom prst="rect">
-            <a:avLst/>
-          </a:prstGeom>
-          <a:noFill/>
-        </p:spPr>
-        <p:txBody>
-          <a:bodyPr wrap="square" rtlCol="0">
-            <a:spAutoFit/>
-          </a:bodyPr>
-          <a:lstStyle/>
-          <a:p>
-            <a:r>
-              <a:rPr lang="en-IN" b="1" dirty="0"/>
-              <a:t>1 byte</a:t>
-            </a:r>
-          </a:p>
-        </p:txBody>
-      </p:sp>
-      <p:sp>
-        <p:nvSpPr>
-          <p:cNvPr id="6" name="TextBox 5">
-            <a:extLst>
-              <a:ext uri="{FF2B5EF4-FFF2-40B4-BE49-F238E27FC236}">
-                <a16:creationId xmlns:a16="http://schemas.microsoft.com/office/drawing/2014/main" id="{3E7D7C20-D24B-41EA-E248-EB7118FEE782}"/>
-              </a:ext>
-            </a:extLst>
-          </p:cNvPr>
-          <p:cNvSpPr txBox="1"/>
-          <p:nvPr/>
-        </p:nvSpPr>
-        <p:spPr>
-          <a:xfrm>
-            <a:off x="3426488" y="4223658"/>
-            <a:ext cx="922774" cy="369332"/>
-          </a:xfrm>
-          <a:prstGeom prst="rect">
-            <a:avLst/>
-          </a:prstGeom>
-          <a:noFill/>
-        </p:spPr>
-        <p:txBody>
-          <a:bodyPr wrap="square" rtlCol="0">
-            <a:spAutoFit/>
-          </a:bodyPr>
-          <a:lstStyle/>
-          <a:p>
-            <a:r>
-              <a:rPr lang="en-IN" b="1" dirty="0"/>
-              <a:t>2 bytes</a:t>
-            </a:r>
-          </a:p>
-        </p:txBody>
-      </p:sp>
-      <p:sp>
-        <p:nvSpPr>
-          <p:cNvPr id="7" name="TextBox 6">
-            <a:extLst>
-              <a:ext uri="{FF2B5EF4-FFF2-40B4-BE49-F238E27FC236}">
-                <a16:creationId xmlns:a16="http://schemas.microsoft.com/office/drawing/2014/main" id="{7F541273-C402-3B79-67DB-4B20770907FC}"/>
-              </a:ext>
-            </a:extLst>
-          </p:cNvPr>
-          <p:cNvSpPr txBox="1"/>
-          <p:nvPr/>
-        </p:nvSpPr>
-        <p:spPr>
-          <a:xfrm>
-            <a:off x="4389455" y="4223658"/>
-            <a:ext cx="922774" cy="369332"/>
-          </a:xfrm>
-          <a:prstGeom prst="rect">
-            <a:avLst/>
-          </a:prstGeom>
-          <a:noFill/>
-        </p:spPr>
-        <p:txBody>
-          <a:bodyPr wrap="square" rtlCol="0">
-            <a:spAutoFit/>
-          </a:bodyPr>
-          <a:lstStyle/>
-          <a:p>
-            <a:r>
-              <a:rPr lang="en-IN" b="1" dirty="0"/>
-              <a:t>4 bytes</a:t>
-            </a:r>
-          </a:p>
-        </p:txBody>
-      </p:sp>
-      <p:sp>
-        <p:nvSpPr>
-          <p:cNvPr id="8" name="TextBox 7">
-            <a:extLst>
-              <a:ext uri="{FF2B5EF4-FFF2-40B4-BE49-F238E27FC236}">
-                <a16:creationId xmlns:a16="http://schemas.microsoft.com/office/drawing/2014/main" id="{94123613-2C91-2351-EE3F-878420BB902E}"/>
-              </a:ext>
-            </a:extLst>
-          </p:cNvPr>
-          <p:cNvSpPr txBox="1"/>
-          <p:nvPr/>
-        </p:nvSpPr>
-        <p:spPr>
-          <a:xfrm>
-            <a:off x="5469653" y="4223658"/>
-            <a:ext cx="922774" cy="369332"/>
-          </a:xfrm>
-          <a:prstGeom prst="rect">
-            <a:avLst/>
-          </a:prstGeom>
-          <a:noFill/>
-        </p:spPr>
-        <p:txBody>
-          <a:bodyPr wrap="square" rtlCol="0">
-            <a:spAutoFit/>
-          </a:bodyPr>
-          <a:lstStyle/>
-          <a:p>
-            <a:r>
-              <a:rPr lang="en-IN" b="1" dirty="0"/>
-              <a:t>8 bytes</a:t>
-            </a:r>
-          </a:p>
-        </p:txBody>
-      </p:sp>
-      <p:sp>
-        <p:nvSpPr>
-          <p:cNvPr id="9" name="TextBox 8">
-            <a:extLst>
-              <a:ext uri="{FF2B5EF4-FFF2-40B4-BE49-F238E27FC236}">
-                <a16:creationId xmlns:a16="http://schemas.microsoft.com/office/drawing/2014/main" id="{4AF91937-DA08-8742-6DFA-08AF9EDEA304}"/>
-              </a:ext>
-            </a:extLst>
-          </p:cNvPr>
-          <p:cNvSpPr txBox="1"/>
-          <p:nvPr/>
-        </p:nvSpPr>
-        <p:spPr>
-          <a:xfrm>
-            <a:off x="2456510" y="4996153"/>
-            <a:ext cx="922774" cy="369332"/>
-          </a:xfrm>
-          <a:prstGeom prst="rect">
-            <a:avLst/>
-          </a:prstGeom>
-          <a:noFill/>
-        </p:spPr>
-        <p:txBody>
-          <a:bodyPr wrap="square" rtlCol="0">
-            <a:spAutoFit/>
-          </a:bodyPr>
-          <a:lstStyle/>
-          <a:p>
-            <a:r>
-              <a:rPr lang="en-IN" b="1" dirty="0"/>
-              <a:t>4 bytes</a:t>
-            </a:r>
-          </a:p>
-        </p:txBody>
-      </p:sp>
-      <p:sp>
-        <p:nvSpPr>
-          <p:cNvPr id="10" name="TextBox 9">
-            <a:extLst>
-              <a:ext uri="{FF2B5EF4-FFF2-40B4-BE49-F238E27FC236}">
-                <a16:creationId xmlns:a16="http://schemas.microsoft.com/office/drawing/2014/main" id="{64492B9F-4D39-D5D4-BFB3-9671991DFCDE}"/>
-              </a:ext>
-            </a:extLst>
-          </p:cNvPr>
-          <p:cNvSpPr txBox="1"/>
-          <p:nvPr/>
-        </p:nvSpPr>
-        <p:spPr>
-          <a:xfrm>
-            <a:off x="3562141" y="4996153"/>
-            <a:ext cx="922774" cy="369332"/>
-          </a:xfrm>
-          <a:prstGeom prst="rect">
-            <a:avLst/>
-          </a:prstGeom>
-          <a:noFill/>
-        </p:spPr>
-        <p:txBody>
-          <a:bodyPr wrap="square" rtlCol="0">
-            <a:spAutoFit/>
-          </a:bodyPr>
-          <a:lstStyle/>
-          <a:p>
-            <a:r>
-              <a:rPr lang="en-IN" b="1" dirty="0"/>
-              <a:t>8 bytes</a:t>
-            </a:r>
+            <a:pPr marL="0" indent="0" algn="ctr">
+              <a:buNone/>
+            </a:pPr>
+            <a:r>
+              <a:rPr lang="en-US" sz="6600" b="1" dirty="0">
+                <a:solidFill>
+                  <a:schemeClr val="tx2"/>
+                </a:solidFill>
+              </a:rPr>
+              <a:t>Module-3: </a:t>
+            </a:r>
+          </a:p>
+          <a:p>
+            <a:pPr marL="0" indent="0" algn="ctr">
+              <a:buNone/>
+            </a:pPr>
+            <a:r>
+              <a:rPr lang="en-IN" sz="6600" b="1" dirty="0">
+                <a:solidFill>
+                  <a:srgbClr val="C00000"/>
+                </a:solidFill>
+              </a:rPr>
+              <a:t>INTERFACES </a:t>
+            </a:r>
+            <a:r>
+              <a:rPr lang="en-IN" sz="6600" b="1" dirty="0"/>
+              <a:t>AND</a:t>
+            </a:r>
+            <a:r>
+              <a:rPr lang="en-IN" sz="6600" b="1" dirty="0">
+                <a:solidFill>
+                  <a:srgbClr val="C00000"/>
+                </a:solidFill>
+              </a:rPr>
+              <a:t> PACKAGES</a:t>
+            </a:r>
+          </a:p>
+          <a:p>
+            <a:pPr marL="0" indent="0" algn="ctr">
+              <a:buNone/>
+            </a:pPr>
+            <a:endParaRPr lang="en-IN" sz="6600" dirty="0"/>
           </a:p>
         </p:txBody>
       </p:sp>
     </p:spTree>
     <p:extLst>
       <p:ext uri="{BB962C8B-B14F-4D97-AF65-F5344CB8AC3E}">
-        <p14:creationId xmlns:p14="http://schemas.microsoft.com/office/powerpoint/2010/main" val="2373989237"/>
+        <p14:creationId xmlns:p14="http://schemas.microsoft.com/office/powerpoint/2010/main" val="703384228"/>
       </p:ext>
     </p:extLst>
   </p:cSld>
@@ -3758,21 +3615,130 @@
           <a:chExt cx="0" cy="0"/>
         </a:xfrm>
       </p:grpSpPr>
-      <p:pic>
-        <p:nvPicPr>
-          <p:cNvPr id="2" name="Content Placeholder 1" descr="A computer code on a black background&#10;&#10;Description automatically generated">
-            <a:extLst>
-              <a:ext uri="{FF2B5EF4-FFF2-40B4-BE49-F238E27FC236}">
-                <a16:creationId xmlns:a16="http://schemas.microsoft.com/office/drawing/2014/main" id="{7906DA2E-F444-95B9-87CF-AFAF82FAAA48}"/>
-              </a:ext>
-            </a:extLst>
-          </p:cNvPr>
-          <p:cNvPicPr>
-            <a:picLocks noGrp="1" noChangeAspect="1"/>
-          </p:cNvPicPr>
+      <p:sp>
+        <p:nvSpPr>
+          <p:cNvPr id="3" name="Content Placeholder 2">
+            <a:extLst>
+              <a:ext uri="{FF2B5EF4-FFF2-40B4-BE49-F238E27FC236}">
+                <a16:creationId xmlns:a16="http://schemas.microsoft.com/office/drawing/2014/main" id="{E42FB284-DAF2-8CB9-9090-285BF2A5822E}"/>
+              </a:ext>
+            </a:extLst>
+          </p:cNvPr>
+          <p:cNvSpPr>
+            <a:spLocks noGrp="1"/>
+          </p:cNvSpPr>
           <p:nvPr>
             <p:ph idx="1"/>
           </p:nvPr>
+        </p:nvSpPr>
+        <p:spPr>
+          <a:xfrm>
+            <a:off x="501093" y="301273"/>
+            <a:ext cx="10803193" cy="5646891"/>
+          </a:xfrm>
+        </p:spPr>
+        <p:txBody>
+          <a:bodyPr/>
+          <a:lstStyle/>
+          <a:p>
+            <a:pPr marL="0" indent="0">
+              <a:buNone/>
+            </a:pPr>
+            <a:r>
+              <a:rPr lang="en-US" b="1" dirty="0">
+                <a:solidFill>
+                  <a:srgbClr val="C00000"/>
+                </a:solidFill>
+              </a:rPr>
+              <a:t>Accessing implementations through interface references:</a:t>
+            </a:r>
+          </a:p>
+          <a:p>
+            <a:pPr marL="0" indent="0">
+              <a:buNone/>
+            </a:pPr>
+            <a:r>
+              <a:rPr lang="en-US" dirty="0"/>
+              <a:t>This means that you </a:t>
+            </a:r>
+            <a:r>
+              <a:rPr lang="en-US" b="1" dirty="0"/>
+              <a:t>interact with an object of a class that implements an interface</a:t>
+            </a:r>
+            <a:r>
+              <a:rPr lang="en-US" dirty="0"/>
+              <a:t> via </a:t>
+            </a:r>
+            <a:r>
+              <a:rPr lang="en-US" b="1" dirty="0"/>
+              <a:t>a reference of that interface type</a:t>
+            </a:r>
+            <a:r>
+              <a:rPr lang="en-US" dirty="0"/>
+              <a:t>, not the class type. This allows you to use the object polymorphically, meaning that the actual implementation is determined at runtime, but you interact with it using the common interface methods.</a:t>
+            </a:r>
+          </a:p>
+          <a:p>
+            <a:pPr marL="0" indent="0">
+              <a:buNone/>
+            </a:pPr>
+            <a:r>
+              <a:rPr lang="en-US" b="1" dirty="0"/>
+              <a:t>Example: </a:t>
+            </a:r>
+          </a:p>
+          <a:p>
+            <a:pPr marL="0" indent="0">
+              <a:buNone/>
+            </a:pPr>
+            <a:r>
+              <a:rPr lang="en-US" b="1" dirty="0"/>
+              <a:t>1. </a:t>
+            </a:r>
+            <a:r>
+              <a:rPr lang="en-US" dirty="0"/>
+              <a:t>Below Code is for Creating an </a:t>
+            </a:r>
+            <a:r>
+              <a:rPr lang="en-US" b="1" dirty="0"/>
+              <a:t>interface</a:t>
+            </a:r>
+            <a:r>
+              <a:rPr lang="en-US" dirty="0"/>
+              <a:t> with name </a:t>
+            </a:r>
+            <a:r>
+              <a:rPr lang="en-US" b="1" dirty="0"/>
+              <a:t>Shape</a:t>
+            </a:r>
+          </a:p>
+          <a:p>
+            <a:pPr marL="0" indent="0">
+              <a:buNone/>
+            </a:pPr>
+            <a:endParaRPr lang="en-US" b="1" dirty="0"/>
+          </a:p>
+          <a:p>
+            <a:pPr marL="0" indent="0">
+              <a:buNone/>
+            </a:pPr>
+            <a:endParaRPr lang="en-IN" b="1" dirty="0"/>
+          </a:p>
+        </p:txBody>
+      </p:sp>
+      <p:pic>
+        <p:nvPicPr>
+          <p:cNvPr id="4" name="Picture 3" descr="A black screen with white text">
+            <a:extLst>
+              <a:ext uri="{FF2B5EF4-FFF2-40B4-BE49-F238E27FC236}">
+                <a16:creationId xmlns:a16="http://schemas.microsoft.com/office/drawing/2014/main" id="{A5438711-E610-2D54-E954-0774D665C80F}"/>
+              </a:ext>
+            </a:extLst>
+          </p:cNvPr>
+          <p:cNvPicPr>
+            <a:picLocks noChangeAspect="1"/>
+          </p:cNvPicPr>
+          <p:nvPr/>
         </p:nvPicPr>
         <p:blipFill>
           <a:blip r:embed="rId2">
@@ -3788,8 +3754,8 @@
         </p:blipFill>
         <p:spPr>
           <a:xfrm>
-            <a:off x="874461" y="722202"/>
-            <a:ext cx="10443077" cy="5413595"/>
+            <a:off x="1661160" y="4260360"/>
+            <a:ext cx="7498080" cy="2296367"/>
           </a:xfrm>
           <a:prstGeom prst="rect">
             <a:avLst/>
@@ -3799,7 +3765,7 @@
     </p:spTree>
     <p:extLst>
       <p:ext uri="{BB962C8B-B14F-4D97-AF65-F5344CB8AC3E}">
-        <p14:creationId xmlns:p14="http://schemas.microsoft.com/office/powerpoint/2010/main" val="2034348439"/>
+        <p14:creationId xmlns:p14="http://schemas.microsoft.com/office/powerpoint/2010/main" val="1089333297"/>
       </p:ext>
     </p:extLst>
   </p:cSld>
@@ -3844,8 +3810,8 @@
         </p:nvSpPr>
         <p:spPr>
           <a:xfrm>
-            <a:off x="501093" y="301273"/>
-            <a:ext cx="10803193" cy="5646891"/>
+            <a:off x="217715" y="613294"/>
+            <a:ext cx="5040085" cy="5980822"/>
           </a:xfrm>
         </p:spPr>
         <p:txBody>
@@ -3856,93 +3822,119 @@
               <a:buNone/>
             </a:pPr>
             <a:r>
-              <a:rPr lang="en-US" b="1" dirty="0">
+              <a:rPr lang="en-IN" dirty="0"/>
+              <a:t>2. </a:t>
+            </a:r>
+            <a:r>
+              <a:rPr lang="en-IN" b="1" dirty="0"/>
+              <a:t>Class</a:t>
+            </a:r>
+            <a:r>
+              <a:rPr lang="en-IN" dirty="0"/>
+              <a:t> Circle </a:t>
+            </a:r>
+            <a:r>
+              <a:rPr lang="en-IN" b="1" dirty="0">
                 <a:solidFill>
                   <a:srgbClr val="C00000"/>
                 </a:solidFill>
               </a:rPr>
-              <a:t>Accessing implementations through interface references:</a:t>
+              <a:t>implements</a:t>
+            </a:r>
+            <a:r>
+              <a:rPr lang="en-IN" dirty="0"/>
+              <a:t> the </a:t>
+            </a:r>
+            <a:r>
+              <a:rPr lang="en-IN" b="1" dirty="0"/>
+              <a:t>Interface</a:t>
+            </a:r>
+            <a:r>
+              <a:rPr lang="en-IN" dirty="0"/>
+              <a:t> Shape:</a:t>
             </a:r>
           </a:p>
           <a:p>
             <a:pPr marL="0" indent="0">
               <a:buNone/>
             </a:pPr>
-            <a:r>
-              <a:rPr lang="en-US" dirty="0"/>
-              <a:t>This means that you </a:t>
-            </a:r>
-            <a:r>
-              <a:rPr lang="en-US" b="1" dirty="0"/>
-              <a:t>interact with an object of a class that implements an interface</a:t>
-            </a:r>
-            <a:r>
-              <a:rPr lang="en-US" dirty="0"/>
-              <a:t> via </a:t>
-            </a:r>
-            <a:r>
-              <a:rPr lang="en-US" b="1" dirty="0"/>
-              <a:t>a reference of that interface type</a:t>
-            </a:r>
-            <a:r>
-              <a:rPr lang="en-US" dirty="0"/>
-              <a:t>, not the class type. This allows you to use the object polymorphically, meaning that the actual implementation is determined at runtime, but you interact with it using the common interface methods.</a:t>
-            </a:r>
+            <a:endParaRPr lang="en-IN" dirty="0"/>
           </a:p>
           <a:p>
             <a:pPr marL="0" indent="0">
               <a:buNone/>
             </a:pPr>
-            <a:r>
-              <a:rPr lang="en-US" b="1" dirty="0"/>
-              <a:t>Example: </a:t>
-            </a:r>
+            <a:endParaRPr lang="en-IN" dirty="0"/>
           </a:p>
           <a:p>
             <a:pPr marL="0" indent="0">
               <a:buNone/>
             </a:pPr>
-            <a:r>
-              <a:rPr lang="en-US" b="1" dirty="0"/>
-              <a:t>1. </a:t>
-            </a:r>
-            <a:r>
-              <a:rPr lang="en-US" dirty="0"/>
-              <a:t>Below Code is for Creating an </a:t>
-            </a:r>
-            <a:r>
-              <a:rPr lang="en-US" b="1" dirty="0"/>
-              <a:t>interface</a:t>
-            </a:r>
-            <a:r>
-              <a:rPr lang="en-US" dirty="0"/>
-              <a:t> with name </a:t>
-            </a:r>
-            <a:r>
-              <a:rPr lang="en-US" b="1" dirty="0"/>
-              <a:t>Shape</a:t>
-            </a:r>
+            <a:endParaRPr lang="en-IN" dirty="0"/>
           </a:p>
           <a:p>
             <a:pPr marL="0" indent="0">
               <a:buNone/>
             </a:pPr>
-            <a:endParaRPr lang="en-US" b="1" dirty="0"/>
+            <a:endParaRPr lang="en-IN" dirty="0"/>
           </a:p>
           <a:p>
             <a:pPr marL="0" indent="0">
               <a:buNone/>
             </a:pPr>
-            <a:endParaRPr lang="en-IN" b="1" dirty="0"/>
+            <a:endParaRPr lang="en-IN" dirty="0"/>
+          </a:p>
+          <a:p>
+            <a:pPr marL="0" indent="0">
+              <a:buNone/>
+            </a:pPr>
+            <a:r>
+              <a:rPr lang="en-IN" dirty="0"/>
+              <a:t>3. </a:t>
+            </a:r>
+            <a:r>
+              <a:rPr lang="en-IN" b="1" dirty="0"/>
+              <a:t>Class</a:t>
+            </a:r>
+            <a:r>
+              <a:rPr lang="en-IN" dirty="0"/>
+              <a:t> Rectangle </a:t>
+            </a:r>
+            <a:r>
+              <a:rPr lang="en-IN" b="1" dirty="0">
+                <a:solidFill>
+                  <a:srgbClr val="C00000"/>
+                </a:solidFill>
+              </a:rPr>
+              <a:t>implements</a:t>
+            </a:r>
+            <a:r>
+              <a:rPr lang="en-IN" dirty="0"/>
+              <a:t> the </a:t>
+            </a:r>
+            <a:r>
+              <a:rPr lang="en-IN" b="1" dirty="0"/>
+              <a:t>Interface</a:t>
+            </a:r>
+            <a:r>
+              <a:rPr lang="en-IN" dirty="0"/>
+              <a:t> Shape:</a:t>
+            </a:r>
+          </a:p>
+          <a:p>
+            <a:pPr marL="0" indent="0">
+              <a:buNone/>
+            </a:pPr>
+            <a:endParaRPr lang="en-IN" dirty="0"/>
           </a:p>
         </p:txBody>
       </p:sp>
       <p:pic>
         <p:nvPicPr>
-          <p:cNvPr id="4" name="Picture 3" descr="A black screen with white text">
-            <a:extLst>
-              <a:ext uri="{FF2B5EF4-FFF2-40B4-BE49-F238E27FC236}">
-                <a16:creationId xmlns:a16="http://schemas.microsoft.com/office/drawing/2014/main" id="{A5438711-E610-2D54-E954-0774D665C80F}"/>
+          <p:cNvPr id="6" name="Picture 5" descr="A computer code on a black background&#10;&#10;Description automatically generated">
+            <a:extLst>
+              <a:ext uri="{FF2B5EF4-FFF2-40B4-BE49-F238E27FC236}">
+                <a16:creationId xmlns:a16="http://schemas.microsoft.com/office/drawing/2014/main" id="{C5442760-F37A-DDDA-1D71-C5F74B6724F2}"/>
               </a:ext>
             </a:extLst>
           </p:cNvPr>
@@ -3965,8 +3957,44 @@
         </p:blipFill>
         <p:spPr>
           <a:xfrm>
-            <a:off x="1661160" y="4260360"/>
-            <a:ext cx="7498080" cy="2296367"/>
+            <a:off x="5072199" y="500743"/>
+            <a:ext cx="6780952" cy="2928257"/>
+          </a:xfrm>
+          <a:prstGeom prst="rect">
+            <a:avLst/>
+          </a:prstGeom>
+        </p:spPr>
+      </p:pic>
+      <p:pic>
+        <p:nvPicPr>
+          <p:cNvPr id="8" name="Picture 7" descr="A computer code on a black background&#10;&#10;Description automatically generated">
+            <a:extLst>
+              <a:ext uri="{FF2B5EF4-FFF2-40B4-BE49-F238E27FC236}">
+                <a16:creationId xmlns:a16="http://schemas.microsoft.com/office/drawing/2014/main" id="{F050FB6B-5D49-5AC5-6F3A-508532E14AA1}"/>
+              </a:ext>
+            </a:extLst>
+          </p:cNvPr>
+          <p:cNvPicPr>
+            <a:picLocks noChangeAspect="1"/>
+          </p:cNvPicPr>
+          <p:nvPr/>
+        </p:nvPicPr>
+        <p:blipFill>
+          <a:blip r:embed="rId3">
+            <a:extLst>
+              <a:ext uri="{28A0092B-C50C-407E-A947-70E740481C1C}">
+                <a14:useLocalDpi xmlns:a14="http://schemas.microsoft.com/office/drawing/2010/main" val="0"/>
+              </a:ext>
+            </a:extLst>
+          </a:blip>
+          <a:stretch>
+            <a:fillRect/>
+          </a:stretch>
+        </p:blipFill>
+        <p:spPr>
+          <a:xfrm>
+            <a:off x="5072199" y="3603705"/>
+            <a:ext cx="6780952" cy="2851524"/>
           </a:xfrm>
           <a:prstGeom prst="rect">
             <a:avLst/>
@@ -3976,7 +4004,7 @@
     </p:spTree>
     <p:extLst>
       <p:ext uri="{BB962C8B-B14F-4D97-AF65-F5344CB8AC3E}">
-        <p14:creationId xmlns:p14="http://schemas.microsoft.com/office/powerpoint/2010/main" val="1089333297"/>
+        <p14:creationId xmlns:p14="http://schemas.microsoft.com/office/powerpoint/2010/main" val="3246307636"/>
       </p:ext>
     </p:extLst>
   </p:cSld>
@@ -4021,8 +4049,8 @@
         </p:nvSpPr>
         <p:spPr>
           <a:xfrm>
-            <a:off x="217715" y="613294"/>
-            <a:ext cx="5040085" cy="5980822"/>
+            <a:off x="631722" y="508102"/>
+            <a:ext cx="10803193" cy="5646891"/>
           </a:xfrm>
         </p:spPr>
         <p:txBody>
@@ -4033,119 +4061,18 @@
               <a:buNone/>
             </a:pPr>
             <a:r>
-              <a:rPr lang="en-IN" dirty="0"/>
-              <a:t>2. </a:t>
-            </a:r>
-            <a:r>
               <a:rPr lang="en-IN" b="1" dirty="0"/>
-              <a:t>Class</a:t>
-            </a:r>
-            <a:r>
-              <a:rPr lang="en-IN" dirty="0"/>
-              <a:t> Circle </a:t>
-            </a:r>
-            <a:r>
-              <a:rPr lang="en-IN" b="1" dirty="0">
-                <a:solidFill>
-                  <a:srgbClr val="C00000"/>
-                </a:solidFill>
-              </a:rPr>
-              <a:t>implements</a:t>
-            </a:r>
-            <a:r>
-              <a:rPr lang="en-IN" dirty="0"/>
-              <a:t> the </a:t>
-            </a:r>
-            <a:r>
-              <a:rPr lang="en-IN" b="1" dirty="0"/>
-              <a:t>Interface</a:t>
-            </a:r>
-            <a:r>
-              <a:rPr lang="en-IN" dirty="0"/>
-              <a:t> Shape:</a:t>
-            </a:r>
-          </a:p>
-          <a:p>
-            <a:pPr marL="0" indent="0">
-              <a:buNone/>
-            </a:pPr>
-            <a:endParaRPr lang="en-IN" dirty="0"/>
-          </a:p>
-          <a:p>
-            <a:pPr marL="0" indent="0">
-              <a:buNone/>
-            </a:pPr>
-            <a:endParaRPr lang="en-IN" dirty="0"/>
-          </a:p>
-          <a:p>
-            <a:pPr marL="0" indent="0">
-              <a:buNone/>
-            </a:pPr>
-            <a:endParaRPr lang="en-IN" dirty="0"/>
-          </a:p>
-          <a:p>
-            <a:pPr marL="0" indent="0">
-              <a:buNone/>
-            </a:pPr>
-            <a:endParaRPr lang="en-IN" dirty="0"/>
-          </a:p>
-          <a:p>
-            <a:pPr marL="0" indent="0">
-              <a:buNone/>
-            </a:pPr>
-            <a:endParaRPr lang="en-IN" dirty="0"/>
-          </a:p>
-          <a:p>
-            <a:pPr marL="0" indent="0">
-              <a:buNone/>
-            </a:pPr>
-            <a:r>
-              <a:rPr lang="en-IN" dirty="0"/>
-              <a:t>3. </a:t>
-            </a:r>
-            <a:r>
-              <a:rPr lang="en-IN" b="1" dirty="0"/>
-              <a:t>Class</a:t>
-            </a:r>
-            <a:r>
-              <a:rPr lang="en-IN" dirty="0"/>
-              <a:t> Rectangle </a:t>
-            </a:r>
-            <a:r>
-              <a:rPr lang="en-IN" b="1" dirty="0">
-                <a:solidFill>
-                  <a:srgbClr val="C00000"/>
-                </a:solidFill>
-              </a:rPr>
-              <a:t>implements</a:t>
-            </a:r>
-            <a:r>
-              <a:rPr lang="en-IN" dirty="0"/>
-              <a:t> the </a:t>
-            </a:r>
-            <a:r>
-              <a:rPr lang="en-IN" b="1" dirty="0"/>
-              <a:t>Interface</a:t>
-            </a:r>
-            <a:r>
-              <a:rPr lang="en-IN" dirty="0"/>
-              <a:t> Shape:</a:t>
-            </a:r>
-          </a:p>
-          <a:p>
-            <a:pPr marL="0" indent="0">
-              <a:buNone/>
-            </a:pPr>
-            <a:endParaRPr lang="en-IN" dirty="0"/>
+              <a:t>Main Class:</a:t>
+            </a:r>
           </a:p>
         </p:txBody>
       </p:sp>
       <p:pic>
         <p:nvPicPr>
-          <p:cNvPr id="6" name="Picture 5" descr="A computer code on a black background&#10;&#10;Description automatically generated">
-            <a:extLst>
-              <a:ext uri="{FF2B5EF4-FFF2-40B4-BE49-F238E27FC236}">
-                <a16:creationId xmlns:a16="http://schemas.microsoft.com/office/drawing/2014/main" id="{C5442760-F37A-DDDA-1D71-C5F74B6724F2}"/>
+          <p:cNvPr id="6" name="Picture 5" descr="A computer screen shot of a black screen with white text&#10;&#10;Description automatically generated">
+            <a:extLst>
+              <a:ext uri="{FF2B5EF4-FFF2-40B4-BE49-F238E27FC236}">
+                <a16:creationId xmlns:a16="http://schemas.microsoft.com/office/drawing/2014/main" id="{7B0195E2-B9DA-749B-77AB-DEA3A80B217E}"/>
               </a:ext>
             </a:extLst>
           </p:cNvPr>
@@ -4168,44 +4095,8 @@
         </p:blipFill>
         <p:spPr>
           <a:xfrm>
-            <a:off x="5072199" y="500743"/>
-            <a:ext cx="6780952" cy="2928257"/>
-          </a:xfrm>
-          <a:prstGeom prst="rect">
-            <a:avLst/>
-          </a:prstGeom>
-        </p:spPr>
-      </p:pic>
-      <p:pic>
-        <p:nvPicPr>
-          <p:cNvPr id="8" name="Picture 7" descr="A computer code on a black background&#10;&#10;Description automatically generated">
-            <a:extLst>
-              <a:ext uri="{FF2B5EF4-FFF2-40B4-BE49-F238E27FC236}">
-                <a16:creationId xmlns:a16="http://schemas.microsoft.com/office/drawing/2014/main" id="{F050FB6B-5D49-5AC5-6F3A-508532E14AA1}"/>
-              </a:ext>
-            </a:extLst>
-          </p:cNvPr>
-          <p:cNvPicPr>
-            <a:picLocks noChangeAspect="1"/>
-          </p:cNvPicPr>
-          <p:nvPr/>
-        </p:nvPicPr>
-        <p:blipFill>
-          <a:blip r:embed="rId3">
-            <a:extLst>
-              <a:ext uri="{28A0092B-C50C-407E-A947-70E740481C1C}">
-                <a14:useLocalDpi xmlns:a14="http://schemas.microsoft.com/office/drawing/2010/main" val="0"/>
-              </a:ext>
-            </a:extLst>
-          </a:blip>
-          <a:stretch>
-            <a:fillRect/>
-          </a:stretch>
-        </p:blipFill>
-        <p:spPr>
-          <a:xfrm>
-            <a:off x="5072199" y="3603705"/>
-            <a:ext cx="6780952" cy="2851524"/>
+            <a:off x="2562713" y="508102"/>
+            <a:ext cx="9153832" cy="5857562"/>
           </a:xfrm>
           <a:prstGeom prst="rect">
             <a:avLst/>
@@ -4215,7 +4106,7 @@
     </p:spTree>
     <p:extLst>
       <p:ext uri="{BB962C8B-B14F-4D97-AF65-F5344CB8AC3E}">
-        <p14:creationId xmlns:p14="http://schemas.microsoft.com/office/powerpoint/2010/main" val="3246307636"/>
+        <p14:creationId xmlns:p14="http://schemas.microsoft.com/office/powerpoint/2010/main" val="2092112593"/>
       </p:ext>
     </p:extLst>
   </p:cSld>
@@ -4273,51 +4164,169 @@
             </a:pPr>
             <a:r>
               <a:rPr lang="en-IN" b="1" dirty="0"/>
-              <a:t>Main Class:</a:t>
-            </a:r>
+              <a:t>Extending interface:</a:t>
+            </a:r>
+            <a:endParaRPr lang="en-US" b="1" dirty="0"/>
+          </a:p>
+          <a:p>
+            <a:pPr marL="0" indent="0">
+              <a:buNone/>
+            </a:pPr>
+            <a:r>
+              <a:rPr lang="en-US" dirty="0"/>
+              <a:t>In Java, </a:t>
+            </a:r>
+            <a:r>
+              <a:rPr lang="en-US" b="1" dirty="0"/>
+              <a:t>interfaces</a:t>
+            </a:r>
+            <a:r>
+              <a:rPr lang="en-US" dirty="0"/>
+              <a:t> can </a:t>
+            </a:r>
+            <a:r>
+              <a:rPr lang="en-US" b="1" dirty="0">
+                <a:solidFill>
+                  <a:srgbClr val="C00000"/>
+                </a:solidFill>
+              </a:rPr>
+              <a:t>extend</a:t>
+            </a:r>
+            <a:r>
+              <a:rPr lang="en-US" dirty="0"/>
+              <a:t> other </a:t>
+            </a:r>
+            <a:r>
+              <a:rPr lang="en-US" b="1" dirty="0"/>
+              <a:t>interfaces</a:t>
+            </a:r>
+            <a:r>
+              <a:rPr lang="en-US" dirty="0"/>
+              <a:t>, similar to how </a:t>
+            </a:r>
+            <a:r>
+              <a:rPr lang="en-US" b="1" dirty="0"/>
+              <a:t>classes</a:t>
+            </a:r>
+            <a:r>
+              <a:rPr lang="en-US" dirty="0"/>
+              <a:t> can </a:t>
+            </a:r>
+            <a:r>
+              <a:rPr lang="en-US" b="1" dirty="0">
+                <a:solidFill>
+                  <a:srgbClr val="C00000"/>
+                </a:solidFill>
+              </a:rPr>
+              <a:t>extend</a:t>
+            </a:r>
+            <a:r>
+              <a:rPr lang="en-US" dirty="0"/>
+              <a:t> other </a:t>
+            </a:r>
+            <a:r>
+              <a:rPr lang="en-US" b="1" dirty="0"/>
+              <a:t>classes</a:t>
+            </a:r>
+            <a:r>
+              <a:rPr lang="en-US" dirty="0"/>
+              <a:t>. </a:t>
+            </a:r>
+          </a:p>
+          <a:p>
+            <a:pPr marL="0" indent="0">
+              <a:buNone/>
+            </a:pPr>
+            <a:r>
+              <a:rPr lang="en-US" dirty="0"/>
+              <a:t>When one interface extends another, it </a:t>
+            </a:r>
+            <a:r>
+              <a:rPr lang="en-US" b="1" dirty="0">
+                <a:solidFill>
+                  <a:srgbClr val="C00000"/>
+                </a:solidFill>
+              </a:rPr>
+              <a:t>inherits</a:t>
+            </a:r>
+            <a:r>
+              <a:rPr lang="en-US" dirty="0"/>
+              <a:t> all the abstract methods, default methods, and constants (static and final fields) from the parent interface. This allows you to create a more specialized interface by building upon an existing one.</a:t>
+            </a:r>
+          </a:p>
+          <a:p>
+            <a:pPr marL="0" indent="0">
+              <a:buNone/>
+            </a:pPr>
+            <a:r>
+              <a:rPr lang="en-US" dirty="0"/>
+              <a:t>Unlike classes, where a subclass can only extend </a:t>
+            </a:r>
+            <a:r>
+              <a:rPr lang="en-US" b="1" dirty="0"/>
+              <a:t>one parent class </a:t>
+            </a:r>
+            <a:r>
+              <a:rPr lang="en-US" dirty="0"/>
+              <a:t>(due to </a:t>
+            </a:r>
+            <a:r>
+              <a:rPr lang="en-US" b="1" dirty="0">
+                <a:solidFill>
+                  <a:srgbClr val="C00000"/>
+                </a:solidFill>
+              </a:rPr>
+              <a:t>single inheritance</a:t>
+            </a:r>
+            <a:r>
+              <a:rPr lang="en-US" dirty="0"/>
+              <a:t>), an interface in Java can </a:t>
+            </a:r>
+            <a:r>
+              <a:rPr lang="en-US" b="1" dirty="0">
+                <a:solidFill>
+                  <a:srgbClr val="C00000"/>
+                </a:solidFill>
+              </a:rPr>
+              <a:t>extend</a:t>
+            </a:r>
+            <a:r>
+              <a:rPr lang="en-US" dirty="0"/>
+              <a:t> </a:t>
+            </a:r>
+            <a:r>
+              <a:rPr lang="en-US" b="1" dirty="0"/>
+              <a:t>multiple interfaces</a:t>
+            </a:r>
+            <a:r>
+              <a:rPr lang="en-US" dirty="0"/>
+              <a:t>, allowing for a form of </a:t>
+            </a:r>
+            <a:r>
+              <a:rPr lang="en-US" b="1" dirty="0">
+                <a:solidFill>
+                  <a:srgbClr val="C00000"/>
+                </a:solidFill>
+              </a:rPr>
+              <a:t>multiple inheritance</a:t>
+            </a:r>
+            <a:r>
+              <a:rPr lang="en-US" dirty="0"/>
+              <a:t>.</a:t>
+            </a:r>
+          </a:p>
+          <a:p>
+            <a:pPr marL="0" indent="0">
+              <a:buNone/>
+            </a:pPr>
+            <a:endParaRPr lang="en-IN" dirty="0"/>
           </a:p>
         </p:txBody>
       </p:sp>
-      <p:pic>
-        <p:nvPicPr>
-          <p:cNvPr id="6" name="Picture 5" descr="A computer screen shot of a black screen with white text&#10;&#10;Description automatically generated">
-            <a:extLst>
-              <a:ext uri="{FF2B5EF4-FFF2-40B4-BE49-F238E27FC236}">
-                <a16:creationId xmlns:a16="http://schemas.microsoft.com/office/drawing/2014/main" id="{7B0195E2-B9DA-749B-77AB-DEA3A80B217E}"/>
-              </a:ext>
-            </a:extLst>
-          </p:cNvPr>
-          <p:cNvPicPr>
-            <a:picLocks noChangeAspect="1"/>
-          </p:cNvPicPr>
-          <p:nvPr/>
-        </p:nvPicPr>
-        <p:blipFill>
-          <a:blip r:embed="rId2">
-            <a:extLst>
-              <a:ext uri="{28A0092B-C50C-407E-A947-70E740481C1C}">
-                <a14:useLocalDpi xmlns:a14="http://schemas.microsoft.com/office/drawing/2010/main" val="0"/>
-              </a:ext>
-            </a:extLst>
-          </a:blip>
-          <a:stretch>
-            <a:fillRect/>
-          </a:stretch>
-        </p:blipFill>
-        <p:spPr>
-          <a:xfrm>
-            <a:off x="2562713" y="508102"/>
-            <a:ext cx="9153832" cy="5857562"/>
-          </a:xfrm>
-          <a:prstGeom prst="rect">
-            <a:avLst/>
-          </a:prstGeom>
-        </p:spPr>
-      </p:pic>
     </p:spTree>
     <p:extLst>
       <p:ext uri="{BB962C8B-B14F-4D97-AF65-F5344CB8AC3E}">
-        <p14:creationId xmlns:p14="http://schemas.microsoft.com/office/powerpoint/2010/main" val="2092112593"/>
+        <p14:creationId xmlns:p14="http://schemas.microsoft.com/office/powerpoint/2010/main" val="2361545181"/>
       </p:ext>
     </p:extLst>
   </p:cSld>
@@ -4375,155 +4384,11 @@
             </a:pPr>
             <a:r>
               <a:rPr lang="en-IN" b="1" dirty="0"/>
-              <a:t>Extending interface:</a:t>
-            </a:r>
-            <a:endParaRPr lang="en-US" b="1" dirty="0"/>
-          </a:p>
-          <a:p>
-            <a:pPr marL="0" indent="0">
-              <a:buNone/>
-            </a:pPr>
-            <a:r>
-              <a:rPr lang="en-US" dirty="0"/>
-              <a:t>In Java, </a:t>
-            </a:r>
-            <a:r>
-              <a:rPr lang="en-US" b="1" dirty="0"/>
-              <a:t>interfaces</a:t>
-            </a:r>
-            <a:r>
-              <a:rPr lang="en-US" dirty="0"/>
-              <a:t> can </a:t>
-            </a:r>
-            <a:r>
-              <a:rPr lang="en-US" b="1" dirty="0">
-                <a:solidFill>
-                  <a:srgbClr val="C00000"/>
-                </a:solidFill>
-              </a:rPr>
-              <a:t>extend</a:t>
-            </a:r>
-            <a:r>
-              <a:rPr lang="en-US" dirty="0"/>
-              <a:t> other </a:t>
-            </a:r>
-            <a:r>
-              <a:rPr lang="en-US" b="1" dirty="0"/>
-              <a:t>interfaces</a:t>
-            </a:r>
-            <a:r>
-              <a:rPr lang="en-US" dirty="0"/>
-              <a:t>, similar to how </a:t>
-            </a:r>
-            <a:r>
-              <a:rPr lang="en-US" b="1" dirty="0"/>
-              <a:t>classes</a:t>
-            </a:r>
-            <a:r>
-              <a:rPr lang="en-US" dirty="0"/>
-              <a:t> can </a:t>
-            </a:r>
-            <a:r>
-              <a:rPr lang="en-US" b="1" dirty="0">
-                <a:solidFill>
-                  <a:srgbClr val="C00000"/>
-                </a:solidFill>
-              </a:rPr>
-              <a:t>extend</a:t>
-            </a:r>
-            <a:r>
-              <a:rPr lang="en-US" dirty="0"/>
-              <a:t> other </a:t>
-            </a:r>
-            <a:r>
-              <a:rPr lang="en-US" b="1" dirty="0"/>
-              <a:t>classes</a:t>
-            </a:r>
-            <a:r>
-              <a:rPr lang="en-US" dirty="0"/>
-              <a:t>. </a:t>
-            </a:r>
-          </a:p>
-          <a:p>
-            <a:pPr marL="0" indent="0">
-              <a:buNone/>
-            </a:pPr>
-            <a:r>
-              <a:rPr lang="en-US" dirty="0"/>
-              <a:t>When one interface extends another, it </a:t>
-            </a:r>
-            <a:r>
-              <a:rPr lang="en-US" b="1" dirty="0">
-                <a:solidFill>
-                  <a:srgbClr val="C00000"/>
-                </a:solidFill>
-              </a:rPr>
-              <a:t>inherits</a:t>
-            </a:r>
-            <a:r>
-              <a:rPr lang="en-US" dirty="0"/>
-              <a:t> all the abstract methods, default methods, and constants (static and final fields) from the parent interface. This allows you to create a more specialized interface by building upon an existing one.</a:t>
-            </a:r>
-          </a:p>
-          <a:p>
-            <a:pPr marL="0" indent="0">
-              <a:buNone/>
-            </a:pPr>
-            <a:r>
-              <a:rPr lang="en-US" dirty="0"/>
-              <a:t>Unlike classes, where a subclass can only extend </a:t>
-            </a:r>
-            <a:r>
-              <a:rPr lang="en-US" b="1" dirty="0"/>
-              <a:t>one parent class </a:t>
-            </a:r>
-            <a:r>
-              <a:rPr lang="en-US" dirty="0"/>
-              <a:t>(due to </a:t>
-            </a:r>
-            <a:r>
-              <a:rPr lang="en-US" b="1" dirty="0">
-                <a:solidFill>
-                  <a:srgbClr val="C00000"/>
-                </a:solidFill>
-              </a:rPr>
-              <a:t>single inheritance</a:t>
-            </a:r>
-            <a:r>
-              <a:rPr lang="en-US" dirty="0"/>
-              <a:t>), an interface in Java can </a:t>
-            </a:r>
-            <a:r>
-              <a:rPr lang="en-US" b="1" dirty="0">
-                <a:solidFill>
-                  <a:srgbClr val="C00000"/>
-                </a:solidFill>
-              </a:rPr>
-              <a:t>extend</a:t>
-            </a:r>
-            <a:r>
-              <a:rPr lang="en-US" dirty="0"/>
-              <a:t> </a:t>
-            </a:r>
-            <a:r>
-              <a:rPr lang="en-US" b="1" dirty="0"/>
-              <a:t>multiple interfaces</a:t>
-            </a:r>
-            <a:r>
-              <a:rPr lang="en-US" dirty="0"/>
-              <a:t>, allowing for a form of </a:t>
-            </a:r>
-            <a:r>
-              <a:rPr lang="en-US" b="1" dirty="0">
-                <a:solidFill>
-                  <a:srgbClr val="C00000"/>
-                </a:solidFill>
-              </a:rPr>
-              <a:t>multiple inheritance</a:t>
-            </a:r>
-            <a:r>
-              <a:rPr lang="en-US" dirty="0"/>
-              <a:t>.</a:t>
+              <a:t>Syntax</a:t>
+            </a:r>
+            <a:r>
+              <a:rPr lang="en-IN" dirty="0"/>
+              <a:t>:</a:t>
             </a:r>
           </a:p>
           <a:p>
@@ -4534,10 +4399,46 @@
           </a:p>
         </p:txBody>
       </p:sp>
+      <p:pic>
+        <p:nvPicPr>
+          <p:cNvPr id="8" name="Picture 7" descr="A computer screen shot of a black screen">
+            <a:extLst>
+              <a:ext uri="{FF2B5EF4-FFF2-40B4-BE49-F238E27FC236}">
+                <a16:creationId xmlns:a16="http://schemas.microsoft.com/office/drawing/2014/main" id="{3930BB4D-2AC7-3DB9-5595-70E93AA142E9}"/>
+              </a:ext>
+            </a:extLst>
+          </p:cNvPr>
+          <p:cNvPicPr>
+            <a:picLocks noChangeAspect="1"/>
+          </p:cNvPicPr>
+          <p:nvPr/>
+        </p:nvPicPr>
+        <p:blipFill>
+          <a:blip r:embed="rId2">
+            <a:extLst>
+              <a:ext uri="{28A0092B-C50C-407E-A947-70E740481C1C}">
+                <a14:useLocalDpi xmlns:a14="http://schemas.microsoft.com/office/drawing/2010/main" val="0"/>
+              </a:ext>
+            </a:extLst>
+          </a:blip>
+          <a:stretch>
+            <a:fillRect/>
+          </a:stretch>
+        </p:blipFill>
+        <p:spPr>
+          <a:xfrm>
+            <a:off x="2069145" y="811055"/>
+            <a:ext cx="9365770" cy="5235889"/>
+          </a:xfrm>
+          <a:prstGeom prst="rect">
+            <a:avLst/>
+          </a:prstGeom>
+        </p:spPr>
+      </p:pic>
     </p:spTree>
     <p:extLst>
       <p:ext uri="{BB962C8B-B14F-4D97-AF65-F5344CB8AC3E}">
-        <p14:creationId xmlns:p14="http://schemas.microsoft.com/office/powerpoint/2010/main" val="2361545181"/>
+        <p14:creationId xmlns:p14="http://schemas.microsoft.com/office/powerpoint/2010/main" val="1117310272"/>
       </p:ext>
     </p:extLst>
   </p:cSld>
@@ -4582,118 +4483,6 @@
         </p:nvSpPr>
         <p:spPr>
           <a:xfrm>
-            <a:off x="631722" y="508102"/>
-            <a:ext cx="10803193" cy="5646891"/>
-          </a:xfrm>
-        </p:spPr>
-        <p:txBody>
-          <a:bodyPr/>
-          <a:lstStyle/>
-          <a:p>
-            <a:pPr marL="0" indent="0">
-              <a:buNone/>
-            </a:pPr>
-            <a:r>
-              <a:rPr lang="en-IN" b="1" dirty="0"/>
-              <a:t>Syntax</a:t>
-            </a:r>
-            <a:r>
-              <a:rPr lang="en-IN" dirty="0"/>
-              <a:t>:</a:t>
-            </a:r>
-          </a:p>
-          <a:p>
-            <a:pPr marL="0" indent="0">
-              <a:buNone/>
-            </a:pPr>
-            <a:endParaRPr lang="en-IN" dirty="0"/>
-          </a:p>
-        </p:txBody>
-      </p:sp>
-      <p:pic>
-        <p:nvPicPr>
-          <p:cNvPr id="8" name="Picture 7" descr="A computer screen shot of a black screen">
-            <a:extLst>
-              <a:ext uri="{FF2B5EF4-FFF2-40B4-BE49-F238E27FC236}">
-                <a16:creationId xmlns:a16="http://schemas.microsoft.com/office/drawing/2014/main" id="{3930BB4D-2AC7-3DB9-5595-70E93AA142E9}"/>
-              </a:ext>
-            </a:extLst>
-          </p:cNvPr>
-          <p:cNvPicPr>
-            <a:picLocks noChangeAspect="1"/>
-          </p:cNvPicPr>
-          <p:nvPr/>
-        </p:nvPicPr>
-        <p:blipFill>
-          <a:blip r:embed="rId2">
-            <a:extLst>
-              <a:ext uri="{28A0092B-C50C-407E-A947-70E740481C1C}">
-                <a14:useLocalDpi xmlns:a14="http://schemas.microsoft.com/office/drawing/2010/main" val="0"/>
-              </a:ext>
-            </a:extLst>
-          </a:blip>
-          <a:stretch>
-            <a:fillRect/>
-          </a:stretch>
-        </p:blipFill>
-        <p:spPr>
-          <a:xfrm>
-            <a:off x="2069145" y="811055"/>
-            <a:ext cx="9365770" cy="5235889"/>
-          </a:xfrm>
-          <a:prstGeom prst="rect">
-            <a:avLst/>
-          </a:prstGeom>
-        </p:spPr>
-      </p:pic>
-    </p:spTree>
-    <p:extLst>
-      <p:ext uri="{BB962C8B-B14F-4D97-AF65-F5344CB8AC3E}">
-        <p14:creationId xmlns:p14="http://schemas.microsoft.com/office/powerpoint/2010/main" val="1117310272"/>
-      </p:ext>
-    </p:extLst>
-  </p:cSld>
-  <p:clrMapOvr>
-    <a:masterClrMapping/>
-  </p:clrMapOvr>
-</p:sld>
-</file>
-
-<file path=ppt/slides/slide16.xml><?xml version="1.0" encoding="utf-8"?>
-<p:sld xmlns:a="http://schemas.openxmlformats.org/drawingml/2006/main" xmlns:r="http://schemas.openxmlformats.org/officeDocument/2006/relationships" xmlns:p="http://schemas.openxmlformats.org/presentationml/2006/main">
-  <p:cSld>
-    <p:spTree>
-      <p:nvGrpSpPr>
-        <p:cNvPr id="1" name=""/>
-        <p:cNvGrpSpPr/>
-        <p:nvPr/>
-      </p:nvGrpSpPr>
-      <p:grpSpPr>
-        <a:xfrm>
-          <a:off x="0" y="0"/>
-          <a:ext cx="0" cy="0"/>
-          <a:chOff x="0" y="0"/>
-          <a:chExt cx="0" cy="0"/>
-        </a:xfrm>
-      </p:grpSpPr>
-      <p:sp>
-        <p:nvSpPr>
-          <p:cNvPr id="3" name="Content Placeholder 2">
-            <a:extLst>
-              <a:ext uri="{FF2B5EF4-FFF2-40B4-BE49-F238E27FC236}">
-                <a16:creationId xmlns:a16="http://schemas.microsoft.com/office/drawing/2014/main" id="{E42FB284-DAF2-8CB9-9090-285BF2A5822E}"/>
-              </a:ext>
-            </a:extLst>
-          </p:cNvPr>
-          <p:cNvSpPr>
-            <a:spLocks noGrp="1"/>
-          </p:cNvSpPr>
-          <p:nvPr>
-            <p:ph idx="1"/>
-          </p:nvPr>
-        </p:nvSpPr>
-        <p:spPr>
-          <a:xfrm>
             <a:off x="947407" y="954416"/>
             <a:ext cx="10330193" cy="4053013"/>
           </a:xfrm>
@@ -4831,7 +4620,7 @@
 </p:sld>
 </file>
 
-<file path=ppt/slides/slide17.xml><?xml version="1.0" encoding="utf-8"?>
+<file path=ppt/slides/slide16.xml><?xml version="1.0" encoding="utf-8"?>
 <p:sld xmlns:a="http://schemas.openxmlformats.org/drawingml/2006/main" xmlns:r="http://schemas.openxmlformats.org/officeDocument/2006/relationships" xmlns:p="http://schemas.openxmlformats.org/presentationml/2006/main">
   <p:cSld>
     <p:spTree>
@@ -6066,6 +5855,112 @@
 </p:sld>
 </file>
 
+<file path=ppt/slides/slide17.xml><?xml version="1.0" encoding="utf-8"?>
+<p:sld xmlns:a="http://schemas.openxmlformats.org/drawingml/2006/main" xmlns:r="http://schemas.openxmlformats.org/officeDocument/2006/relationships" xmlns:p="http://schemas.openxmlformats.org/presentationml/2006/main">
+  <p:cSld>
+    <p:spTree>
+      <p:nvGrpSpPr>
+        <p:cNvPr id="1" name=""/>
+        <p:cNvGrpSpPr/>
+        <p:nvPr/>
+      </p:nvGrpSpPr>
+      <p:grpSpPr>
+        <a:xfrm>
+          <a:off x="0" y="0"/>
+          <a:ext cx="0" cy="0"/>
+          <a:chOff x="0" y="0"/>
+          <a:chExt cx="0" cy="0"/>
+        </a:xfrm>
+      </p:grpSpPr>
+      <p:sp>
+        <p:nvSpPr>
+          <p:cNvPr id="3" name="Content Placeholder 2">
+            <a:extLst>
+              <a:ext uri="{FF2B5EF4-FFF2-40B4-BE49-F238E27FC236}">
+                <a16:creationId xmlns:a16="http://schemas.microsoft.com/office/drawing/2014/main" id="{E42FB284-DAF2-8CB9-9090-285BF2A5822E}"/>
+              </a:ext>
+            </a:extLst>
+          </p:cNvPr>
+          <p:cNvSpPr>
+            <a:spLocks noGrp="1"/>
+          </p:cNvSpPr>
+          <p:nvPr>
+            <p:ph idx="1"/>
+          </p:nvPr>
+        </p:nvSpPr>
+        <p:spPr>
+          <a:xfrm>
+            <a:off x="694403" y="2041935"/>
+            <a:ext cx="10803193" cy="1989292"/>
+          </a:xfrm>
+        </p:spPr>
+        <p:txBody>
+          <a:bodyPr>
+            <a:normAutofit lnSpcReduction="10000"/>
+          </a:bodyPr>
+          <a:lstStyle/>
+          <a:p>
+            <a:pPr marL="0" indent="0" algn="ctr">
+              <a:buNone/>
+            </a:pPr>
+            <a:r>
+              <a:rPr lang="en-US" sz="4800" b="1" dirty="0">
+                <a:solidFill>
+                  <a:srgbClr val="C00000"/>
+                </a:solidFill>
+              </a:rPr>
+              <a:t>Encapsulation</a:t>
+            </a:r>
+            <a:r>
+              <a:rPr lang="en-US" dirty="0"/>
+              <a:t> </a:t>
+            </a:r>
+          </a:p>
+          <a:p>
+            <a:pPr marL="0" indent="0" algn="ctr">
+              <a:buNone/>
+            </a:pPr>
+            <a:r>
+              <a:rPr lang="en-US" b="1" dirty="0"/>
+              <a:t>Encapsulation</a:t>
+            </a:r>
+            <a:r>
+              <a:rPr lang="en-US" dirty="0"/>
+              <a:t> is a key Java OOP principle that is implemented mostly through by making a class Property </a:t>
+            </a:r>
+            <a:r>
+              <a:rPr lang="en-US" b="1" dirty="0"/>
+              <a:t>Private</a:t>
+            </a:r>
+            <a:r>
+              <a:rPr lang="en-US" dirty="0"/>
+              <a:t> (Getters and Setters) and  </a:t>
+            </a:r>
+            <a:r>
+              <a:rPr lang="en-US" b="1" dirty="0"/>
+              <a:t>packages</a:t>
+            </a:r>
+            <a:r>
+              <a:rPr lang="en-US" dirty="0"/>
+              <a:t>.</a:t>
+            </a:r>
+            <a:endParaRPr lang="en-IN" dirty="0"/>
+          </a:p>
+        </p:txBody>
+      </p:sp>
+    </p:spTree>
+    <p:extLst>
+      <p:ext uri="{BB962C8B-B14F-4D97-AF65-F5344CB8AC3E}">
+        <p14:creationId xmlns:p14="http://schemas.microsoft.com/office/powerpoint/2010/main" val="2418680613"/>
+      </p:ext>
+    </p:extLst>
+  </p:cSld>
+  <p:clrMapOvr>
+    <a:masterClrMapping/>
+  </p:clrMapOvr>
+</p:sld>
+</file>
+
 <file path=ppt/slides/slide18.xml><?xml version="1.0" encoding="utf-8"?>
 <p:sld xmlns:a="http://schemas.openxmlformats.org/drawingml/2006/main" xmlns:r="http://schemas.openxmlformats.org/officeDocument/2006/relationships" xmlns:p="http://schemas.openxmlformats.org/presentationml/2006/main">
   <p:cSld>
@@ -6101,50 +5996,153 @@
         </p:nvSpPr>
         <p:spPr>
           <a:xfrm>
-            <a:off x="694403" y="2041935"/>
-            <a:ext cx="10803193" cy="1989292"/>
+            <a:off x="631722" y="508102"/>
+            <a:ext cx="10803193" cy="5646891"/>
           </a:xfrm>
         </p:spPr>
         <p:txBody>
           <a:bodyPr/>
           <a:lstStyle/>
           <a:p>
-            <a:pPr marL="0" indent="0" algn="ctr">
-              <a:buNone/>
-            </a:pPr>
-            <a:r>
-              <a:rPr lang="en-US" sz="4800" b="1" dirty="0">
+            <a:pPr marL="0" indent="0">
+              <a:buNone/>
+            </a:pPr>
+            <a:r>
+              <a:rPr lang="en-US" sz="3600" b="1" dirty="0">
+                <a:solidFill>
+                  <a:srgbClr val="00B050"/>
+                </a:solidFill>
+              </a:rPr>
+              <a:t>packages :</a:t>
+            </a:r>
+          </a:p>
+          <a:p>
+            <a:r>
+              <a:rPr lang="en-US" dirty="0"/>
+              <a:t>The packages in Java Language is nothing more than </a:t>
+            </a:r>
+            <a:r>
+              <a:rPr lang="en-US" b="1" dirty="0">
                 <a:solidFill>
                   <a:srgbClr val="C00000"/>
                 </a:solidFill>
               </a:rPr>
-              <a:t>Encapsulation</a:t>
-            </a:r>
-            <a:r>
-              <a:rPr lang="en-US" dirty="0"/>
-              <a:t> </a:t>
-            </a:r>
-          </a:p>
-          <a:p>
-            <a:pPr marL="0" indent="0" algn="ctr">
-              <a:buNone/>
-            </a:pPr>
+              <a:t>directories</a:t>
+            </a:r>
+            <a:r>
+              <a:rPr lang="en-US" dirty="0"/>
+              <a:t> that gathers </a:t>
+            </a:r>
             <a:r>
               <a:rPr lang="en-US" b="1" dirty="0"/>
-              <a:t>Encapsulation</a:t>
-            </a:r>
-            <a:r>
-              <a:rPr lang="en-US" dirty="0"/>
-              <a:t> is a key Java OOP principle that is implemented mostly through </a:t>
+              <a:t>related classes</a:t>
+            </a:r>
+            <a:r>
+              <a:rPr lang="en-US" dirty="0"/>
+              <a:t>, </a:t>
             </a:r>
             <a:r>
               <a:rPr lang="en-US" b="1" dirty="0"/>
-              <a:t>packages</a:t>
-            </a:r>
-            <a:r>
-              <a:rPr lang="en-US" dirty="0"/>
-              <a:t>.</a:t>
-            </a:r>
+              <a:t>interfaces</a:t>
+            </a:r>
+            <a:r>
+              <a:rPr lang="en-US" dirty="0"/>
+              <a:t>, and </a:t>
+            </a:r>
+            <a:r>
+              <a:rPr lang="en-US" b="1" dirty="0"/>
+              <a:t>sub-packages</a:t>
+            </a:r>
+            <a:r>
+              <a:rPr lang="en-US" dirty="0"/>
+              <a:t> based on their </a:t>
+            </a:r>
+            <a:r>
+              <a:rPr lang="en-US" b="1" dirty="0">
+                <a:solidFill>
+                  <a:srgbClr val="C00000"/>
+                </a:solidFill>
+              </a:rPr>
+              <a:t>functional relationships </a:t>
+            </a:r>
+            <a:r>
+              <a:rPr lang="en-US" dirty="0"/>
+              <a:t>in java.</a:t>
+            </a:r>
+          </a:p>
+          <a:p>
+            <a:r>
+              <a:rPr lang="en-US" b="0" i="0" dirty="0">
+                <a:solidFill>
+                  <a:srgbClr val="343434"/>
+                </a:solidFill>
+                <a:effectLst/>
+                <a:latin typeface="public sans"/>
+              </a:rPr>
+              <a:t>A large project’s classes can be </a:t>
+            </a:r>
+            <a:r>
+              <a:rPr lang="en-US" b="0" i="0" dirty="0" err="1">
+                <a:solidFill>
+                  <a:srgbClr val="343434"/>
+                </a:solidFill>
+                <a:effectLst/>
+                <a:latin typeface="public sans"/>
+              </a:rPr>
+              <a:t>organised</a:t>
+            </a:r>
+            <a:r>
+              <a:rPr lang="en-US" b="0" i="0" dirty="0">
+                <a:solidFill>
+                  <a:srgbClr val="343434"/>
+                </a:solidFill>
+                <a:effectLst/>
+                <a:latin typeface="public sans"/>
+              </a:rPr>
+              <a:t> using </a:t>
+            </a:r>
+            <a:r>
+              <a:rPr lang="en-US" b="1" i="0" dirty="0">
+                <a:solidFill>
+                  <a:srgbClr val="343434"/>
+                </a:solidFill>
+                <a:effectLst/>
+                <a:latin typeface="public sans"/>
+              </a:rPr>
+              <a:t>Java packages</a:t>
+            </a:r>
+            <a:r>
+              <a:rPr lang="en-US" b="0" i="0" dirty="0">
+                <a:solidFill>
+                  <a:srgbClr val="343434"/>
+                </a:solidFill>
+                <a:effectLst/>
+                <a:latin typeface="public sans"/>
+              </a:rPr>
+              <a:t>, which can aid in the </a:t>
+            </a:r>
+            <a:r>
+              <a:rPr lang="en-US" b="1" i="0" dirty="0">
+                <a:solidFill>
+                  <a:srgbClr val="343434"/>
+                </a:solidFill>
+                <a:effectLst/>
+                <a:latin typeface="public sans"/>
+              </a:rPr>
+              <a:t>implementation of encapsulation.</a:t>
+            </a:r>
+            <a:endParaRPr lang="en-US" b="0" i="0" dirty="0">
+              <a:solidFill>
+                <a:srgbClr val="343434"/>
+              </a:solidFill>
+              <a:effectLst/>
+              <a:latin typeface="public sans"/>
+            </a:endParaRPr>
+          </a:p>
+          <a:p>
+            <a:pPr marL="0" indent="0">
+              <a:buNone/>
+            </a:pPr>
             <a:endParaRPr lang="en-IN" dirty="0"/>
           </a:p>
         </p:txBody>
@@ -6152,7 +6150,7 @@
     </p:spTree>
     <p:extLst>
       <p:ext uri="{BB962C8B-B14F-4D97-AF65-F5344CB8AC3E}">
-        <p14:creationId xmlns:p14="http://schemas.microsoft.com/office/powerpoint/2010/main" val="2418680613"/>
+        <p14:creationId xmlns:p14="http://schemas.microsoft.com/office/powerpoint/2010/main" val="3086644169"/>
       </p:ext>
     </p:extLst>
   </p:cSld>
@@ -6197,273 +6195,7 @@
         </p:nvSpPr>
         <p:spPr>
           <a:xfrm>
-            <a:off x="631722" y="508102"/>
-            <a:ext cx="10803193" cy="5646891"/>
-          </a:xfrm>
-        </p:spPr>
-        <p:txBody>
-          <a:bodyPr/>
-          <a:lstStyle/>
-          <a:p>
-            <a:pPr marL="0" indent="0">
-              <a:buNone/>
-            </a:pPr>
-            <a:r>
-              <a:rPr lang="en-US" sz="3600" b="1" dirty="0">
-                <a:solidFill>
-                  <a:srgbClr val="00B050"/>
-                </a:solidFill>
-              </a:rPr>
-              <a:t>packages :</a:t>
-            </a:r>
-          </a:p>
-          <a:p>
-            <a:r>
-              <a:rPr lang="en-US" dirty="0"/>
-              <a:t>The packages in Java Language is nothing more than </a:t>
-            </a:r>
-            <a:r>
-              <a:rPr lang="en-US" b="1" dirty="0">
-                <a:solidFill>
-                  <a:srgbClr val="C00000"/>
-                </a:solidFill>
-              </a:rPr>
-              <a:t>directories</a:t>
-            </a:r>
-            <a:r>
-              <a:rPr lang="en-US" dirty="0"/>
-              <a:t> that gathers related classes, interfaces, and sub-packages based on their functional relationships in java.</a:t>
-            </a:r>
-          </a:p>
-          <a:p>
-            <a:r>
-              <a:rPr lang="en-US" b="0" i="0" dirty="0">
-                <a:solidFill>
-                  <a:srgbClr val="343434"/>
-                </a:solidFill>
-                <a:effectLst/>
-                <a:latin typeface="public sans"/>
-              </a:rPr>
-              <a:t>A large project’s classes can be </a:t>
-            </a:r>
-            <a:r>
-              <a:rPr lang="en-US" b="0" i="0" dirty="0" err="1">
-                <a:solidFill>
-                  <a:srgbClr val="343434"/>
-                </a:solidFill>
-                <a:effectLst/>
-                <a:latin typeface="public sans"/>
-              </a:rPr>
-              <a:t>organised</a:t>
-            </a:r>
-            <a:r>
-              <a:rPr lang="en-US" b="0" i="0" dirty="0">
-                <a:solidFill>
-                  <a:srgbClr val="343434"/>
-                </a:solidFill>
-                <a:effectLst/>
-                <a:latin typeface="public sans"/>
-              </a:rPr>
-              <a:t> using </a:t>
-            </a:r>
-            <a:r>
-              <a:rPr lang="en-US" b="1" i="0" dirty="0">
-                <a:solidFill>
-                  <a:srgbClr val="343434"/>
-                </a:solidFill>
-                <a:effectLst/>
-                <a:latin typeface="public sans"/>
-              </a:rPr>
-              <a:t>Java packages</a:t>
-            </a:r>
-            <a:r>
-              <a:rPr lang="en-US" b="0" i="0" dirty="0">
-                <a:solidFill>
-                  <a:srgbClr val="343434"/>
-                </a:solidFill>
-                <a:effectLst/>
-                <a:latin typeface="public sans"/>
-              </a:rPr>
-              <a:t>, which can aid in the </a:t>
-            </a:r>
-            <a:r>
-              <a:rPr lang="en-US" b="1" i="0" dirty="0">
-                <a:solidFill>
-                  <a:srgbClr val="343434"/>
-                </a:solidFill>
-                <a:effectLst/>
-                <a:latin typeface="public sans"/>
-              </a:rPr>
-              <a:t>implementation of encapsulation.</a:t>
-            </a:r>
-            <a:endParaRPr lang="en-US" b="0" i="0" dirty="0">
-              <a:solidFill>
-                <a:srgbClr val="343434"/>
-              </a:solidFill>
-              <a:effectLst/>
-              <a:latin typeface="public sans"/>
-            </a:endParaRPr>
-          </a:p>
-          <a:p>
-            <a:pPr marL="0" indent="0">
-              <a:buNone/>
-            </a:pPr>
-            <a:endParaRPr lang="en-IN" dirty="0"/>
-          </a:p>
-        </p:txBody>
-      </p:sp>
-    </p:spTree>
-    <p:extLst>
-      <p:ext uri="{BB962C8B-B14F-4D97-AF65-F5344CB8AC3E}">
-        <p14:creationId xmlns:p14="http://schemas.microsoft.com/office/powerpoint/2010/main" val="3086644169"/>
-      </p:ext>
-    </p:extLst>
-  </p:cSld>
-  <p:clrMapOvr>
-    <a:masterClrMapping/>
-  </p:clrMapOvr>
-</p:sld>
-</file>
-
-<file path=ppt/slides/slide2.xml><?xml version="1.0" encoding="utf-8"?>
-<p:sld xmlns:a="http://schemas.openxmlformats.org/drawingml/2006/main" xmlns:r="http://schemas.openxmlformats.org/officeDocument/2006/relationships" xmlns:p="http://schemas.openxmlformats.org/presentationml/2006/main">
-  <p:cSld>
-    <p:spTree>
-      <p:nvGrpSpPr>
-        <p:cNvPr id="1" name=""/>
-        <p:cNvGrpSpPr/>
-        <p:nvPr/>
-      </p:nvGrpSpPr>
-      <p:grpSpPr>
-        <a:xfrm>
-          <a:off x="0" y="0"/>
-          <a:ext cx="0" cy="0"/>
-          <a:chOff x="0" y="0"/>
-          <a:chExt cx="0" cy="0"/>
-        </a:xfrm>
-      </p:grpSpPr>
-      <p:sp>
-        <p:nvSpPr>
-          <p:cNvPr id="3" name="Content Placeholder 2">
-            <a:extLst>
-              <a:ext uri="{FF2B5EF4-FFF2-40B4-BE49-F238E27FC236}">
-                <a16:creationId xmlns:a16="http://schemas.microsoft.com/office/drawing/2014/main" id="{E42FB284-DAF2-8CB9-9090-285BF2A5822E}"/>
-              </a:ext>
-            </a:extLst>
-          </p:cNvPr>
-          <p:cNvSpPr>
-            <a:spLocks noGrp="1"/>
-          </p:cNvSpPr>
-          <p:nvPr>
-            <p:ph idx="1"/>
-          </p:nvPr>
-        </p:nvSpPr>
-        <p:spPr>
-          <a:xfrm>
-            <a:off x="353785" y="2284236"/>
-            <a:ext cx="11484429" cy="2289527"/>
-          </a:xfrm>
-        </p:spPr>
-        <p:txBody>
-          <a:bodyPr>
-            <a:normAutofit/>
-          </a:bodyPr>
-          <a:lstStyle/>
-          <a:p>
-            <a:pPr marL="0" indent="0" algn="ctr">
-              <a:buNone/>
-            </a:pPr>
-            <a:r>
-              <a:rPr lang="en-US" sz="6600" b="1" dirty="0">
-                <a:solidFill>
-                  <a:schemeClr val="tx2"/>
-                </a:solidFill>
-              </a:rPr>
-              <a:t>Module-3: </a:t>
-            </a:r>
-          </a:p>
-          <a:p>
-            <a:pPr marL="0" indent="0" algn="ctr">
-              <a:buNone/>
-            </a:pPr>
-            <a:r>
-              <a:rPr lang="en-IN" sz="6600" b="1" dirty="0">
-                <a:solidFill>
-                  <a:srgbClr val="C00000"/>
-                </a:solidFill>
-              </a:rPr>
-              <a:t>INTERFACES </a:t>
-            </a:r>
-            <a:r>
-              <a:rPr lang="en-IN" sz="6600" b="1" dirty="0"/>
-              <a:t>AND</a:t>
-            </a:r>
-            <a:r>
-              <a:rPr lang="en-IN" sz="6600" b="1" dirty="0">
-                <a:solidFill>
-                  <a:srgbClr val="C00000"/>
-                </a:solidFill>
-              </a:rPr>
-              <a:t> PACKAGES</a:t>
-            </a:r>
-          </a:p>
-          <a:p>
-            <a:pPr marL="0" indent="0" algn="ctr">
-              <a:buNone/>
-            </a:pPr>
-            <a:endParaRPr lang="en-IN" sz="6600" dirty="0"/>
-          </a:p>
-        </p:txBody>
-      </p:sp>
-    </p:spTree>
-    <p:extLst>
-      <p:ext uri="{BB962C8B-B14F-4D97-AF65-F5344CB8AC3E}">
-        <p14:creationId xmlns:p14="http://schemas.microsoft.com/office/powerpoint/2010/main" val="703384228"/>
-      </p:ext>
-    </p:extLst>
-  </p:cSld>
-  <p:clrMapOvr>
-    <a:masterClrMapping/>
-  </p:clrMapOvr>
-</p:sld>
-</file>
-
-<file path=ppt/slides/slide20.xml><?xml version="1.0" encoding="utf-8"?>
-<p:sld xmlns:a="http://schemas.openxmlformats.org/drawingml/2006/main" xmlns:r="http://schemas.openxmlformats.org/officeDocument/2006/relationships" xmlns:p="http://schemas.openxmlformats.org/presentationml/2006/main">
-  <p:cSld>
-    <p:spTree>
-      <p:nvGrpSpPr>
-        <p:cNvPr id="1" name=""/>
-        <p:cNvGrpSpPr/>
-        <p:nvPr/>
-      </p:nvGrpSpPr>
-      <p:grpSpPr>
-        <a:xfrm>
-          <a:off x="0" y="0"/>
-          <a:ext cx="0" cy="0"/>
-          <a:chOff x="0" y="0"/>
-          <a:chExt cx="0" cy="0"/>
-        </a:xfrm>
-      </p:grpSpPr>
-      <p:sp>
-        <p:nvSpPr>
-          <p:cNvPr id="3" name="Content Placeholder 2">
-            <a:extLst>
-              <a:ext uri="{FF2B5EF4-FFF2-40B4-BE49-F238E27FC236}">
-                <a16:creationId xmlns:a16="http://schemas.microsoft.com/office/drawing/2014/main" id="{E42FB284-DAF2-8CB9-9090-285BF2A5822E}"/>
-              </a:ext>
-            </a:extLst>
-          </p:cNvPr>
-          <p:cNvSpPr>
-            <a:spLocks noGrp="1"/>
-          </p:cNvSpPr>
-          <p:nvPr>
-            <p:ph idx="1"/>
-          </p:nvPr>
-        </p:nvSpPr>
-        <p:spPr>
-          <a:xfrm>
-            <a:off x="292150" y="733373"/>
+            <a:off x="606782" y="1067670"/>
             <a:ext cx="1403556" cy="721801"/>
           </a:xfrm>
         </p:spPr>
@@ -6535,7 +6267,7 @@
 </p:sld>
 </file>
 
-<file path=ppt/slides/slide21.xml><?xml version="1.0" encoding="utf-8"?>
+<file path=ppt/slides/slide2.xml><?xml version="1.0" encoding="utf-8"?>
 <p:sld xmlns:a="http://schemas.openxmlformats.org/drawingml/2006/main" xmlns:r="http://schemas.openxmlformats.org/officeDocument/2006/relationships" xmlns:p="http://schemas.openxmlformats.org/presentationml/2006/main">
   <p:cSld>
     <p:spTree>
@@ -6570,6 +6302,331 @@
         </p:nvSpPr>
         <p:spPr>
           <a:xfrm>
+            <a:off x="588004" y="482651"/>
+            <a:ext cx="11015992" cy="5892698"/>
+          </a:xfrm>
+        </p:spPr>
+        <p:txBody>
+          <a:bodyPr>
+            <a:normAutofit lnSpcReduction="10000"/>
+          </a:bodyPr>
+          <a:lstStyle/>
+          <a:p>
+            <a:pPr marL="0" indent="0">
+              <a:buNone/>
+            </a:pPr>
+            <a:r>
+              <a:rPr lang="en-US" b="1" dirty="0"/>
+              <a:t>What is an </a:t>
+            </a:r>
+            <a:r>
+              <a:rPr lang="en-US" b="1" dirty="0">
+                <a:solidFill>
+                  <a:srgbClr val="C00000"/>
+                </a:solidFill>
+              </a:rPr>
+              <a:t>interface</a:t>
+            </a:r>
+            <a:r>
+              <a:rPr lang="en-US" b="1" dirty="0"/>
+              <a:t>?</a:t>
+            </a:r>
+          </a:p>
+          <a:p>
+            <a:r>
+              <a:rPr lang="en-US" dirty="0"/>
+              <a:t>In Java, an </a:t>
+            </a:r>
+            <a:r>
+              <a:rPr lang="en-US" b="1" dirty="0"/>
+              <a:t>interface</a:t>
+            </a:r>
+            <a:r>
+              <a:rPr lang="en-US" dirty="0"/>
+              <a:t> is a </a:t>
+            </a:r>
+            <a:r>
+              <a:rPr lang="en-US" b="1" dirty="0">
+                <a:solidFill>
+                  <a:srgbClr val="C00000"/>
+                </a:solidFill>
+              </a:rPr>
+              <a:t>reference type</a:t>
+            </a:r>
+            <a:r>
+              <a:rPr lang="en-US" dirty="0"/>
+              <a:t>, similar to a </a:t>
+            </a:r>
+            <a:r>
+              <a:rPr lang="en-US" b="1" dirty="0">
+                <a:solidFill>
+                  <a:srgbClr val="C00000"/>
+                </a:solidFill>
+              </a:rPr>
+              <a:t>class</a:t>
+            </a:r>
+            <a:r>
+              <a:rPr lang="en-US" dirty="0"/>
+              <a:t>, that can contain only </a:t>
+            </a:r>
+          </a:p>
+          <a:p>
+            <a:pPr marL="914400" lvl="1" indent="-457200">
+              <a:buFont typeface="+mj-lt"/>
+              <a:buAutoNum type="arabicPeriod"/>
+            </a:pPr>
+            <a:r>
+              <a:rPr lang="en-US" sz="2800" b="1" dirty="0">
+                <a:solidFill>
+                  <a:srgbClr val="0070C0"/>
+                </a:solidFill>
+              </a:rPr>
+              <a:t>public</a:t>
+            </a:r>
+            <a:r>
+              <a:rPr lang="en-US" sz="2800" dirty="0"/>
+              <a:t> </a:t>
+            </a:r>
+            <a:r>
+              <a:rPr lang="en-US" sz="2800" b="1" dirty="0"/>
+              <a:t>and</a:t>
+            </a:r>
+            <a:r>
+              <a:rPr lang="en-US" sz="2800" dirty="0"/>
+              <a:t> </a:t>
+            </a:r>
+            <a:r>
+              <a:rPr lang="en-US" sz="2800" b="1" dirty="0">
+                <a:solidFill>
+                  <a:srgbClr val="0070C0"/>
+                </a:solidFill>
+              </a:rPr>
+              <a:t>abstract methods</a:t>
+            </a:r>
+            <a:r>
+              <a:rPr lang="en-US" sz="2800" dirty="0"/>
+              <a:t> (</a:t>
+            </a:r>
+            <a:r>
+              <a:rPr lang="en-US" sz="2000" dirty="0"/>
+              <a:t>Starting with Java 8, you can also have </a:t>
+            </a:r>
+            <a:r>
+              <a:rPr lang="en-US" sz="2000" b="1" dirty="0">
+                <a:solidFill>
+                  <a:srgbClr val="C00000"/>
+                </a:solidFill>
+              </a:rPr>
+              <a:t>default</a:t>
+            </a:r>
+            <a:r>
+              <a:rPr lang="en-US" sz="2000" dirty="0"/>
+              <a:t> and </a:t>
+            </a:r>
+            <a:r>
+              <a:rPr lang="en-US" sz="2000" b="1" dirty="0">
+                <a:solidFill>
+                  <a:srgbClr val="C00000"/>
+                </a:solidFill>
+              </a:rPr>
+              <a:t>static</a:t>
+            </a:r>
+            <a:r>
+              <a:rPr lang="en-US" sz="2000" dirty="0"/>
+              <a:t> methods in an interface)</a:t>
+            </a:r>
+            <a:endParaRPr lang="en-US" sz="2800" dirty="0"/>
+          </a:p>
+          <a:p>
+            <a:pPr marL="914400" lvl="1" indent="-457200">
+              <a:buFont typeface="+mj-lt"/>
+              <a:buAutoNum type="arabicPeriod"/>
+            </a:pPr>
+            <a:r>
+              <a:rPr lang="en-US" sz="2800" b="1" dirty="0">
+                <a:solidFill>
+                  <a:srgbClr val="0070C0"/>
+                </a:solidFill>
+              </a:rPr>
+              <a:t>public static final fields</a:t>
+            </a:r>
+            <a:r>
+              <a:rPr lang="en-US" sz="2800" dirty="0"/>
+              <a:t>. </a:t>
+            </a:r>
+          </a:p>
+          <a:p>
+            <a:pPr marL="914400" lvl="1" indent="-457200">
+              <a:buFont typeface="+mj-lt"/>
+              <a:buAutoNum type="arabicPeriod"/>
+            </a:pPr>
+            <a:r>
+              <a:rPr lang="en-US" sz="2800" dirty="0"/>
+              <a:t>I</a:t>
+            </a:r>
+            <a:r>
+              <a:rPr lang="en-US" sz="2800" b="1" dirty="0"/>
+              <a:t>t</a:t>
+            </a:r>
+            <a:r>
+              <a:rPr lang="en-US" sz="2800" dirty="0"/>
+              <a:t> </a:t>
+            </a:r>
+            <a:r>
+              <a:rPr lang="en-US" sz="2800" b="1" dirty="0">
+                <a:solidFill>
+                  <a:srgbClr val="C00000"/>
+                </a:solidFill>
+              </a:rPr>
+              <a:t>cannot have </a:t>
+            </a:r>
+            <a:r>
+              <a:rPr lang="en-US" sz="2800" b="1" dirty="0"/>
+              <a:t>Constructor</a:t>
+            </a:r>
+          </a:p>
+          <a:p>
+            <a:r>
+              <a:rPr lang="en-US" dirty="0"/>
+              <a:t>Interfaces specify </a:t>
+            </a:r>
+            <a:r>
+              <a:rPr lang="en-US" b="1" dirty="0">
+                <a:solidFill>
+                  <a:srgbClr val="C00000"/>
+                </a:solidFill>
+              </a:rPr>
+              <a:t>what a class must do</a:t>
+            </a:r>
+            <a:r>
+              <a:rPr lang="en-US" dirty="0"/>
+              <a:t>, </a:t>
+            </a:r>
+            <a:r>
+              <a:rPr lang="en-US" b="1" dirty="0"/>
+              <a:t>but not how it does it</a:t>
+            </a:r>
+            <a:r>
+              <a:rPr lang="en-US" dirty="0"/>
+              <a:t>. </a:t>
+            </a:r>
+          </a:p>
+          <a:p>
+            <a:r>
+              <a:rPr lang="en-US" dirty="0"/>
+              <a:t>A class that </a:t>
+            </a:r>
+            <a:r>
+              <a:rPr lang="en-US" b="1" dirty="0">
+                <a:solidFill>
+                  <a:srgbClr val="C00000"/>
+                </a:solidFill>
+              </a:rPr>
+              <a:t>implements</a:t>
+            </a:r>
+            <a:r>
+              <a:rPr lang="en-US" dirty="0"/>
+              <a:t> an interface must </a:t>
+            </a:r>
+            <a:r>
+              <a:rPr lang="en-US" b="1" dirty="0"/>
+              <a:t>implement all of its methods unless it is an abstract class</a:t>
+            </a:r>
+            <a:r>
+              <a:rPr lang="en-US" dirty="0"/>
+              <a:t>. </a:t>
+            </a:r>
+          </a:p>
+          <a:p>
+            <a:r>
+              <a:rPr lang="en-US" dirty="0"/>
+              <a:t>Interfaces are used to achieve:</a:t>
+            </a:r>
+          </a:p>
+          <a:p>
+            <a:pPr lvl="1"/>
+            <a:r>
+              <a:rPr lang="en-US" b="1" dirty="0"/>
+              <a:t>Abstraction</a:t>
+            </a:r>
+            <a:r>
+              <a:rPr lang="en-US" dirty="0"/>
+              <a:t>, </a:t>
+            </a:r>
+          </a:p>
+          <a:p>
+            <a:pPr lvl="1"/>
+            <a:r>
+              <a:rPr lang="en-US" b="1" dirty="0"/>
+              <a:t>Multiple Inheritance</a:t>
+            </a:r>
+            <a:r>
+              <a:rPr lang="en-US" dirty="0"/>
+              <a:t>, and </a:t>
+            </a:r>
+          </a:p>
+          <a:p>
+            <a:pPr lvl="1"/>
+            <a:r>
+              <a:rPr lang="en-US" b="1" dirty="0"/>
+              <a:t>Loose coupling </a:t>
+            </a:r>
+            <a:r>
+              <a:rPr lang="en-US" dirty="0"/>
+              <a:t>between components in Java.</a:t>
+            </a:r>
+            <a:endParaRPr lang="en-IN" dirty="0"/>
+          </a:p>
+        </p:txBody>
+      </p:sp>
+    </p:spTree>
+    <p:extLst>
+      <p:ext uri="{BB962C8B-B14F-4D97-AF65-F5344CB8AC3E}">
+        <p14:creationId xmlns:p14="http://schemas.microsoft.com/office/powerpoint/2010/main" val="1112322355"/>
+      </p:ext>
+    </p:extLst>
+  </p:cSld>
+  <p:clrMapOvr>
+    <a:masterClrMapping/>
+  </p:clrMapOvr>
+</p:sld>
+</file>
+
+<file path=ppt/slides/slide20.xml><?xml version="1.0" encoding="utf-8"?>
+<p:sld xmlns:a="http://schemas.openxmlformats.org/drawingml/2006/main" xmlns:r="http://schemas.openxmlformats.org/officeDocument/2006/relationships" xmlns:p="http://schemas.openxmlformats.org/presentationml/2006/main">
+  <p:cSld>
+    <p:spTree>
+      <p:nvGrpSpPr>
+        <p:cNvPr id="1" name=""/>
+        <p:cNvGrpSpPr/>
+        <p:nvPr/>
+      </p:nvGrpSpPr>
+      <p:grpSpPr>
+        <a:xfrm>
+          <a:off x="0" y="0"/>
+          <a:ext cx="0" cy="0"/>
+          <a:chOff x="0" y="0"/>
+          <a:chExt cx="0" cy="0"/>
+        </a:xfrm>
+      </p:grpSpPr>
+      <p:sp>
+        <p:nvSpPr>
+          <p:cNvPr id="3" name="Content Placeholder 2">
+            <a:extLst>
+              <a:ext uri="{FF2B5EF4-FFF2-40B4-BE49-F238E27FC236}">
+                <a16:creationId xmlns:a16="http://schemas.microsoft.com/office/drawing/2014/main" id="{E42FB284-DAF2-8CB9-9090-285BF2A5822E}"/>
+              </a:ext>
+            </a:extLst>
+          </p:cNvPr>
+          <p:cNvSpPr>
+            <a:spLocks noGrp="1"/>
+          </p:cNvSpPr>
+          <p:nvPr>
+            <p:ph idx="1"/>
+          </p:nvPr>
+        </p:nvSpPr>
+        <p:spPr>
+          <a:xfrm>
             <a:off x="631722" y="508102"/>
             <a:ext cx="10803193" cy="5646891"/>
           </a:xfrm>
@@ -6919,7 +6976,7 @@
 </p:sld>
 </file>
 
-<file path=ppt/slides/slide22.xml><?xml version="1.0" encoding="utf-8"?>
+<file path=ppt/slides/slide21.xml><?xml version="1.0" encoding="utf-8"?>
 <p:sld xmlns:a="http://schemas.openxmlformats.org/drawingml/2006/main" xmlns:r="http://schemas.openxmlformats.org/officeDocument/2006/relationships" xmlns:p="http://schemas.openxmlformats.org/presentationml/2006/main">
   <p:cSld>
     <p:spTree>
@@ -7023,7 +7080,7 @@
 </p:sld>
 </file>
 
-<file path=ppt/slides/slide23.xml><?xml version="1.0" encoding="utf-8"?>
+<file path=ppt/slides/slide22.xml><?xml version="1.0" encoding="utf-8"?>
 <p:sld xmlns:a="http://schemas.openxmlformats.org/drawingml/2006/main" xmlns:r="http://schemas.openxmlformats.org/officeDocument/2006/relationships" xmlns:p="http://schemas.openxmlformats.org/presentationml/2006/main">
   <p:cSld>
     <p:spTree>
@@ -7152,7 +7209,7 @@
 </p:sld>
 </file>
 
-<file path=ppt/slides/slide24.xml><?xml version="1.0" encoding="utf-8"?>
+<file path=ppt/slides/slide23.xml><?xml version="1.0" encoding="utf-8"?>
 <p:sld xmlns:a="http://schemas.openxmlformats.org/drawingml/2006/main" xmlns:r="http://schemas.openxmlformats.org/officeDocument/2006/relationships" xmlns:p="http://schemas.openxmlformats.org/presentationml/2006/main">
   <p:cSld>
     <p:spTree>
@@ -7227,7 +7284,31 @@
             </a:r>
             <a:r>
               <a:rPr lang="en-US" dirty="0"/>
-              <a:t> Keyword or Fully Qualified Class Name.</a:t>
+              <a:t> </a:t>
+            </a:r>
+            <a:r>
+              <a:rPr lang="en-US" b="1" dirty="0">
+                <a:solidFill>
+                  <a:srgbClr val="C00000"/>
+                </a:solidFill>
+              </a:rPr>
+              <a:t>Keyword</a:t>
+            </a:r>
+            <a:r>
+              <a:rPr lang="en-US" dirty="0"/>
+              <a:t> or </a:t>
+            </a:r>
+            <a:r>
+              <a:rPr lang="en-US" b="1" dirty="0">
+                <a:solidFill>
+                  <a:srgbClr val="C00000"/>
+                </a:solidFill>
+              </a:rPr>
+              <a:t>Fully Qualified Class Name</a:t>
+            </a:r>
+            <a:r>
+              <a:rPr lang="en-US" dirty="0"/>
+              <a:t>.</a:t>
             </a:r>
           </a:p>
           <a:p>
@@ -7417,6 +7498,352 @@
 </p:sld>
 </file>
 
+<file path=ppt/slides/slide24.xml><?xml version="1.0" encoding="utf-8"?>
+<p:sld xmlns:a="http://schemas.openxmlformats.org/drawingml/2006/main" xmlns:r="http://schemas.openxmlformats.org/officeDocument/2006/relationships" xmlns:p="http://schemas.openxmlformats.org/presentationml/2006/main">
+  <p:cSld>
+    <p:spTree>
+      <p:nvGrpSpPr>
+        <p:cNvPr id="1" name=""/>
+        <p:cNvGrpSpPr/>
+        <p:nvPr/>
+      </p:nvGrpSpPr>
+      <p:grpSpPr>
+        <a:xfrm>
+          <a:off x="0" y="0"/>
+          <a:ext cx="0" cy="0"/>
+          <a:chOff x="0" y="0"/>
+          <a:chExt cx="0" cy="0"/>
+        </a:xfrm>
+      </p:grpSpPr>
+      <p:sp>
+        <p:nvSpPr>
+          <p:cNvPr id="3" name="Content Placeholder 2">
+            <a:extLst>
+              <a:ext uri="{FF2B5EF4-FFF2-40B4-BE49-F238E27FC236}">
+                <a16:creationId xmlns:a16="http://schemas.microsoft.com/office/drawing/2014/main" id="{E42FB284-DAF2-8CB9-9090-285BF2A5822E}"/>
+              </a:ext>
+            </a:extLst>
+          </p:cNvPr>
+          <p:cNvSpPr>
+            <a:spLocks noGrp="1"/>
+          </p:cNvSpPr>
+          <p:nvPr>
+            <p:ph idx="1"/>
+          </p:nvPr>
+        </p:nvSpPr>
+        <p:spPr>
+          <a:xfrm>
+            <a:off x="631722" y="508102"/>
+            <a:ext cx="10803193" cy="5646891"/>
+          </a:xfrm>
+        </p:spPr>
+        <p:txBody>
+          <a:bodyPr>
+            <a:normAutofit/>
+          </a:bodyPr>
+          <a:lstStyle/>
+          <a:p>
+            <a:pPr marL="0" indent="0" algn="l">
+              <a:buNone/>
+            </a:pPr>
+            <a:r>
+              <a:rPr lang="en-US" b="1" i="0" dirty="0">
+                <a:solidFill>
+                  <a:srgbClr val="343434"/>
+                </a:solidFill>
+                <a:effectLst/>
+                <a:latin typeface="public sans"/>
+              </a:rPr>
+              <a:t>Points to Remember:</a:t>
+            </a:r>
+          </a:p>
+          <a:p>
+            <a:pPr algn="l">
+              <a:buFont typeface="Arial" panose="020B0604020202020204" pitchFamily="34" charset="0"/>
+              <a:buChar char="•"/>
+            </a:pPr>
+            <a:r>
+              <a:rPr lang="en-US" b="0" i="0" dirty="0">
+                <a:solidFill>
+                  <a:srgbClr val="343434"/>
+                </a:solidFill>
+                <a:effectLst/>
+                <a:latin typeface="public sans"/>
+              </a:rPr>
+              <a:t>Either </a:t>
+            </a:r>
+            <a:r>
+              <a:rPr lang="en-US" b="1" i="0" dirty="0">
+                <a:solidFill>
+                  <a:srgbClr val="343434"/>
+                </a:solidFill>
+                <a:effectLst/>
+                <a:latin typeface="public sans"/>
+              </a:rPr>
+              <a:t>import the class </a:t>
+            </a:r>
+            <a:r>
+              <a:rPr lang="en-US" b="0" i="0" dirty="0">
+                <a:solidFill>
+                  <a:srgbClr val="343434"/>
+                </a:solidFill>
+                <a:effectLst/>
+                <a:latin typeface="public sans"/>
+              </a:rPr>
+              <a:t>or use the </a:t>
+            </a:r>
+            <a:r>
+              <a:rPr lang="en-US" b="1" i="0" dirty="0">
+                <a:solidFill>
+                  <a:srgbClr val="343434"/>
+                </a:solidFill>
+                <a:effectLst/>
+                <a:latin typeface="public sans"/>
+              </a:rPr>
+              <a:t>fully qualified class name </a:t>
+            </a:r>
+            <a:r>
+              <a:rPr lang="en-US" b="0" i="0" dirty="0">
+                <a:solidFill>
+                  <a:srgbClr val="343434"/>
+                </a:solidFill>
+                <a:effectLst/>
+                <a:latin typeface="public sans"/>
+              </a:rPr>
+              <a:t>in order to access code that is located </a:t>
+            </a:r>
+            <a:r>
+              <a:rPr lang="en-US" b="1" i="1" dirty="0">
+                <a:solidFill>
+                  <a:srgbClr val="343434"/>
+                </a:solidFill>
+                <a:effectLst/>
+                <a:latin typeface="public sans"/>
+              </a:rPr>
+              <a:t>outside the current package</a:t>
+            </a:r>
+            <a:r>
+              <a:rPr lang="en-US" b="0" i="0" dirty="0">
+                <a:solidFill>
+                  <a:srgbClr val="343434"/>
+                </a:solidFill>
+                <a:effectLst/>
+                <a:latin typeface="public sans"/>
+              </a:rPr>
+              <a:t>.</a:t>
+            </a:r>
+          </a:p>
+          <a:p>
+            <a:pPr algn="l">
+              <a:buFont typeface="Arial" panose="020B0604020202020204" pitchFamily="34" charset="0"/>
+              <a:buChar char="•"/>
+            </a:pPr>
+            <a:r>
+              <a:rPr lang="en-US" b="0" i="0" dirty="0">
+                <a:solidFill>
+                  <a:srgbClr val="343434"/>
+                </a:solidFill>
+                <a:effectLst/>
+                <a:latin typeface="public sans"/>
+              </a:rPr>
+              <a:t>Using packages while coding provides code </a:t>
+            </a:r>
+            <a:r>
+              <a:rPr lang="en-US" b="1" i="0" dirty="0">
+                <a:solidFill>
+                  <a:srgbClr val="C00000"/>
+                </a:solidFill>
+                <a:effectLst/>
+                <a:latin typeface="public sans"/>
+              </a:rPr>
+              <a:t>reusability benefit</a:t>
+            </a:r>
+            <a:r>
+              <a:rPr lang="en-US" b="0" i="0" dirty="0">
+                <a:solidFill>
+                  <a:srgbClr val="343434"/>
+                </a:solidFill>
+                <a:effectLst/>
+                <a:latin typeface="public sans"/>
+              </a:rPr>
+              <a:t>.</a:t>
+            </a:r>
+          </a:p>
+          <a:p>
+            <a:pPr algn="l">
+              <a:buFont typeface="Arial" panose="020B0604020202020204" pitchFamily="34" charset="0"/>
+              <a:buChar char="•"/>
+            </a:pPr>
+            <a:r>
+              <a:rPr lang="en-US" b="0" i="0" dirty="0">
+                <a:solidFill>
+                  <a:srgbClr val="343434"/>
+                </a:solidFill>
+                <a:effectLst/>
+                <a:latin typeface="public sans"/>
+              </a:rPr>
+              <a:t>Packages allow us to </a:t>
+            </a:r>
+            <a:r>
+              <a:rPr lang="en-US" b="1" i="0" dirty="0">
+                <a:solidFill>
+                  <a:srgbClr val="C00000"/>
+                </a:solidFill>
+                <a:effectLst/>
+                <a:latin typeface="public sans"/>
+              </a:rPr>
+              <a:t>uniquely</a:t>
+            </a:r>
+            <a:r>
+              <a:rPr lang="en-US" b="1" i="0" dirty="0">
+                <a:solidFill>
+                  <a:srgbClr val="343434"/>
+                </a:solidFill>
+                <a:effectLst/>
+                <a:latin typeface="public sans"/>
+              </a:rPr>
+              <a:t> identify a class.</a:t>
+            </a:r>
+          </a:p>
+          <a:p>
+            <a:pPr algn="l">
+              <a:buFont typeface="Arial" panose="020B0604020202020204" pitchFamily="34" charset="0"/>
+              <a:buChar char="•"/>
+            </a:pPr>
+            <a:r>
+              <a:rPr lang="en-US" b="0" i="0" dirty="0">
+                <a:solidFill>
+                  <a:srgbClr val="343434"/>
+                </a:solidFill>
+                <a:effectLst/>
+                <a:latin typeface="public sans"/>
+              </a:rPr>
+              <a:t>Access control features include protected classes, default classes, and private classes.</a:t>
+            </a:r>
+          </a:p>
+          <a:p>
+            <a:pPr algn="l">
+              <a:buFont typeface="Arial" panose="020B0604020202020204" pitchFamily="34" charset="0"/>
+              <a:buChar char="•"/>
+            </a:pPr>
+            <a:r>
+              <a:rPr lang="en-US" b="0" i="0" dirty="0">
+                <a:solidFill>
+                  <a:srgbClr val="343434"/>
+                </a:solidFill>
+                <a:effectLst/>
+                <a:latin typeface="public sans"/>
+              </a:rPr>
+              <a:t>They enable the </a:t>
+            </a:r>
+            <a:r>
+              <a:rPr lang="en-US" b="1" i="0" dirty="0">
+                <a:solidFill>
+                  <a:srgbClr val="343434"/>
+                </a:solidFill>
+                <a:effectLst/>
+                <a:latin typeface="public sans"/>
+              </a:rPr>
+              <a:t>hiding of classes</a:t>
+            </a:r>
+            <a:r>
+              <a:rPr lang="en-US" b="0" i="0" dirty="0">
+                <a:solidFill>
+                  <a:srgbClr val="343434"/>
+                </a:solidFill>
+                <a:effectLst/>
+                <a:latin typeface="public sans"/>
+              </a:rPr>
+              <a:t>, preventing other </a:t>
+            </a:r>
+            <a:r>
+              <a:rPr lang="en-US" b="0" i="0" dirty="0" err="1">
+                <a:solidFill>
+                  <a:srgbClr val="343434"/>
+                </a:solidFill>
+                <a:effectLst/>
+                <a:latin typeface="public sans"/>
+              </a:rPr>
+              <a:t>programmes</a:t>
+            </a:r>
+            <a:r>
+              <a:rPr lang="en-US" b="0" i="0" dirty="0">
+                <a:solidFill>
+                  <a:srgbClr val="343434"/>
+                </a:solidFill>
+                <a:effectLst/>
+                <a:latin typeface="public sans"/>
+              </a:rPr>
+              <a:t> from accessing classes intended for internal use only.</a:t>
+            </a:r>
+          </a:p>
+          <a:p>
+            <a:pPr algn="l">
+              <a:buFont typeface="Arial" panose="020B0604020202020204" pitchFamily="34" charset="0"/>
+              <a:buChar char="•"/>
+            </a:pPr>
+            <a:r>
+              <a:rPr lang="en-US" b="0" i="0" dirty="0">
+                <a:solidFill>
+                  <a:srgbClr val="343434"/>
+                </a:solidFill>
+                <a:effectLst/>
+                <a:latin typeface="public sans"/>
+              </a:rPr>
+              <a:t>You can better </a:t>
+            </a:r>
+            <a:r>
+              <a:rPr lang="en-US" b="1" i="0" dirty="0" err="1">
+                <a:solidFill>
+                  <a:srgbClr val="343434"/>
+                </a:solidFill>
+                <a:effectLst/>
+                <a:latin typeface="public sans"/>
+              </a:rPr>
+              <a:t>organise</a:t>
+            </a:r>
+            <a:r>
+              <a:rPr lang="en-US" b="1" i="0" dirty="0">
+                <a:solidFill>
+                  <a:srgbClr val="343434"/>
+                </a:solidFill>
+                <a:effectLst/>
+                <a:latin typeface="public sans"/>
+              </a:rPr>
+              <a:t> your project </a:t>
+            </a:r>
+            <a:r>
+              <a:rPr lang="en-US" b="0" i="0" dirty="0">
+                <a:solidFill>
+                  <a:srgbClr val="343434"/>
+                </a:solidFill>
+                <a:effectLst/>
+                <a:latin typeface="public sans"/>
+              </a:rPr>
+              <a:t>and find related classes by using packages.</a:t>
+            </a:r>
+          </a:p>
+          <a:p>
+            <a:pPr marL="0" indent="0">
+              <a:buNone/>
+            </a:pPr>
+            <a:endParaRPr lang="en-IN" dirty="0"/>
+          </a:p>
+        </p:txBody>
+      </p:sp>
+    </p:spTree>
+    <p:extLst>
+      <p:ext uri="{BB962C8B-B14F-4D97-AF65-F5344CB8AC3E}">
+        <p14:creationId xmlns:p14="http://schemas.microsoft.com/office/powerpoint/2010/main" val="2305315304"/>
+      </p:ext>
+    </p:extLst>
+  </p:cSld>
+  <p:clrMapOvr>
+    <a:masterClrMapping/>
+  </p:clrMapOvr>
+</p:sld>
+</file>
+
 <file path=ppt/slides/slide25.xml><?xml version="1.0" encoding="utf-8"?>
 <p:sld xmlns:a="http://schemas.openxmlformats.org/drawingml/2006/main" xmlns:r="http://schemas.openxmlformats.org/officeDocument/2006/relationships" xmlns:p="http://schemas.openxmlformats.org/presentationml/2006/main">
   <p:cSld>
@@ -7458,282 +7885,185 @@
         </p:spPr>
         <p:txBody>
           <a:bodyPr>
-            <a:normAutofit/>
+            <a:normAutofit fontScale="92500"/>
           </a:bodyPr>
           <a:lstStyle/>
           <a:p>
-            <a:pPr marL="0" indent="0" algn="l">
-              <a:buNone/>
-            </a:pPr>
-            <a:r>
-              <a:rPr lang="en-US" b="1" i="0" dirty="0">
-                <a:solidFill>
-                  <a:srgbClr val="343434"/>
-                </a:solidFill>
-                <a:effectLst/>
-                <a:latin typeface="public sans"/>
-              </a:rPr>
-              <a:t>Points to Remember:</a:t>
-            </a:r>
-          </a:p>
-          <a:p>
-            <a:pPr algn="l">
-              <a:buFont typeface="Arial" panose="020B0604020202020204" pitchFamily="34" charset="0"/>
-              <a:buChar char="•"/>
-            </a:pPr>
-            <a:r>
-              <a:rPr lang="en-US" b="0" i="0" dirty="0">
-                <a:solidFill>
-                  <a:srgbClr val="343434"/>
-                </a:solidFill>
-                <a:effectLst/>
-                <a:latin typeface="public sans"/>
-              </a:rPr>
-              <a:t>Either </a:t>
-            </a:r>
-            <a:r>
-              <a:rPr lang="en-US" b="1" i="0" dirty="0">
-                <a:solidFill>
-                  <a:srgbClr val="343434"/>
-                </a:solidFill>
-                <a:effectLst/>
-                <a:latin typeface="public sans"/>
-              </a:rPr>
-              <a:t>import the class </a:t>
-            </a:r>
-            <a:r>
-              <a:rPr lang="en-US" b="0" i="0" dirty="0">
-                <a:solidFill>
-                  <a:srgbClr val="343434"/>
-                </a:solidFill>
-                <a:effectLst/>
-                <a:latin typeface="public sans"/>
-              </a:rPr>
-              <a:t>or use the </a:t>
-            </a:r>
-            <a:r>
-              <a:rPr lang="en-US" b="1" i="0" dirty="0">
-                <a:solidFill>
-                  <a:srgbClr val="343434"/>
-                </a:solidFill>
-                <a:effectLst/>
-                <a:latin typeface="public sans"/>
-              </a:rPr>
-              <a:t>fully qualified class name </a:t>
-            </a:r>
-            <a:r>
-              <a:rPr lang="en-US" b="0" i="0" dirty="0">
-                <a:solidFill>
-                  <a:srgbClr val="343434"/>
-                </a:solidFill>
-                <a:effectLst/>
-                <a:latin typeface="public sans"/>
-              </a:rPr>
-              <a:t>in order to access code that is located outside the current package.</a:t>
-            </a:r>
-          </a:p>
-          <a:p>
-            <a:pPr algn="l">
-              <a:buFont typeface="Arial" panose="020B0604020202020204" pitchFamily="34" charset="0"/>
-              <a:buChar char="•"/>
-            </a:pPr>
-            <a:r>
-              <a:rPr lang="en-US" b="0" i="0" dirty="0">
-                <a:solidFill>
-                  <a:srgbClr val="343434"/>
-                </a:solidFill>
-                <a:effectLst/>
-                <a:latin typeface="public sans"/>
-              </a:rPr>
-              <a:t>Using packages while coding provides code </a:t>
-            </a:r>
-            <a:r>
-              <a:rPr lang="en-US" b="1" i="0" dirty="0">
+            <a:pPr marL="0" indent="0">
+              <a:buNone/>
+            </a:pPr>
+            <a:r>
+              <a:rPr lang="en-IN" b="1" dirty="0"/>
+              <a:t>Understanding CLASSPATH:</a:t>
+            </a:r>
+          </a:p>
+          <a:p>
+            <a:pPr marL="0" indent="0">
+              <a:buNone/>
+            </a:pPr>
+            <a:r>
+              <a:rPr lang="en-US" dirty="0"/>
+              <a:t>The </a:t>
+            </a:r>
+            <a:r>
+              <a:rPr lang="en-US" b="1" dirty="0">
                 <a:solidFill>
                   <a:srgbClr val="C00000"/>
                 </a:solidFill>
-                <a:effectLst/>
-                <a:latin typeface="public sans"/>
-              </a:rPr>
-              <a:t>reusability benefit</a:t>
-            </a:r>
-            <a:r>
-              <a:rPr lang="en-US" b="0" i="0" dirty="0">
-                <a:solidFill>
-                  <a:srgbClr val="343434"/>
-                </a:solidFill>
-                <a:effectLst/>
-                <a:latin typeface="public sans"/>
-              </a:rPr>
+              </a:rPr>
+              <a:t>CLASSPATH</a:t>
+            </a:r>
+            <a:r>
+              <a:rPr lang="en-US" dirty="0"/>
+              <a:t> in Java is a critical concept that helps the </a:t>
+            </a:r>
+            <a:r>
+              <a:rPr lang="en-US" b="1" dirty="0"/>
+              <a:t>Java Virtual Machine (JVM)</a:t>
+            </a:r>
+            <a:r>
+              <a:rPr lang="en-US" dirty="0"/>
+              <a:t> and the </a:t>
+            </a:r>
+            <a:r>
+              <a:rPr lang="en-US" b="1" dirty="0"/>
+              <a:t>compiler</a:t>
+            </a:r>
+            <a:r>
+              <a:rPr lang="en-US" dirty="0"/>
+              <a:t> find and load </a:t>
+            </a:r>
+            <a:r>
+              <a:rPr lang="en-US" b="1" dirty="0">
+                <a:solidFill>
+                  <a:srgbClr val="C00000"/>
+                </a:solidFill>
+              </a:rPr>
+              <a:t>compiled</a:t>
+            </a:r>
+            <a:r>
+              <a:rPr lang="en-US" dirty="0"/>
+              <a:t> class files (.class) and </a:t>
+            </a:r>
+            <a:r>
+              <a:rPr lang="en-US" b="1" dirty="0"/>
+              <a:t>external libraries </a:t>
+            </a:r>
+            <a:r>
+              <a:rPr lang="en-US" dirty="0"/>
+              <a:t>(typically </a:t>
+            </a:r>
+            <a:r>
+              <a:rPr lang="en-US" b="1" dirty="0">
+                <a:solidFill>
+                  <a:srgbClr val="C00000"/>
+                </a:solidFill>
+              </a:rPr>
+              <a:t>.jar files</a:t>
+            </a:r>
+            <a:r>
+              <a:rPr lang="en-US" dirty="0"/>
+              <a:t>) that your application depends on.</a:t>
+            </a:r>
+          </a:p>
+          <a:p>
+            <a:pPr marL="0" indent="0">
+              <a:buNone/>
+            </a:pPr>
+            <a:r>
+              <a:rPr lang="en-US" dirty="0"/>
+              <a:t>The CLASSPATH is an </a:t>
+            </a:r>
+            <a:r>
+              <a:rPr lang="en-US" b="1" dirty="0">
+                <a:solidFill>
+                  <a:srgbClr val="C00000"/>
+                </a:solidFill>
+              </a:rPr>
+              <a:t>environment variable </a:t>
+            </a:r>
+            <a:r>
+              <a:rPr lang="en-US" dirty="0"/>
+              <a:t>(or can be specified as a command-line option) that specifies the </a:t>
+            </a:r>
+            <a:r>
+              <a:rPr lang="en-US" b="1" dirty="0"/>
+              <a:t>locations where the JVM and the Java compiler should look for .class files and libraries. </a:t>
+            </a:r>
+          </a:p>
+          <a:p>
+            <a:pPr marL="0" indent="0">
+              <a:buNone/>
+            </a:pPr>
+            <a:r>
+              <a:rPr lang="en-US" dirty="0"/>
+              <a:t>These locations can be:</a:t>
+            </a:r>
+          </a:p>
+          <a:p>
+            <a:pPr lvl="1"/>
+            <a:r>
+              <a:rPr lang="en-US" b="1" dirty="0"/>
+              <a:t>Directories containing .class files</a:t>
+            </a:r>
+            <a:r>
+              <a:rPr lang="en-US" dirty="0"/>
               <a:t>.</a:t>
             </a:r>
           </a:p>
           <a:p>
-            <a:pPr algn="l">
-              <a:buFont typeface="Arial" panose="020B0604020202020204" pitchFamily="34" charset="0"/>
-              <a:buChar char="•"/>
-            </a:pPr>
-            <a:r>
-              <a:rPr lang="en-US" b="0" i="0" dirty="0">
-                <a:solidFill>
-                  <a:srgbClr val="343434"/>
-                </a:solidFill>
-                <a:effectLst/>
-                <a:latin typeface="public sans"/>
-              </a:rPr>
-              <a:t>Packages allow us to </a:t>
-            </a:r>
-            <a:r>
-              <a:rPr lang="en-US" b="1" i="0" dirty="0">
-                <a:solidFill>
-                  <a:srgbClr val="C00000"/>
-                </a:solidFill>
-                <a:effectLst/>
-                <a:latin typeface="public sans"/>
-              </a:rPr>
-              <a:t>uniquely</a:t>
-            </a:r>
-            <a:r>
-              <a:rPr lang="en-US" b="1" i="0" dirty="0">
-                <a:solidFill>
-                  <a:srgbClr val="343434"/>
-                </a:solidFill>
-                <a:effectLst/>
-                <a:latin typeface="public sans"/>
-              </a:rPr>
-              <a:t> identify a class.</a:t>
-            </a:r>
-          </a:p>
-          <a:p>
-            <a:pPr algn="l">
-              <a:buFont typeface="Arial" panose="020B0604020202020204" pitchFamily="34" charset="0"/>
-              <a:buChar char="•"/>
-            </a:pPr>
-            <a:r>
-              <a:rPr lang="en-US" b="0" i="0" dirty="0">
-                <a:solidFill>
-                  <a:srgbClr val="343434"/>
-                </a:solidFill>
-                <a:effectLst/>
-                <a:latin typeface="public sans"/>
-              </a:rPr>
-              <a:t>Access control features include protected classes, default classes, and private classes.</a:t>
-            </a:r>
-          </a:p>
-          <a:p>
-            <a:pPr algn="l">
-              <a:buFont typeface="Arial" panose="020B0604020202020204" pitchFamily="34" charset="0"/>
-              <a:buChar char="•"/>
-            </a:pPr>
-            <a:r>
-              <a:rPr lang="en-US" b="0" i="0" dirty="0">
-                <a:solidFill>
-                  <a:srgbClr val="343434"/>
-                </a:solidFill>
-                <a:effectLst/>
-                <a:latin typeface="public sans"/>
-              </a:rPr>
-              <a:t>They enable the </a:t>
-            </a:r>
-            <a:r>
-              <a:rPr lang="en-US" b="1" i="0" dirty="0">
-                <a:solidFill>
-                  <a:srgbClr val="343434"/>
-                </a:solidFill>
-                <a:effectLst/>
-                <a:latin typeface="public sans"/>
-              </a:rPr>
-              <a:t>hiding of classes</a:t>
-            </a:r>
-            <a:r>
-              <a:rPr lang="en-US" b="0" i="0" dirty="0">
-                <a:solidFill>
-                  <a:srgbClr val="343434"/>
-                </a:solidFill>
-                <a:effectLst/>
-                <a:latin typeface="public sans"/>
-              </a:rPr>
-              <a:t>, preventing other </a:t>
-            </a:r>
-            <a:r>
-              <a:rPr lang="en-US" b="0" i="0" dirty="0" err="1">
-                <a:solidFill>
-                  <a:srgbClr val="343434"/>
-                </a:solidFill>
-                <a:effectLst/>
-                <a:latin typeface="public sans"/>
-              </a:rPr>
-              <a:t>programmes</a:t>
-            </a:r>
-            <a:r>
-              <a:rPr lang="en-US" b="0" i="0" dirty="0">
-                <a:solidFill>
-                  <a:srgbClr val="343434"/>
-                </a:solidFill>
-                <a:effectLst/>
-                <a:latin typeface="public sans"/>
-              </a:rPr>
-              <a:t> from accessing classes intended for internal use only.</a:t>
-            </a:r>
-          </a:p>
-          <a:p>
-            <a:pPr algn="l">
-              <a:buFont typeface="Arial" panose="020B0604020202020204" pitchFamily="34" charset="0"/>
-              <a:buChar char="•"/>
-            </a:pPr>
-            <a:r>
-              <a:rPr lang="en-US" b="0" i="0" dirty="0">
-                <a:solidFill>
-                  <a:srgbClr val="343434"/>
-                </a:solidFill>
-                <a:effectLst/>
-                <a:latin typeface="public sans"/>
-              </a:rPr>
-              <a:t>You can better </a:t>
-            </a:r>
-            <a:r>
-              <a:rPr lang="en-US" b="1" i="0" dirty="0" err="1">
-                <a:solidFill>
-                  <a:srgbClr val="343434"/>
-                </a:solidFill>
-                <a:effectLst/>
-                <a:latin typeface="public sans"/>
-              </a:rPr>
-              <a:t>organise</a:t>
-            </a:r>
-            <a:r>
-              <a:rPr lang="en-US" b="1" i="0" dirty="0">
-                <a:solidFill>
-                  <a:srgbClr val="343434"/>
-                </a:solidFill>
-                <a:effectLst/>
-                <a:latin typeface="public sans"/>
-              </a:rPr>
-              <a:t> your project </a:t>
-            </a:r>
-            <a:r>
-              <a:rPr lang="en-US" b="0" i="0" dirty="0">
-                <a:solidFill>
-                  <a:srgbClr val="343434"/>
-                </a:solidFill>
-                <a:effectLst/>
-                <a:latin typeface="public sans"/>
-              </a:rPr>
-              <a:t>and find related classes by using packages.</a:t>
+            <a:pPr lvl="1"/>
+            <a:r>
+              <a:rPr lang="en-US" b="1" dirty="0"/>
+              <a:t>JAR</a:t>
+            </a:r>
+            <a:r>
+              <a:rPr lang="en-US" dirty="0"/>
+              <a:t> (Java </a:t>
+            </a:r>
+            <a:r>
+              <a:rPr lang="en-US" dirty="0" err="1"/>
+              <a:t>ARchive</a:t>
+            </a:r>
+            <a:r>
+              <a:rPr lang="en-US" dirty="0"/>
+              <a:t>) files containing libraries.</a:t>
+            </a:r>
+          </a:p>
+          <a:p>
+            <a:pPr lvl="1"/>
+            <a:r>
+              <a:rPr lang="en-US" b="1" dirty="0"/>
+              <a:t>ZIP</a:t>
+            </a:r>
+            <a:r>
+              <a:rPr lang="en-US" dirty="0"/>
+              <a:t> files containing compiled Java code.</a:t>
             </a:r>
           </a:p>
           <a:p>
             <a:pPr marL="0" indent="0">
               <a:buNone/>
             </a:pPr>
-            <a:endParaRPr lang="en-IN" dirty="0"/>
+            <a:r>
+              <a:rPr lang="en-US" dirty="0"/>
+              <a:t>	By default, the JVM looks in the </a:t>
+            </a:r>
+            <a:r>
+              <a:rPr lang="en-US" b="1" dirty="0"/>
+              <a:t>current directory </a:t>
+            </a:r>
+            <a:r>
+              <a:rPr lang="en-US" dirty="0"/>
+              <a:t>for class files, but the CLASSPATH allows you to tell Java to look in other directories or files as well.</a:t>
+            </a:r>
           </a:p>
         </p:txBody>
       </p:sp>
     </p:spTree>
     <p:extLst>
       <p:ext uri="{BB962C8B-B14F-4D97-AF65-F5344CB8AC3E}">
-        <p14:creationId xmlns:p14="http://schemas.microsoft.com/office/powerpoint/2010/main" val="2305315304"/>
+        <p14:creationId xmlns:p14="http://schemas.microsoft.com/office/powerpoint/2010/main" val="3786486683"/>
       </p:ext>
     </p:extLst>
   </p:cSld>
@@ -7778,13 +8108,13 @@
         </p:nvSpPr>
         <p:spPr>
           <a:xfrm>
-            <a:off x="631722" y="508102"/>
-            <a:ext cx="10803193" cy="5646891"/>
+            <a:off x="462116" y="422788"/>
+            <a:ext cx="10972799" cy="5732206"/>
           </a:xfrm>
         </p:spPr>
         <p:txBody>
           <a:bodyPr>
-            <a:normAutofit fontScale="92500"/>
+            <a:normAutofit/>
           </a:bodyPr>
           <a:lstStyle/>
           <a:p>
@@ -7792,8 +8122,8 @@
               <a:buNone/>
             </a:pPr>
             <a:r>
-              <a:rPr lang="en-IN" b="1" dirty="0"/>
-              <a:t>Understanding CLASSPATH:</a:t>
+              <a:rPr lang="en-US" b="1" dirty="0"/>
+              <a:t>Why is CLASSPATH Important?</a:t>
             </a:r>
           </a:p>
           <a:p>
@@ -7802,47 +8132,52 @@
             </a:pPr>
             <a:r>
               <a:rPr lang="en-US" dirty="0"/>
-              <a:t>The </a:t>
-            </a:r>
-            <a:r>
-              <a:rPr lang="en-US" b="1" dirty="0">
+              <a:t>When you compile or run a Java program, the </a:t>
+            </a:r>
+            <a:r>
+              <a:rPr lang="en-US" b="1" dirty="0"/>
+              <a:t>JVM needs to know where to find the classes that your code references</a:t>
+            </a:r>
+            <a:r>
+              <a:rPr lang="en-US" dirty="0"/>
+              <a:t>. If the JVM can't locate a class, it will throw a </a:t>
+            </a:r>
+            <a:r>
+              <a:rPr lang="en-US" b="1" dirty="0" err="1">
                 <a:solidFill>
                   <a:srgbClr val="C00000"/>
                 </a:solidFill>
               </a:rPr>
-              <a:t>CLASSPATH</a:t>
-            </a:r>
-            <a:r>
-              <a:rPr lang="en-US" dirty="0"/>
-              <a:t> in Java is a critical concept that helps the </a:t>
-            </a:r>
+              <a:t>ClassNotFoundException</a:t>
+            </a:r>
+            <a:r>
+              <a:rPr lang="en-US" dirty="0"/>
+              <a:t> or a </a:t>
+            </a:r>
+            <a:r>
+              <a:rPr lang="en-US" b="1" dirty="0" err="1">
+                <a:solidFill>
+                  <a:srgbClr val="C00000"/>
+                </a:solidFill>
+              </a:rPr>
+              <a:t>NoClassDefFoundError</a:t>
+            </a:r>
+            <a:r>
+              <a:rPr lang="en-US" dirty="0"/>
+              <a:t>.</a:t>
+            </a:r>
+          </a:p>
+          <a:p>
+            <a:pPr marL="0" indent="0">
+              <a:buNone/>
+            </a:pPr>
             <a:r>
               <a:rPr lang="en-US" b="1" dirty="0"/>
-              <a:t>Java Virtual Machine (JVM)</a:t>
-            </a:r>
-            <a:r>
-              <a:rPr lang="en-US" dirty="0"/>
-              <a:t> and the </a:t>
-            </a:r>
-            <a:r>
-              <a:rPr lang="en-US" b="1" dirty="0"/>
-              <a:t>compiler</a:t>
-            </a:r>
-            <a:r>
-              <a:rPr lang="en-US" dirty="0"/>
-              <a:t> find and load </a:t>
-            </a:r>
-            <a:r>
-              <a:rPr lang="en-US" b="1" dirty="0">
-                <a:solidFill>
-                  <a:srgbClr val="C00000"/>
-                </a:solidFill>
-              </a:rPr>
-              <a:t>compiled</a:t>
-            </a:r>
-            <a:r>
-              <a:rPr lang="en-US" dirty="0"/>
-              <a:t> class files (.class) and </a:t>
+              <a:t>For example, </a:t>
+            </a:r>
+            <a:r>
+              <a:rPr lang="en-US" dirty="0"/>
+              <a:t>if your project relies on </a:t>
             </a:r>
             <a:r>
               <a:rPr lang="en-US" b="1" dirty="0"/>
@@ -7850,95 +8185,85 @@
             </a:r>
             <a:r>
               <a:rPr lang="en-US" dirty="0"/>
-              <a:t>(typically .jar files) that your application depends on.</a:t>
-            </a:r>
+              <a:t>or </a:t>
+            </a:r>
+            <a:r>
+              <a:rPr lang="en-US" b="1" dirty="0"/>
+              <a:t>classes</a:t>
+            </a:r>
+            <a:r>
+              <a:rPr lang="en-US" dirty="0"/>
+              <a:t> that are stored in different locations, you need to include these paths in the </a:t>
+            </a:r>
+            <a:r>
+              <a:rPr lang="en-US" b="1" dirty="0"/>
+              <a:t>CLASSPATH</a:t>
+            </a:r>
+            <a:r>
+              <a:rPr lang="en-US" dirty="0"/>
+              <a:t> so that Java knows where to find them.</a:t>
+            </a:r>
+            <a:endParaRPr lang="en-IN" dirty="0"/>
           </a:p>
           <a:p>
             <a:pPr marL="0" indent="0">
               <a:buNone/>
             </a:pPr>
-            <a:r>
-              <a:rPr lang="en-US" dirty="0"/>
-              <a:t>The CLASSPATH is an </a:t>
-            </a:r>
+            <a:endParaRPr lang="en-US" sz="800" dirty="0"/>
+          </a:p>
+          <a:p>
+            <a:pPr marL="0" indent="0">
+              <a:buNone/>
+            </a:pPr>
+            <a:r>
+              <a:rPr lang="en-US" b="1" dirty="0"/>
+              <a:t>You can set the CLASSPATH in two ways:</a:t>
+            </a:r>
+          </a:p>
+          <a:p>
             <a:r>
               <a:rPr lang="en-US" b="1" dirty="0">
                 <a:solidFill>
                   <a:srgbClr val="C00000"/>
                 </a:solidFill>
               </a:rPr>
-              <a:t>environment variable </a:t>
-            </a:r>
-            <a:r>
-              <a:rPr lang="en-US" dirty="0"/>
-              <a:t>(or can be specified as a command-line option) that specifies the </a:t>
+              <a:t>Temporarily: </a:t>
+            </a:r>
+            <a:r>
+              <a:rPr lang="en-US" dirty="0"/>
+              <a:t> via the command line when compiling and running a Java program.</a:t>
+            </a:r>
+          </a:p>
+          <a:p>
+            <a:r>
+              <a:rPr lang="en-US" b="1" dirty="0">
+                <a:solidFill>
+                  <a:srgbClr val="C00000"/>
+                </a:solidFill>
+              </a:rPr>
+              <a:t>Permanently: </a:t>
+            </a:r>
+            <a:r>
+              <a:rPr lang="en-US" dirty="0"/>
+              <a:t> by setting it as an </a:t>
             </a:r>
             <a:r>
               <a:rPr lang="en-US" b="1" dirty="0"/>
-              <a:t>locations where the JVM and the Java compiler should look for .class files and libraries. </a:t>
+              <a:t>environment variable.</a:t>
             </a:r>
           </a:p>
           <a:p>
             <a:pPr marL="0" indent="0">
               <a:buNone/>
             </a:pPr>
-            <a:r>
-              <a:rPr lang="en-US" dirty="0"/>
-              <a:t>These locations can be:</a:t>
-            </a:r>
-          </a:p>
-          <a:p>
-            <a:pPr lvl="1"/>
-            <a:r>
-              <a:rPr lang="en-US" dirty="0"/>
-              <a:t>Directories containing .class files.</a:t>
-            </a:r>
-          </a:p>
-          <a:p>
-            <a:pPr lvl="1"/>
-            <a:r>
-              <a:rPr lang="en-US" dirty="0"/>
-              <a:t>JAR (Java </a:t>
-            </a:r>
-            <a:r>
-              <a:rPr lang="en-US" dirty="0" err="1"/>
-              <a:t>ARchive</a:t>
-            </a:r>
-            <a:r>
-              <a:rPr lang="en-US" dirty="0"/>
-              <a:t>) files containing libraries.</a:t>
-            </a:r>
-          </a:p>
-          <a:p>
-            <a:pPr lvl="1"/>
-            <a:r>
-              <a:rPr lang="en-US" dirty="0"/>
-              <a:t>ZIP files containing compiled Java code.</a:t>
-            </a:r>
-          </a:p>
-          <a:p>
-            <a:pPr marL="0" indent="0">
-              <a:buNone/>
-            </a:pPr>
-            <a:r>
-              <a:rPr lang="en-US" dirty="0"/>
-              <a:t>	By default, the JVM looks in the </a:t>
-            </a:r>
-            <a:r>
-              <a:rPr lang="en-US" b="1" dirty="0"/>
-              <a:t>current directory </a:t>
-            </a:r>
-            <a:r>
-              <a:rPr lang="en-US" dirty="0"/>
-              <a:t>for class files, but the CLASSPATH allows you to tell Java to look in other directories or files as well.</a:t>
-            </a:r>
+            <a:endParaRPr lang="en-IN" dirty="0"/>
           </a:p>
         </p:txBody>
       </p:sp>
     </p:spTree>
     <p:extLst>
       <p:ext uri="{BB962C8B-B14F-4D97-AF65-F5344CB8AC3E}">
-        <p14:creationId xmlns:p14="http://schemas.microsoft.com/office/powerpoint/2010/main" val="3786486683"/>
+        <p14:creationId xmlns:p14="http://schemas.microsoft.com/office/powerpoint/2010/main" val="403940335"/>
       </p:ext>
     </p:extLst>
   </p:cSld>
@@ -7983,8 +8308,8 @@
         </p:nvSpPr>
         <p:spPr>
           <a:xfrm>
-            <a:off x="462116" y="422788"/>
-            <a:ext cx="10972799" cy="5732206"/>
+            <a:off x="631722" y="508102"/>
+            <a:ext cx="10803193" cy="5646891"/>
           </a:xfrm>
         </p:spPr>
         <p:txBody>
@@ -7998,7 +8323,7 @@
             </a:pPr>
             <a:r>
               <a:rPr lang="en-US" b="1" dirty="0"/>
-              <a:t>Why is CLASSPATH Important?</a:t>
+              <a:t>Setting CLASSPATH in Command Line</a:t>
             </a:r>
           </a:p>
           <a:p>
@@ -8007,114 +8332,143 @@
             </a:pPr>
             <a:r>
               <a:rPr lang="en-US" dirty="0"/>
-              <a:t>When you compile or run a Java program, the </a:t>
+              <a:t>You can specify the </a:t>
+            </a:r>
+            <a:r>
+              <a:rPr lang="en-US" dirty="0" err="1"/>
+              <a:t>classpath</a:t>
+            </a:r>
+            <a:r>
+              <a:rPr lang="en-US" dirty="0"/>
+              <a:t> using the </a:t>
+            </a:r>
+            <a:r>
+              <a:rPr lang="en-US" b="1" dirty="0">
+                <a:solidFill>
+                  <a:srgbClr val="C00000"/>
+                </a:solidFill>
+              </a:rPr>
+              <a:t>-cp</a:t>
+            </a:r>
+            <a:r>
+              <a:rPr lang="en-US" dirty="0">
+                <a:solidFill>
+                  <a:srgbClr val="C00000"/>
+                </a:solidFill>
+              </a:rPr>
+              <a:t> </a:t>
+            </a:r>
+            <a:r>
+              <a:rPr lang="en-US" dirty="0"/>
+              <a:t>or </a:t>
+            </a:r>
+            <a:r>
+              <a:rPr lang="en-US" b="1" dirty="0">
+                <a:solidFill>
+                  <a:srgbClr val="C00000"/>
+                </a:solidFill>
+              </a:rPr>
+              <a:t>-</a:t>
+            </a:r>
+            <a:r>
+              <a:rPr lang="en-US" b="1" dirty="0" err="1">
+                <a:solidFill>
+                  <a:srgbClr val="C00000"/>
+                </a:solidFill>
+              </a:rPr>
+              <a:t>classpath</a:t>
+            </a:r>
+            <a:r>
+              <a:rPr lang="en-US" dirty="0"/>
+              <a:t> option when running the </a:t>
+            </a:r>
+            <a:r>
+              <a:rPr lang="en-US" b="1" dirty="0" err="1">
+                <a:solidFill>
+                  <a:srgbClr val="C00000"/>
+                </a:solidFill>
+              </a:rPr>
+              <a:t>javac</a:t>
+            </a:r>
+            <a:r>
+              <a:rPr lang="en-US" dirty="0"/>
+              <a:t> (compiler) or </a:t>
+            </a:r>
+            <a:r>
+              <a:rPr lang="en-US" b="1" dirty="0">
+                <a:solidFill>
+                  <a:srgbClr val="C00000"/>
+                </a:solidFill>
+              </a:rPr>
+              <a:t>java</a:t>
+            </a:r>
+            <a:r>
+              <a:rPr lang="en-US" dirty="0"/>
+              <a:t> (JVM) commands.</a:t>
+            </a:r>
+          </a:p>
+          <a:p>
+            <a:pPr marL="0" indent="0">
+              <a:buNone/>
+            </a:pPr>
+            <a:r>
+              <a:rPr lang="en-US" dirty="0"/>
+              <a:t>For example, to compile and run a Java program that depends on classes in a directory or </a:t>
             </a:r>
             <a:r>
               <a:rPr lang="en-US" b="1" dirty="0"/>
-              <a:t>JVM needs to know where to find the classes that your code references</a:t>
-            </a:r>
-            <a:r>
-              <a:rPr lang="en-US" dirty="0"/>
-              <a:t>. If the JVM can't locate a class, it will throw a </a:t>
-            </a:r>
-            <a:r>
-              <a:rPr lang="en-US" b="1" dirty="0" err="1">
-                <a:solidFill>
-                  <a:srgbClr val="C00000"/>
-                </a:solidFill>
-              </a:rPr>
-              <a:t>ClassNotFoundException</a:t>
-            </a:r>
-            <a:r>
-              <a:rPr lang="en-US" dirty="0"/>
-              <a:t> or a </a:t>
-            </a:r>
-            <a:r>
-              <a:rPr lang="en-US" b="1" dirty="0" err="1">
-                <a:solidFill>
-                  <a:srgbClr val="C00000"/>
-                </a:solidFill>
-              </a:rPr>
-              <a:t>NoClassDefFoundError</a:t>
-            </a:r>
-            <a:r>
-              <a:rPr lang="en-US" dirty="0"/>
-              <a:t>.</a:t>
-            </a:r>
+              <a:t>JAR file</a:t>
+            </a:r>
+            <a:r>
+              <a:rPr lang="en-US" dirty="0"/>
+              <a:t>:</a:t>
+            </a:r>
+            <a:endParaRPr lang="en-IN" dirty="0"/>
           </a:p>
           <a:p>
             <a:pPr marL="0" indent="0">
               <a:buNone/>
             </a:pPr>
             <a:r>
-              <a:rPr lang="en-US" b="1" dirty="0"/>
-              <a:t>For example, </a:t>
-            </a:r>
-            <a:r>
-              <a:rPr lang="en-US" dirty="0"/>
-              <a:t>if your project relies on external libraries or classes that are stored in different locations, you need to include these paths in the CLASSPATH so that Java knows where to find them.</a:t>
-            </a:r>
-            <a:endParaRPr lang="en-IN" dirty="0"/>
-          </a:p>
-          <a:p>
-            <a:pPr marL="0" indent="0">
-              <a:buNone/>
-            </a:pPr>
-            <a:endParaRPr lang="en-US" sz="800" dirty="0"/>
-          </a:p>
-          <a:p>
-            <a:pPr marL="0" indent="0">
-              <a:buNone/>
-            </a:pPr>
-            <a:r>
-              <a:rPr lang="en-US" b="1" dirty="0"/>
-              <a:t>You can set the CLASSPATH in two ways:</a:t>
-            </a:r>
-          </a:p>
-          <a:p>
-            <a:r>
-              <a:rPr lang="en-US" b="1" dirty="0">
-                <a:solidFill>
-                  <a:srgbClr val="C00000"/>
-                </a:solidFill>
-              </a:rPr>
-              <a:t>Temporarily: </a:t>
-            </a:r>
-            <a:r>
-              <a:rPr lang="en-US" dirty="0"/>
-              <a:t> via the command line when compiling and running a Java program.</a:t>
-            </a:r>
-          </a:p>
-          <a:p>
-            <a:r>
-              <a:rPr lang="en-US" b="1" dirty="0">
-                <a:solidFill>
-                  <a:srgbClr val="C00000"/>
-                </a:solidFill>
-              </a:rPr>
-              <a:t>Permanently: </a:t>
-            </a:r>
-            <a:r>
-              <a:rPr lang="en-US" dirty="0"/>
-              <a:t> by setting it as an </a:t>
-            </a:r>
-            <a:r>
-              <a:rPr lang="en-US" b="1" dirty="0"/>
-              <a:t>environment variable.</a:t>
-            </a:r>
-          </a:p>
-          <a:p>
-            <a:pPr marL="0" indent="0">
-              <a:buNone/>
-            </a:pPr>
-            <a:endParaRPr lang="en-IN" dirty="0"/>
+              <a:rPr lang="en-IN" b="1" dirty="0"/>
+              <a:t>Example:</a:t>
+            </a:r>
           </a:p>
         </p:txBody>
       </p:sp>
+      <p:pic>
+        <p:nvPicPr>
+          <p:cNvPr id="4" name="Picture 3">
+            <a:extLst>
+              <a:ext uri="{FF2B5EF4-FFF2-40B4-BE49-F238E27FC236}">
+                <a16:creationId xmlns:a16="http://schemas.microsoft.com/office/drawing/2014/main" id="{18D20E9F-8BE0-D2B3-AAC9-3CE0E856A561}"/>
+              </a:ext>
+            </a:extLst>
+          </p:cNvPr>
+          <p:cNvPicPr>
+            <a:picLocks noChangeAspect="1"/>
+          </p:cNvPicPr>
+          <p:nvPr/>
+        </p:nvPicPr>
+        <p:blipFill>
+          <a:blip r:embed="rId2"/>
+          <a:srcRect r="8734"/>
+          <a:stretch/>
+        </p:blipFill>
+        <p:spPr>
+          <a:xfrm>
+            <a:off x="1641853" y="3896533"/>
+            <a:ext cx="9360444" cy="822951"/>
+          </a:xfrm>
+          <a:prstGeom prst="rect">
+            <a:avLst/>
+          </a:prstGeom>
+        </p:spPr>
+      </p:pic>
     </p:spTree>
     <p:extLst>
       <p:ext uri="{BB962C8B-B14F-4D97-AF65-F5344CB8AC3E}">
-        <p14:creationId xmlns:p14="http://schemas.microsoft.com/office/powerpoint/2010/main" val="403940335"/>
+        <p14:creationId xmlns:p14="http://schemas.microsoft.com/office/powerpoint/2010/main" val="4180071190"/>
       </p:ext>
     </p:extLst>
   </p:cSld>
@@ -8172,310 +8526,6 @@
             <a:pPr marL="0" indent="0">
               <a:buNone/>
             </a:pPr>
-            <a:r>
-              <a:rPr lang="en-US" b="1" dirty="0"/>
-              <a:t>Setting CLASSPATH in Command Line</a:t>
-            </a:r>
-          </a:p>
-          <a:p>
-            <a:pPr marL="0" indent="0">
-              <a:buNone/>
-            </a:pPr>
-            <a:r>
-              <a:rPr lang="en-US" dirty="0"/>
-              <a:t>You can specify the </a:t>
-            </a:r>
-            <a:r>
-              <a:rPr lang="en-US" dirty="0" err="1"/>
-              <a:t>classpath</a:t>
-            </a:r>
-            <a:r>
-              <a:rPr lang="en-US" dirty="0"/>
-              <a:t> using the </a:t>
-            </a:r>
-            <a:r>
-              <a:rPr lang="en-US" b="1" dirty="0">
-                <a:solidFill>
-                  <a:srgbClr val="C00000"/>
-                </a:solidFill>
-              </a:rPr>
-              <a:t>-cp</a:t>
-            </a:r>
-            <a:r>
-              <a:rPr lang="en-US" dirty="0">
-                <a:solidFill>
-                  <a:srgbClr val="C00000"/>
-                </a:solidFill>
-              </a:rPr>
-              <a:t> </a:t>
-            </a:r>
-            <a:r>
-              <a:rPr lang="en-US" dirty="0"/>
-              <a:t>or </a:t>
-            </a:r>
-            <a:r>
-              <a:rPr lang="en-US" b="1" dirty="0">
-                <a:solidFill>
-                  <a:srgbClr val="C00000"/>
-                </a:solidFill>
-              </a:rPr>
-              <a:t>-</a:t>
-            </a:r>
-            <a:r>
-              <a:rPr lang="en-US" b="1" dirty="0" err="1">
-                <a:solidFill>
-                  <a:srgbClr val="C00000"/>
-                </a:solidFill>
-              </a:rPr>
-              <a:t>classpath</a:t>
-            </a:r>
-            <a:r>
-              <a:rPr lang="en-US" dirty="0"/>
-              <a:t> option when running the </a:t>
-            </a:r>
-            <a:r>
-              <a:rPr lang="en-US" b="1" dirty="0" err="1">
-                <a:solidFill>
-                  <a:srgbClr val="C00000"/>
-                </a:solidFill>
-              </a:rPr>
-              <a:t>javac</a:t>
-            </a:r>
-            <a:r>
-              <a:rPr lang="en-US" dirty="0"/>
-              <a:t> (compiler) or </a:t>
-            </a:r>
-            <a:r>
-              <a:rPr lang="en-US" b="1" dirty="0">
-                <a:solidFill>
-                  <a:srgbClr val="C00000"/>
-                </a:solidFill>
-              </a:rPr>
-              <a:t>java</a:t>
-            </a:r>
-            <a:r>
-              <a:rPr lang="en-US" dirty="0"/>
-              <a:t> (JVM) commands.</a:t>
-            </a:r>
-          </a:p>
-          <a:p>
-            <a:pPr marL="0" indent="0">
-              <a:buNone/>
-            </a:pPr>
-            <a:r>
-              <a:rPr lang="en-US" dirty="0"/>
-              <a:t>For example, to compile and run a Java program that depends on classes in a directory or </a:t>
-            </a:r>
-            <a:r>
-              <a:rPr lang="en-US" b="1" dirty="0"/>
-              <a:t>JAR file</a:t>
-            </a:r>
-            <a:r>
-              <a:rPr lang="en-US" dirty="0"/>
-              <a:t>:</a:t>
-            </a:r>
-            <a:endParaRPr lang="en-IN" dirty="0"/>
-          </a:p>
-          <a:p>
-            <a:pPr marL="0" indent="0">
-              <a:buNone/>
-            </a:pPr>
-            <a:r>
-              <a:rPr lang="en-IN" b="1" dirty="0"/>
-              <a:t>Example:</a:t>
-            </a:r>
-          </a:p>
-        </p:txBody>
-      </p:sp>
-      <p:pic>
-        <p:nvPicPr>
-          <p:cNvPr id="4" name="Picture 3">
-            <a:extLst>
-              <a:ext uri="{FF2B5EF4-FFF2-40B4-BE49-F238E27FC236}">
-                <a16:creationId xmlns:a16="http://schemas.microsoft.com/office/drawing/2014/main" id="{18D20E9F-8BE0-D2B3-AAC9-3CE0E856A561}"/>
-              </a:ext>
-            </a:extLst>
-          </p:cNvPr>
-          <p:cNvPicPr>
-            <a:picLocks noChangeAspect="1"/>
-          </p:cNvPicPr>
-          <p:nvPr/>
-        </p:nvPicPr>
-        <p:blipFill>
-          <a:blip r:embed="rId2"/>
-          <a:stretch>
-            <a:fillRect/>
-          </a:stretch>
-        </p:blipFill>
-        <p:spPr>
-          <a:xfrm>
-            <a:off x="1641853" y="3906365"/>
-            <a:ext cx="8908294" cy="714797"/>
-          </a:xfrm>
-          <a:prstGeom prst="rect">
-            <a:avLst/>
-          </a:prstGeom>
-        </p:spPr>
-      </p:pic>
-    </p:spTree>
-    <p:extLst>
-      <p:ext uri="{BB962C8B-B14F-4D97-AF65-F5344CB8AC3E}">
-        <p14:creationId xmlns:p14="http://schemas.microsoft.com/office/powerpoint/2010/main" val="4180071190"/>
-      </p:ext>
-    </p:extLst>
-  </p:cSld>
-  <p:clrMapOvr>
-    <a:masterClrMapping/>
-  </p:clrMapOvr>
-</p:sld>
-</file>
-
-<file path=ppt/slides/slide29.xml><?xml version="1.0" encoding="utf-8"?>
-<p:sld xmlns:a="http://schemas.openxmlformats.org/drawingml/2006/main" xmlns:r="http://schemas.openxmlformats.org/officeDocument/2006/relationships" xmlns:p="http://schemas.openxmlformats.org/presentationml/2006/main">
-  <p:cSld>
-    <p:spTree>
-      <p:nvGrpSpPr>
-        <p:cNvPr id="1" name=""/>
-        <p:cNvGrpSpPr/>
-        <p:nvPr/>
-      </p:nvGrpSpPr>
-      <p:grpSpPr>
-        <a:xfrm>
-          <a:off x="0" y="0"/>
-          <a:ext cx="0" cy="0"/>
-          <a:chOff x="0" y="0"/>
-          <a:chExt cx="0" cy="0"/>
-        </a:xfrm>
-      </p:grpSpPr>
-      <p:sp>
-        <p:nvSpPr>
-          <p:cNvPr id="3" name="Content Placeholder 2">
-            <a:extLst>
-              <a:ext uri="{FF2B5EF4-FFF2-40B4-BE49-F238E27FC236}">
-                <a16:creationId xmlns:a16="http://schemas.microsoft.com/office/drawing/2014/main" id="{E42FB284-DAF2-8CB9-9090-285BF2A5822E}"/>
-              </a:ext>
-            </a:extLst>
-          </p:cNvPr>
-          <p:cNvSpPr>
-            <a:spLocks noGrp="1"/>
-          </p:cNvSpPr>
-          <p:nvPr>
-            <p:ph idx="1"/>
-          </p:nvPr>
-        </p:nvSpPr>
-        <p:spPr>
-          <a:xfrm>
-            <a:off x="773236" y="1640217"/>
-            <a:ext cx="10803193" cy="3748212"/>
-          </a:xfrm>
-        </p:spPr>
-        <p:txBody>
-          <a:bodyPr/>
-          <a:lstStyle/>
-          <a:p>
-            <a:pPr marL="0" indent="0">
-              <a:buNone/>
-            </a:pPr>
-            <a:r>
-              <a:rPr lang="en-US" b="1" dirty="0">
-                <a:solidFill>
-                  <a:schemeClr val="tx2"/>
-                </a:solidFill>
-              </a:rPr>
-              <a:t>Module-3: </a:t>
-            </a:r>
-            <a:r>
-              <a:rPr lang="en-IN" b="1" dirty="0">
-                <a:solidFill>
-                  <a:srgbClr val="C00000"/>
-                </a:solidFill>
-              </a:rPr>
-              <a:t>INTERFACES AND PACKAGES (5 hrs)</a:t>
-            </a:r>
-            <a:endParaRPr lang="en-US" b="1" dirty="0">
-              <a:solidFill>
-                <a:srgbClr val="C00000"/>
-              </a:solidFill>
-            </a:endParaRPr>
-          </a:p>
-          <a:p>
-            <a:pPr marL="0" indent="0">
-              <a:buNone/>
-            </a:pPr>
-            <a:r>
-              <a:rPr lang="en-IN" b="1" dirty="0"/>
-              <a:t>Interface: </a:t>
-            </a:r>
-            <a:r>
-              <a:rPr lang="en-IN" b="1" dirty="0">
-                <a:solidFill>
-                  <a:srgbClr val="C00000"/>
-                </a:solidFill>
-              </a:rPr>
-              <a:t>Interfaces VS Abstract classes</a:t>
-            </a:r>
-            <a:r>
-              <a:rPr lang="en-IN" dirty="0"/>
-              <a:t>, </a:t>
-            </a:r>
-            <a:r>
-              <a:rPr lang="en-IN" b="1" dirty="0">
-                <a:solidFill>
-                  <a:srgbClr val="C00000"/>
-                </a:solidFill>
-              </a:rPr>
-              <a:t>defining an interface, implement interfaces,</a:t>
-            </a:r>
-            <a:r>
-              <a:rPr lang="en-IN" dirty="0"/>
-              <a:t> </a:t>
-            </a:r>
-            <a:r>
-              <a:rPr lang="en-IN" b="1" dirty="0">
-                <a:solidFill>
-                  <a:srgbClr val="C00000"/>
-                </a:solidFill>
-              </a:rPr>
-              <a:t>accessing implementations through interface references</a:t>
-            </a:r>
-            <a:r>
-              <a:rPr lang="en-IN" dirty="0"/>
-              <a:t>, </a:t>
-            </a:r>
-            <a:r>
-              <a:rPr lang="en-IN" b="1" dirty="0">
-                <a:solidFill>
-                  <a:srgbClr val="C00000"/>
-                </a:solidFill>
-              </a:rPr>
-              <a:t>extending interface</a:t>
-            </a:r>
-            <a:r>
-              <a:rPr lang="en-IN" dirty="0"/>
-              <a:t>. </a:t>
-            </a:r>
-          </a:p>
-          <a:p>
-            <a:pPr marL="0" indent="0">
-              <a:buNone/>
-            </a:pPr>
-            <a:r>
-              <a:rPr lang="en-IN" b="1" dirty="0"/>
-              <a:t>Packages: </a:t>
-            </a:r>
-            <a:r>
-              <a:rPr lang="en-IN" b="1" dirty="0">
-                <a:solidFill>
-                  <a:srgbClr val="C00000"/>
-                </a:solidFill>
-              </a:rPr>
-              <a:t>Defining, creating and accessing a package, understanding CLASSPATH, importing packages</a:t>
-            </a:r>
-          </a:p>
-          <a:p>
-            <a:pPr marL="0" indent="0">
-              <a:buNone/>
-            </a:pPr>
             <a:endParaRPr lang="en-IN" dirty="0"/>
           </a:p>
         </p:txBody>
@@ -8483,7 +8533,7 @@
     </p:spTree>
     <p:extLst>
       <p:ext uri="{BB962C8B-B14F-4D97-AF65-F5344CB8AC3E}">
-        <p14:creationId xmlns:p14="http://schemas.microsoft.com/office/powerpoint/2010/main" val="2175004963"/>
+        <p14:creationId xmlns:p14="http://schemas.microsoft.com/office/powerpoint/2010/main" val="3056252336"/>
       </p:ext>
     </p:extLst>
   </p:cSld>
@@ -8613,71 +8663,6 @@
 </p:sld>
 </file>
 
-<file path=ppt/slides/slide30.xml><?xml version="1.0" encoding="utf-8"?>
-<p:sld xmlns:a="http://schemas.openxmlformats.org/drawingml/2006/main" xmlns:r="http://schemas.openxmlformats.org/officeDocument/2006/relationships" xmlns:p="http://schemas.openxmlformats.org/presentationml/2006/main">
-  <p:cSld>
-    <p:spTree>
-      <p:nvGrpSpPr>
-        <p:cNvPr id="1" name=""/>
-        <p:cNvGrpSpPr/>
-        <p:nvPr/>
-      </p:nvGrpSpPr>
-      <p:grpSpPr>
-        <a:xfrm>
-          <a:off x="0" y="0"/>
-          <a:ext cx="0" cy="0"/>
-          <a:chOff x="0" y="0"/>
-          <a:chExt cx="0" cy="0"/>
-        </a:xfrm>
-      </p:grpSpPr>
-      <p:sp>
-        <p:nvSpPr>
-          <p:cNvPr id="3" name="Content Placeholder 2">
-            <a:extLst>
-              <a:ext uri="{FF2B5EF4-FFF2-40B4-BE49-F238E27FC236}">
-                <a16:creationId xmlns:a16="http://schemas.microsoft.com/office/drawing/2014/main" id="{E42FB284-DAF2-8CB9-9090-285BF2A5822E}"/>
-              </a:ext>
-            </a:extLst>
-          </p:cNvPr>
-          <p:cNvSpPr>
-            <a:spLocks noGrp="1"/>
-          </p:cNvSpPr>
-          <p:nvPr>
-            <p:ph idx="1"/>
-          </p:nvPr>
-        </p:nvSpPr>
-        <p:spPr>
-          <a:xfrm>
-            <a:off x="631722" y="508102"/>
-            <a:ext cx="10803193" cy="5646891"/>
-          </a:xfrm>
-        </p:spPr>
-        <p:txBody>
-          <a:bodyPr>
-            <a:normAutofit/>
-          </a:bodyPr>
-          <a:lstStyle/>
-          <a:p>
-            <a:pPr marL="0" indent="0">
-              <a:buNone/>
-            </a:pPr>
-            <a:endParaRPr lang="en-IN" dirty="0"/>
-          </a:p>
-        </p:txBody>
-      </p:sp>
-    </p:spTree>
-    <p:extLst>
-      <p:ext uri="{BB962C8B-B14F-4D97-AF65-F5344CB8AC3E}">
-        <p14:creationId xmlns:p14="http://schemas.microsoft.com/office/powerpoint/2010/main" val="3056252336"/>
-      </p:ext>
-    </p:extLst>
-  </p:cSld>
-  <p:clrMapOvr>
-    <a:masterClrMapping/>
-  </p:clrMapOvr>
-</p:sld>
-</file>
-
 <file path=ppt/slides/slide4.xml><?xml version="1.0" encoding="utf-8"?>
 <p:sld xmlns:a="http://schemas.openxmlformats.org/drawingml/2006/main" xmlns:r="http://schemas.openxmlformats.org/officeDocument/2006/relationships" xmlns:p="http://schemas.openxmlformats.org/presentationml/2006/main">
   <p:cSld>
@@ -8713,331 +8698,6 @@
         </p:nvSpPr>
         <p:spPr>
           <a:xfrm>
-            <a:off x="588004" y="482651"/>
-            <a:ext cx="11015992" cy="5892698"/>
-          </a:xfrm>
-        </p:spPr>
-        <p:txBody>
-          <a:bodyPr>
-            <a:normAutofit lnSpcReduction="10000"/>
-          </a:bodyPr>
-          <a:lstStyle/>
-          <a:p>
-            <a:pPr marL="0" indent="0">
-              <a:buNone/>
-            </a:pPr>
-            <a:r>
-              <a:rPr lang="en-US" b="1" dirty="0"/>
-              <a:t>What is an </a:t>
-            </a:r>
-            <a:r>
-              <a:rPr lang="en-US" b="1" dirty="0">
-                <a:solidFill>
-                  <a:srgbClr val="C00000"/>
-                </a:solidFill>
-              </a:rPr>
-              <a:t>interface</a:t>
-            </a:r>
-            <a:r>
-              <a:rPr lang="en-US" b="1" dirty="0"/>
-              <a:t>?</a:t>
-            </a:r>
-          </a:p>
-          <a:p>
-            <a:r>
-              <a:rPr lang="en-US" dirty="0"/>
-              <a:t>In Java, an </a:t>
-            </a:r>
-            <a:r>
-              <a:rPr lang="en-US" b="1" dirty="0"/>
-              <a:t>interface</a:t>
-            </a:r>
-            <a:r>
-              <a:rPr lang="en-US" dirty="0"/>
-              <a:t> is a </a:t>
-            </a:r>
-            <a:r>
-              <a:rPr lang="en-US" b="1" dirty="0">
-                <a:solidFill>
-                  <a:srgbClr val="C00000"/>
-                </a:solidFill>
-              </a:rPr>
-              <a:t>reference type</a:t>
-            </a:r>
-            <a:r>
-              <a:rPr lang="en-US" dirty="0"/>
-              <a:t>, similar to a </a:t>
-            </a:r>
-            <a:r>
-              <a:rPr lang="en-US" b="1" dirty="0">
-                <a:solidFill>
-                  <a:srgbClr val="C00000"/>
-                </a:solidFill>
-              </a:rPr>
-              <a:t>class</a:t>
-            </a:r>
-            <a:r>
-              <a:rPr lang="en-US" dirty="0"/>
-              <a:t>, that can contain only </a:t>
-            </a:r>
-          </a:p>
-          <a:p>
-            <a:pPr marL="914400" lvl="1" indent="-457200">
-              <a:buFont typeface="+mj-lt"/>
-              <a:buAutoNum type="arabicPeriod"/>
-            </a:pPr>
-            <a:r>
-              <a:rPr lang="en-US" sz="2800" b="1" dirty="0">
-                <a:solidFill>
-                  <a:srgbClr val="0070C0"/>
-                </a:solidFill>
-              </a:rPr>
-              <a:t>public</a:t>
-            </a:r>
-            <a:r>
-              <a:rPr lang="en-US" sz="2800" dirty="0"/>
-              <a:t> </a:t>
-            </a:r>
-            <a:r>
-              <a:rPr lang="en-US" sz="2800" b="1" dirty="0"/>
-              <a:t>and</a:t>
-            </a:r>
-            <a:r>
-              <a:rPr lang="en-US" sz="2800" dirty="0"/>
-              <a:t> </a:t>
-            </a:r>
-            <a:r>
-              <a:rPr lang="en-US" sz="2800" b="1" dirty="0">
-                <a:solidFill>
-                  <a:srgbClr val="0070C0"/>
-                </a:solidFill>
-              </a:rPr>
-              <a:t>abstract methods</a:t>
-            </a:r>
-            <a:r>
-              <a:rPr lang="en-US" sz="2800" dirty="0"/>
-              <a:t> (</a:t>
-            </a:r>
-            <a:r>
-              <a:rPr lang="en-US" sz="2000" dirty="0"/>
-              <a:t>Starting with Java 8, you can also have </a:t>
-            </a:r>
-            <a:r>
-              <a:rPr lang="en-US" sz="2000" b="1" dirty="0">
-                <a:solidFill>
-                  <a:srgbClr val="C00000"/>
-                </a:solidFill>
-              </a:rPr>
-              <a:t>default</a:t>
-            </a:r>
-            <a:r>
-              <a:rPr lang="en-US" sz="2000" dirty="0"/>
-              <a:t> and </a:t>
-            </a:r>
-            <a:r>
-              <a:rPr lang="en-US" sz="2000" b="1" dirty="0">
-                <a:solidFill>
-                  <a:srgbClr val="C00000"/>
-                </a:solidFill>
-              </a:rPr>
-              <a:t>static</a:t>
-            </a:r>
-            <a:r>
-              <a:rPr lang="en-US" sz="2000" dirty="0"/>
-              <a:t> methods in an interface)</a:t>
-            </a:r>
-            <a:endParaRPr lang="en-US" sz="2800" dirty="0"/>
-          </a:p>
-          <a:p>
-            <a:pPr marL="914400" lvl="1" indent="-457200">
-              <a:buFont typeface="+mj-lt"/>
-              <a:buAutoNum type="arabicPeriod"/>
-            </a:pPr>
-            <a:r>
-              <a:rPr lang="en-US" sz="2800" b="1" dirty="0">
-                <a:solidFill>
-                  <a:srgbClr val="0070C0"/>
-                </a:solidFill>
-              </a:rPr>
-              <a:t>public static final fields</a:t>
-            </a:r>
-            <a:r>
-              <a:rPr lang="en-US" sz="2800" dirty="0"/>
-              <a:t>. </a:t>
-            </a:r>
-          </a:p>
-          <a:p>
-            <a:pPr marL="914400" lvl="1" indent="-457200">
-              <a:buFont typeface="+mj-lt"/>
-              <a:buAutoNum type="arabicPeriod"/>
-            </a:pPr>
-            <a:r>
-              <a:rPr lang="en-US" sz="2800" dirty="0"/>
-              <a:t>I</a:t>
-            </a:r>
-            <a:r>
-              <a:rPr lang="en-US" sz="2800" b="1" dirty="0"/>
-              <a:t>t</a:t>
-            </a:r>
-            <a:r>
-              <a:rPr lang="en-US" sz="2800" dirty="0"/>
-              <a:t> </a:t>
-            </a:r>
-            <a:r>
-              <a:rPr lang="en-US" sz="2800" b="1" dirty="0">
-                <a:solidFill>
-                  <a:srgbClr val="C00000"/>
-                </a:solidFill>
-              </a:rPr>
-              <a:t>cannot have </a:t>
-            </a:r>
-            <a:r>
-              <a:rPr lang="en-US" sz="2800" b="1" dirty="0"/>
-              <a:t>Constructor</a:t>
-            </a:r>
-          </a:p>
-          <a:p>
-            <a:r>
-              <a:rPr lang="en-US" dirty="0"/>
-              <a:t>Interfaces specify </a:t>
-            </a:r>
-            <a:r>
-              <a:rPr lang="en-US" b="1" dirty="0">
-                <a:solidFill>
-                  <a:srgbClr val="C00000"/>
-                </a:solidFill>
-              </a:rPr>
-              <a:t>what a class must do</a:t>
-            </a:r>
-            <a:r>
-              <a:rPr lang="en-US" dirty="0"/>
-              <a:t>, </a:t>
-            </a:r>
-            <a:r>
-              <a:rPr lang="en-US" b="1" dirty="0"/>
-              <a:t>but not how it does it</a:t>
-            </a:r>
-            <a:r>
-              <a:rPr lang="en-US" dirty="0"/>
-              <a:t>. </a:t>
-            </a:r>
-          </a:p>
-          <a:p>
-            <a:r>
-              <a:rPr lang="en-US" dirty="0"/>
-              <a:t>A class that </a:t>
-            </a:r>
-            <a:r>
-              <a:rPr lang="en-US" b="1" dirty="0">
-                <a:solidFill>
-                  <a:srgbClr val="C00000"/>
-                </a:solidFill>
-              </a:rPr>
-              <a:t>implements</a:t>
-            </a:r>
-            <a:r>
-              <a:rPr lang="en-US" dirty="0"/>
-              <a:t> an interface must </a:t>
-            </a:r>
-            <a:r>
-              <a:rPr lang="en-US" b="1" dirty="0"/>
-              <a:t>implement all of its methods unless it is an abstract class</a:t>
-            </a:r>
-            <a:r>
-              <a:rPr lang="en-US" dirty="0"/>
-              <a:t>. </a:t>
-            </a:r>
-          </a:p>
-          <a:p>
-            <a:r>
-              <a:rPr lang="en-US" dirty="0"/>
-              <a:t>Interfaces are used to achieve:</a:t>
-            </a:r>
-          </a:p>
-          <a:p>
-            <a:pPr lvl="1"/>
-            <a:r>
-              <a:rPr lang="en-US" b="1" dirty="0"/>
-              <a:t>Abstraction</a:t>
-            </a:r>
-            <a:r>
-              <a:rPr lang="en-US" dirty="0"/>
-              <a:t>, </a:t>
-            </a:r>
-          </a:p>
-          <a:p>
-            <a:pPr lvl="1"/>
-            <a:r>
-              <a:rPr lang="en-US" b="1" dirty="0"/>
-              <a:t>Multiple Inheritance</a:t>
-            </a:r>
-            <a:r>
-              <a:rPr lang="en-US" dirty="0"/>
-              <a:t>, and </a:t>
-            </a:r>
-          </a:p>
-          <a:p>
-            <a:pPr lvl="1"/>
-            <a:r>
-              <a:rPr lang="en-US" b="1" dirty="0"/>
-              <a:t>Loose coupling </a:t>
-            </a:r>
-            <a:r>
-              <a:rPr lang="en-US" dirty="0"/>
-              <a:t>between components in Java.</a:t>
-            </a:r>
-            <a:endParaRPr lang="en-IN" dirty="0"/>
-          </a:p>
-        </p:txBody>
-      </p:sp>
-    </p:spTree>
-    <p:extLst>
-      <p:ext uri="{BB962C8B-B14F-4D97-AF65-F5344CB8AC3E}">
-        <p14:creationId xmlns:p14="http://schemas.microsoft.com/office/powerpoint/2010/main" val="1112322355"/>
-      </p:ext>
-    </p:extLst>
-  </p:cSld>
-  <p:clrMapOvr>
-    <a:masterClrMapping/>
-  </p:clrMapOvr>
-</p:sld>
-</file>
-
-<file path=ppt/slides/slide5.xml><?xml version="1.0" encoding="utf-8"?>
-<p:sld xmlns:a="http://schemas.openxmlformats.org/drawingml/2006/main" xmlns:r="http://schemas.openxmlformats.org/officeDocument/2006/relationships" xmlns:p="http://schemas.openxmlformats.org/presentationml/2006/main">
-  <p:cSld>
-    <p:spTree>
-      <p:nvGrpSpPr>
-        <p:cNvPr id="1" name=""/>
-        <p:cNvGrpSpPr/>
-        <p:nvPr/>
-      </p:nvGrpSpPr>
-      <p:grpSpPr>
-        <a:xfrm>
-          <a:off x="0" y="0"/>
-          <a:ext cx="0" cy="0"/>
-          <a:chOff x="0" y="0"/>
-          <a:chExt cx="0" cy="0"/>
-        </a:xfrm>
-      </p:grpSpPr>
-      <p:sp>
-        <p:nvSpPr>
-          <p:cNvPr id="3" name="Content Placeholder 2">
-            <a:extLst>
-              <a:ext uri="{FF2B5EF4-FFF2-40B4-BE49-F238E27FC236}">
-                <a16:creationId xmlns:a16="http://schemas.microsoft.com/office/drawing/2014/main" id="{E42FB284-DAF2-8CB9-9090-285BF2A5822E}"/>
-              </a:ext>
-            </a:extLst>
-          </p:cNvPr>
-          <p:cNvSpPr>
-            <a:spLocks noGrp="1"/>
-          </p:cNvSpPr>
-          <p:nvPr>
-            <p:ph idx="1"/>
-          </p:nvPr>
-        </p:nvSpPr>
-        <p:spPr>
-          <a:xfrm>
             <a:off x="631722" y="508102"/>
             <a:ext cx="10803193" cy="5646891"/>
           </a:xfrm>
@@ -9188,7 +8848,7 @@
 </p:sld>
 </file>
 
-<file path=ppt/slides/slide6.xml><?xml version="1.0" encoding="utf-8"?>
+<file path=ppt/slides/slide5.xml><?xml version="1.0" encoding="utf-8"?>
 <p:sld xmlns:a="http://schemas.openxmlformats.org/drawingml/2006/main" xmlns:r="http://schemas.openxmlformats.org/officeDocument/2006/relationships" xmlns:p="http://schemas.openxmlformats.org/presentationml/2006/main">
   <p:cSld>
     <p:spTree>
@@ -9516,7 +9176,7 @@
 </p:sld>
 </file>
 
-<file path=ppt/slides/slide7.xml><?xml version="1.0" encoding="utf-8"?>
+<file path=ppt/slides/slide6.xml><?xml version="1.0" encoding="utf-8"?>
 <p:sld xmlns:a="http://schemas.openxmlformats.org/drawingml/2006/main" xmlns:r="http://schemas.openxmlformats.org/officeDocument/2006/relationships" xmlns:p="http://schemas.openxmlformats.org/presentationml/2006/main">
   <p:cSld>
     <p:spTree>
@@ -9657,7 +9317,7 @@
 </p:sld>
 </file>
 
-<file path=ppt/slides/slide8.xml><?xml version="1.0" encoding="utf-8"?>
+<file path=ppt/slides/slide7.xml><?xml version="1.0" encoding="utf-8"?>
 <p:sld xmlns:a="http://schemas.openxmlformats.org/drawingml/2006/main" xmlns:r="http://schemas.openxmlformats.org/officeDocument/2006/relationships" xmlns:p="http://schemas.openxmlformats.org/presentationml/2006/main">
   <p:cSld>
     <p:spTree>
@@ -9890,7 +9550,7 @@
 </p:sld>
 </file>
 
-<file path=ppt/slides/slide9.xml><?xml version="1.0" encoding="utf-8"?>
+<file path=ppt/slides/slide8.xml><?xml version="1.0" encoding="utf-8"?>
 <p:sld xmlns:a="http://schemas.openxmlformats.org/drawingml/2006/main" xmlns:r="http://schemas.openxmlformats.org/officeDocument/2006/relationships" xmlns:p="http://schemas.openxmlformats.org/presentationml/2006/main">
   <p:cSld>
     <p:spTree>
@@ -10017,6 +9677,74 @@
     <p:extLst>
       <p:ext uri="{BB962C8B-B14F-4D97-AF65-F5344CB8AC3E}">
         <p14:creationId xmlns:p14="http://schemas.microsoft.com/office/powerpoint/2010/main" val="3034578298"/>
+      </p:ext>
+    </p:extLst>
+  </p:cSld>
+  <p:clrMapOvr>
+    <a:masterClrMapping/>
+  </p:clrMapOvr>
+</p:sld>
+</file>
+
+<file path=ppt/slides/slide9.xml><?xml version="1.0" encoding="utf-8"?>
+<p:sld xmlns:a="http://schemas.openxmlformats.org/drawingml/2006/main" xmlns:r="http://schemas.openxmlformats.org/officeDocument/2006/relationships" xmlns:p="http://schemas.openxmlformats.org/presentationml/2006/main">
+  <p:cSld>
+    <p:spTree>
+      <p:nvGrpSpPr>
+        <p:cNvPr id="1" name=""/>
+        <p:cNvGrpSpPr/>
+        <p:nvPr/>
+      </p:nvGrpSpPr>
+      <p:grpSpPr>
+        <a:xfrm>
+          <a:off x="0" y="0"/>
+          <a:ext cx="0" cy="0"/>
+          <a:chOff x="0" y="0"/>
+          <a:chExt cx="0" cy="0"/>
+        </a:xfrm>
+      </p:grpSpPr>
+      <p:pic>
+        <p:nvPicPr>
+          <p:cNvPr id="2" name="Content Placeholder 1" descr="A computer code on a black background&#10;&#10;Description automatically generated">
+            <a:extLst>
+              <a:ext uri="{FF2B5EF4-FFF2-40B4-BE49-F238E27FC236}">
+                <a16:creationId xmlns:a16="http://schemas.microsoft.com/office/drawing/2014/main" id="{7906DA2E-F444-95B9-87CF-AFAF82FAAA48}"/>
+              </a:ext>
+            </a:extLst>
+          </p:cNvPr>
+          <p:cNvPicPr>
+            <a:picLocks noGrp="1" noChangeAspect="1"/>
+          </p:cNvPicPr>
+          <p:nvPr>
+            <p:ph idx="1"/>
+          </p:nvPr>
+        </p:nvPicPr>
+        <p:blipFill>
+          <a:blip r:embed="rId2">
+            <a:extLst>
+              <a:ext uri="{28A0092B-C50C-407E-A947-70E740481C1C}">
+                <a14:useLocalDpi xmlns:a14="http://schemas.microsoft.com/office/drawing/2010/main" val="0"/>
+              </a:ext>
+            </a:extLst>
+          </a:blip>
+          <a:stretch>
+            <a:fillRect/>
+          </a:stretch>
+        </p:blipFill>
+        <p:spPr>
+          <a:xfrm>
+            <a:off x="874461" y="722202"/>
+            <a:ext cx="10443077" cy="5413595"/>
+          </a:xfrm>
+          <a:prstGeom prst="rect">
+            <a:avLst/>
+          </a:prstGeom>
+        </p:spPr>
+      </p:pic>
+    </p:spTree>
+    <p:extLst>
+      <p:ext uri="{BB962C8B-B14F-4D97-AF65-F5344CB8AC3E}">
+        <p14:creationId xmlns:p14="http://schemas.microsoft.com/office/powerpoint/2010/main" val="2034348439"/>
       </p:ext>
     </p:extLst>
   </p:cSld>
